--- a/Tfg/TrabDocs/Docs/finais/apresentacao.pptx
+++ b/Tfg/TrabDocs/Docs/finais/apresentacao.pptx
@@ -6,22 +6,26 @@
   </p:sldMasterIdLst>
   <p:sldIdLst>
     <p:sldId id="256" r:id="rId2"/>
-    <p:sldId id="257" r:id="rId3"/>
-    <p:sldId id="258" r:id="rId4"/>
-    <p:sldId id="259" r:id="rId5"/>
-    <p:sldId id="260" r:id="rId6"/>
-    <p:sldId id="261" r:id="rId7"/>
-    <p:sldId id="262" r:id="rId8"/>
-    <p:sldId id="263" r:id="rId9"/>
-    <p:sldId id="264" r:id="rId10"/>
-    <p:sldId id="265" r:id="rId11"/>
-    <p:sldId id="266" r:id="rId12"/>
-    <p:sldId id="267" r:id="rId13"/>
-    <p:sldId id="268" r:id="rId14"/>
-    <p:sldId id="269" r:id="rId15"/>
-    <p:sldId id="270" r:id="rId16"/>
-    <p:sldId id="271" r:id="rId17"/>
-    <p:sldId id="272" r:id="rId18"/>
+    <p:sldId id="273" r:id="rId3"/>
+    <p:sldId id="274" r:id="rId4"/>
+    <p:sldId id="257" r:id="rId5"/>
+    <p:sldId id="258" r:id="rId6"/>
+    <p:sldId id="259" r:id="rId7"/>
+    <p:sldId id="260" r:id="rId8"/>
+    <p:sldId id="261" r:id="rId9"/>
+    <p:sldId id="262" r:id="rId10"/>
+    <p:sldId id="263" r:id="rId11"/>
+    <p:sldId id="264" r:id="rId12"/>
+    <p:sldId id="265" r:id="rId13"/>
+    <p:sldId id="266" r:id="rId14"/>
+    <p:sldId id="267" r:id="rId15"/>
+    <p:sldId id="268" r:id="rId16"/>
+    <p:sldId id="269" r:id="rId17"/>
+    <p:sldId id="270" r:id="rId18"/>
+    <p:sldId id="271" r:id="rId19"/>
+    <p:sldId id="272" r:id="rId20"/>
+    <p:sldId id="275" r:id="rId21"/>
+    <p:sldId id="276" r:id="rId22"/>
   </p:sldIdLst>
   <p:sldSz cx="12192000" cy="6858000"/>
   <p:notesSz cx="6858000" cy="9144000"/>
@@ -120,6 +124,11 @@
       </a:defRPr>
     </a:lvl9pPr>
   </p:defaultTextStyle>
+  <p:extLst>
+    <p:ext uri="{EFAFB233-063F-42B5-8137-9DF3F51BA10A}">
+      <p15:sldGuideLst xmlns:p15="http://schemas.microsoft.com/office/powerpoint/2012/main"/>
+    </p:ext>
+  </p:extLst>
 </p:presentation>
 </file>
 
@@ -846,7 +855,7 @@
             <a:fld id="{B61BEF0D-F0BB-DE4B-95CE-6DB70DBA9567}" type="datetimeFigureOut">
               <a:rPr lang="en-US" dirty="0"/>
               <a:pPr/>
-              <a:t>6/21/2017</a:t>
+              <a:t>6/22/2017</a:t>
             </a:fld>
             <a:endParaRPr lang="en-US" dirty="0"/>
           </a:p>
@@ -1094,7 +1103,7 @@
             <a:fld id="{B61BEF0D-F0BB-DE4B-95CE-6DB70DBA9567}" type="datetimeFigureOut">
               <a:rPr lang="en-US" dirty="0"/>
               <a:pPr/>
-              <a:t>6/21/2017</a:t>
+              <a:t>6/22/2017</a:t>
             </a:fld>
             <a:endParaRPr lang="en-US" dirty="0"/>
           </a:p>
@@ -1405,7 +1414,7 @@
             <a:fld id="{B61BEF0D-F0BB-DE4B-95CE-6DB70DBA9567}" type="datetimeFigureOut">
               <a:rPr lang="en-US" dirty="0"/>
               <a:pPr/>
-              <a:t>6/21/2017</a:t>
+              <a:t>6/22/2017</a:t>
             </a:fld>
             <a:endParaRPr lang="en-US" dirty="0"/>
           </a:p>
@@ -1743,7 +1752,7 @@
             <a:fld id="{B61BEF0D-F0BB-DE4B-95CE-6DB70DBA9567}" type="datetimeFigureOut">
               <a:rPr lang="en-US" dirty="0"/>
               <a:pPr/>
-              <a:t>6/21/2017</a:t>
+              <a:t>6/22/2017</a:t>
             </a:fld>
             <a:endParaRPr lang="en-US" dirty="0"/>
           </a:p>
@@ -2054,7 +2063,7 @@
             <a:fld id="{B61BEF0D-F0BB-DE4B-95CE-6DB70DBA9567}" type="datetimeFigureOut">
               <a:rPr lang="en-US" dirty="0"/>
               <a:pPr/>
-              <a:t>6/21/2017</a:t>
+              <a:t>6/22/2017</a:t>
             </a:fld>
             <a:endParaRPr lang="en-US" dirty="0"/>
           </a:p>
@@ -2444,7 +2453,7 @@
             <a:fld id="{B61BEF0D-F0BB-DE4B-95CE-6DB70DBA9567}" type="datetimeFigureOut">
               <a:rPr lang="en-US" dirty="0"/>
               <a:pPr/>
-              <a:t>6/21/2017</a:t>
+              <a:t>6/22/2017</a:t>
             </a:fld>
             <a:endParaRPr lang="en-US" dirty="0"/>
           </a:p>
@@ -2610,7 +2619,7 @@
           <a:p>
             <a:fld id="{55C6B4A9-1611-4792-9094-5F34BCA07E0B}" type="datetimeFigureOut">
               <a:rPr lang="en-US" dirty="0"/>
-              <a:t>6/21/2017</a:t>
+              <a:t>6/22/2017</a:t>
             </a:fld>
             <a:endParaRPr lang="en-US" dirty="0"/>
           </a:p>
@@ -2786,7 +2795,7 @@
             <a:fld id="{B61BEF0D-F0BB-DE4B-95CE-6DB70DBA9567}" type="datetimeFigureOut">
               <a:rPr lang="en-US" dirty="0"/>
               <a:pPr/>
-              <a:t>6/21/2017</a:t>
+              <a:t>6/22/2017</a:t>
             </a:fld>
             <a:endParaRPr lang="en-US" dirty="0"/>
           </a:p>
@@ -2959,7 +2968,7 @@
             <a:fld id="{B61BEF0D-F0BB-DE4B-95CE-6DB70DBA9567}" type="datetimeFigureOut">
               <a:rPr lang="en-US" dirty="0"/>
               <a:pPr/>
-              <a:t>6/21/2017</a:t>
+              <a:t>6/22/2017</a:t>
             </a:fld>
             <a:endParaRPr lang="en-US" dirty="0"/>
           </a:p>
@@ -3203,7 +3212,7 @@
             <a:fld id="{B61BEF0D-F0BB-DE4B-95CE-6DB70DBA9567}" type="datetimeFigureOut">
               <a:rPr lang="en-US" dirty="0"/>
               <a:pPr/>
-              <a:t>6/21/2017</a:t>
+              <a:t>6/22/2017</a:t>
             </a:fld>
             <a:endParaRPr lang="en-US" dirty="0"/>
           </a:p>
@@ -3431,7 +3440,7 @@
           <a:p>
             <a:fld id="{EB712588-04B1-427B-82EE-E8DB90309F08}" type="datetimeFigureOut">
               <a:rPr lang="en-US" dirty="0"/>
-              <a:t>6/21/2017</a:t>
+              <a:t>6/22/2017</a:t>
             </a:fld>
             <a:endParaRPr lang="en-US" dirty="0"/>
           </a:p>
@@ -3801,7 +3810,7 @@
             <a:fld id="{B61BEF0D-F0BB-DE4B-95CE-6DB70DBA9567}" type="datetimeFigureOut">
               <a:rPr lang="en-US" dirty="0"/>
               <a:pPr/>
-              <a:t>6/21/2017</a:t>
+              <a:t>6/22/2017</a:t>
             </a:fld>
             <a:endParaRPr lang="en-US" dirty="0"/>
           </a:p>
@@ -3921,7 +3930,7 @@
             <a:fld id="{B61BEF0D-F0BB-DE4B-95CE-6DB70DBA9567}" type="datetimeFigureOut">
               <a:rPr lang="en-US" dirty="0"/>
               <a:pPr/>
-              <a:t>6/21/2017</a:t>
+              <a:t>6/22/2017</a:t>
             </a:fld>
             <a:endParaRPr lang="en-US" dirty="0"/>
           </a:p>
@@ -4013,7 +4022,7 @@
             <a:fld id="{B61BEF0D-F0BB-DE4B-95CE-6DB70DBA9567}" type="datetimeFigureOut">
               <a:rPr lang="en-US" dirty="0"/>
               <a:pPr/>
-              <a:t>6/21/2017</a:t>
+              <a:t>6/22/2017</a:t>
             </a:fld>
             <a:endParaRPr lang="en-US" dirty="0"/>
           </a:p>
@@ -4264,7 +4273,7 @@
           <a:p>
             <a:fld id="{42A54C80-263E-416B-A8E0-580EDEADCBDC}" type="datetimeFigureOut">
               <a:rPr lang="en-US" dirty="0"/>
-              <a:t>6/21/2017</a:t>
+              <a:t>6/22/2017</a:t>
             </a:fld>
             <a:endParaRPr lang="en-US" dirty="0"/>
           </a:p>
@@ -4523,7 +4532,7 @@
             <a:fld id="{B61BEF0D-F0BB-DE4B-95CE-6DB70DBA9567}" type="datetimeFigureOut">
               <a:rPr lang="en-US" dirty="0"/>
               <a:pPr/>
-              <a:t>6/21/2017</a:t>
+              <a:t>6/22/2017</a:t>
             </a:fld>
             <a:endParaRPr lang="en-US" dirty="0"/>
           </a:p>
@@ -5263,7 +5272,7 @@
             <a:fld id="{B61BEF0D-F0BB-DE4B-95CE-6DB70DBA9567}" type="datetimeFigureOut">
               <a:rPr lang="en-US" dirty="0"/>
               <a:pPr/>
-              <a:t>6/21/2017</a:t>
+              <a:t>6/22/2017</a:t>
             </a:fld>
             <a:endParaRPr lang="en-US" dirty="0"/>
           </a:p>
@@ -5931,30 +5940,98 @@
             <a:spLocks noGrp="1"/>
           </p:cNvSpPr>
           <p:nvPr>
-            <p:ph type="ctrTitle"/>
-          </p:nvPr>
-        </p:nvSpPr>
+            <p:ph type="title"/>
+          </p:nvPr>
+        </p:nvSpPr>
+        <p:spPr/>
+        <p:txBody>
+          <a:bodyPr/>
+          <a:lstStyle/>
+          <a:p>
+            <a:r>
+              <a:rPr lang="en-US" dirty="0" err="1" smtClean="0"/>
+              <a:t>Lógica</a:t>
+            </a:r>
+            <a:r>
+              <a:rPr lang="en-US" dirty="0" smtClean="0"/>
+              <a:t> Fuzzy – </a:t>
+            </a:r>
+            <a:r>
+              <a:rPr lang="en-US" dirty="0" err="1" smtClean="0"/>
+              <a:t>Modelo</a:t>
+            </a:r>
+            <a:r>
+              <a:rPr lang="en-US" dirty="0" smtClean="0"/>
+              <a:t> Fuzzy</a:t>
+            </a:r>
+            <a:endParaRPr lang="pt-BR" dirty="0"/>
+          </a:p>
+        </p:txBody>
+      </p:sp>
+      <p:sp>
+        <p:nvSpPr>
+          <p:cNvPr id="3" name="Espaço Reservado para Conteúdo 2"/>
+          <p:cNvSpPr>
+            <a:spLocks noGrp="1"/>
+          </p:cNvSpPr>
+          <p:nvPr>
+            <p:ph idx="1"/>
+          </p:nvPr>
+        </p:nvSpPr>
+        <p:spPr/>
+        <p:txBody>
+          <a:bodyPr/>
+          <a:lstStyle/>
+          <a:p>
+            <a:r>
+              <a:rPr lang="pt-BR" dirty="0"/>
+              <a:t>A partir dos conceitos listados anteriormente, podemos definir o seguinte Modelo </a:t>
+            </a:r>
+            <a:r>
+              <a:rPr lang="pt-BR" dirty="0" err="1"/>
+              <a:t>Fuzzy</a:t>
+            </a:r>
+            <a:r>
+              <a:rPr lang="pt-BR" dirty="0"/>
+              <a:t>, que são os passos realizados para que seja realizada uma tomada de decisão</a:t>
+            </a:r>
+          </a:p>
+        </p:txBody>
+      </p:sp>
+      <p:pic>
+        <p:nvPicPr>
+          <p:cNvPr id="5" name="Imagem 4"/>
+          <p:cNvPicPr>
+            <a:picLocks noChangeAspect="1"/>
+          </p:cNvPicPr>
+          <p:nvPr/>
+        </p:nvPicPr>
+        <p:blipFill>
+          <a:blip r:embed="rId2">
+            <a:extLst>
+              <a:ext uri="{28A0092B-C50C-407E-A947-70E740481C1C}">
+                <a14:useLocalDpi xmlns:a14="http://schemas.microsoft.com/office/drawing/2010/main" val="0"/>
+              </a:ext>
+            </a:extLst>
+          </a:blip>
+          <a:stretch>
+            <a:fillRect/>
+          </a:stretch>
+        </p:blipFill>
         <p:spPr>
           <a:xfrm>
-            <a:off x="1145059" y="2099732"/>
-            <a:ext cx="8128944" cy="1646302"/>
+            <a:off x="1586113" y="3502955"/>
+            <a:ext cx="6276522" cy="2538407"/>
           </a:xfrm>
+          <a:prstGeom prst="rect">
+            <a:avLst/>
+          </a:prstGeom>
         </p:spPr>
-        <p:txBody>
-          <a:bodyPr/>
-          <a:lstStyle/>
-          <a:p>
-            <a:r>
-              <a:rPr lang="pt-BR" dirty="0"/>
-              <a:t>Jogo “Caçando Monstros”</a:t>
-            </a:r>
-          </a:p>
-        </p:txBody>
-      </p:sp>
+      </p:pic>
     </p:spTree>
     <p:extLst>
       <p:ext uri="{BB962C8B-B14F-4D97-AF65-F5344CB8AC3E}">
-        <p14:creationId xmlns:p14="http://schemas.microsoft.com/office/powerpoint/2010/main" val="1055235910"/>
+        <p14:creationId xmlns:p14="http://schemas.microsoft.com/office/powerpoint/2010/main" val="858577078"/>
       </p:ext>
     </p:extLst>
   </p:cSld>
@@ -5997,6 +6074,242 @@
           <a:lstStyle/>
           <a:p>
             <a:r>
+              <a:rPr lang="en-US" dirty="0" err="1" smtClean="0"/>
+              <a:t>Lógica</a:t>
+            </a:r>
+            <a:r>
+              <a:rPr lang="en-US" dirty="0"/>
+              <a:t> Fuzzy - </a:t>
+            </a:r>
+            <a:r>
+              <a:rPr lang="en-US" dirty="0" err="1"/>
+              <a:t>Modelo</a:t>
+            </a:r>
+            <a:r>
+              <a:rPr lang="en-US" dirty="0"/>
+              <a:t> Fuzzy</a:t>
+            </a:r>
+            <a:endParaRPr lang="pt-BR" dirty="0"/>
+          </a:p>
+        </p:txBody>
+      </p:sp>
+      <p:sp>
+        <p:nvSpPr>
+          <p:cNvPr id="3" name="Espaço Reservado para Conteúdo 2"/>
+          <p:cNvSpPr>
+            <a:spLocks noGrp="1"/>
+          </p:cNvSpPr>
+          <p:nvPr>
+            <p:ph idx="1"/>
+          </p:nvPr>
+        </p:nvSpPr>
+        <p:spPr/>
+        <p:txBody>
+          <a:bodyPr>
+            <a:normAutofit fontScale="92500"/>
+          </a:bodyPr>
+          <a:lstStyle/>
+          <a:p>
+            <a:pPr marL="0" indent="0">
+              <a:buNone/>
+            </a:pPr>
+            <a:r>
+              <a:rPr lang="pt-BR" dirty="0" smtClean="0"/>
+              <a:t> </a:t>
+            </a:r>
+            <a:r>
+              <a:rPr lang="pt-BR" dirty="0"/>
+              <a:t>No modelo </a:t>
+            </a:r>
+            <a:r>
+              <a:rPr lang="pt-BR" dirty="0" smtClean="0"/>
+              <a:t>podemos </a:t>
+            </a:r>
+            <a:r>
+              <a:rPr lang="pt-BR" dirty="0"/>
+              <a:t>verificar as seguintes fase:</a:t>
+            </a:r>
+          </a:p>
+          <a:p>
+            <a:endParaRPr lang="pt-BR" dirty="0"/>
+          </a:p>
+          <a:p>
+            <a:r>
+              <a:rPr lang="pt-BR" b="1" dirty="0" err="1" smtClean="0"/>
+              <a:t>Fuzzificação</a:t>
+            </a:r>
+            <a:r>
+              <a:rPr lang="pt-BR" dirty="0"/>
+              <a:t>: Nesta fase os valores do sistema em questão são convertidas em valores de Grau de Pertinência, aplicando as Funções de Pertinência definidas;</a:t>
+            </a:r>
+          </a:p>
+          <a:p>
+            <a:endParaRPr lang="pt-BR" dirty="0"/>
+          </a:p>
+          <a:p>
+            <a:r>
+              <a:rPr lang="pt-BR" b="1" dirty="0"/>
+              <a:t>I</a:t>
+            </a:r>
+            <a:r>
+              <a:rPr lang="pt-BR" b="1" dirty="0" smtClean="0"/>
+              <a:t>nferência</a:t>
+            </a:r>
+            <a:r>
+              <a:rPr lang="pt-BR" dirty="0"/>
+              <a:t>: Nesta fase, é realizada a avaliação das </a:t>
+            </a:r>
+            <a:r>
+              <a:rPr lang="pt-BR" dirty="0" smtClean="0"/>
+              <a:t>condições </a:t>
+            </a:r>
+            <a:r>
+              <a:rPr lang="pt-BR" dirty="0"/>
+              <a:t>definidas no conjunto de Regra </a:t>
+            </a:r>
+            <a:r>
+              <a:rPr lang="pt-BR" dirty="0" err="1"/>
+              <a:t>Fuzzy</a:t>
+            </a:r>
+            <a:r>
+              <a:rPr lang="pt-BR" dirty="0"/>
+              <a:t> do sistema, aplicando os Operadores </a:t>
+            </a:r>
+            <a:r>
+              <a:rPr lang="pt-BR" dirty="0" err="1"/>
+              <a:t>Fuzzy</a:t>
+            </a:r>
+            <a:r>
+              <a:rPr lang="pt-BR" dirty="0"/>
+              <a:t> adequados;</a:t>
+            </a:r>
+          </a:p>
+          <a:p>
+            <a:endParaRPr lang="pt-BR" dirty="0"/>
+          </a:p>
+          <a:p>
+            <a:r>
+              <a:rPr lang="pt-BR" b="1" dirty="0" err="1" smtClean="0"/>
+              <a:t>Defuzzyficação</a:t>
+            </a:r>
+            <a:r>
+              <a:rPr lang="pt-BR" dirty="0"/>
+              <a:t>: Nesta fase, são avaliados os resultados da inferência das Regras </a:t>
+            </a:r>
+            <a:r>
+              <a:rPr lang="pt-BR" dirty="0" err="1"/>
+              <a:t>Fuzzy</a:t>
+            </a:r>
+            <a:r>
+              <a:rPr lang="pt-BR" dirty="0"/>
+              <a:t> e devolvido ao sistema em questão o resultado da tomada de decisão</a:t>
+            </a:r>
+          </a:p>
+        </p:txBody>
+      </p:sp>
+    </p:spTree>
+    <p:extLst>
+      <p:ext uri="{BB962C8B-B14F-4D97-AF65-F5344CB8AC3E}">
+        <p14:creationId xmlns:p14="http://schemas.microsoft.com/office/powerpoint/2010/main" val="127064303"/>
+      </p:ext>
+    </p:extLst>
+  </p:cSld>
+  <p:clrMapOvr>
+    <a:masterClrMapping/>
+  </p:clrMapOvr>
+</p:sld>
+</file>
+
+<file path=ppt/slides/slide12.xml><?xml version="1.0" encoding="utf-8"?>
+<p:sld xmlns:a="http://schemas.openxmlformats.org/drawingml/2006/main" xmlns:r="http://schemas.openxmlformats.org/officeDocument/2006/relationships" xmlns:p="http://schemas.openxmlformats.org/presentationml/2006/main">
+  <p:cSld>
+    <p:spTree>
+      <p:nvGrpSpPr>
+        <p:cNvPr id="1" name=""/>
+        <p:cNvGrpSpPr/>
+        <p:nvPr/>
+      </p:nvGrpSpPr>
+      <p:grpSpPr>
+        <a:xfrm>
+          <a:off x="0" y="0"/>
+          <a:ext cx="0" cy="0"/>
+          <a:chOff x="0" y="0"/>
+          <a:chExt cx="0" cy="0"/>
+        </a:xfrm>
+      </p:grpSpPr>
+      <p:sp>
+        <p:nvSpPr>
+          <p:cNvPr id="2" name="Título 1"/>
+          <p:cNvSpPr>
+            <a:spLocks noGrp="1"/>
+          </p:cNvSpPr>
+          <p:nvPr>
+            <p:ph type="ctrTitle"/>
+          </p:nvPr>
+        </p:nvSpPr>
+        <p:spPr>
+          <a:xfrm>
+            <a:off x="1145059" y="2099732"/>
+            <a:ext cx="8128944" cy="1646302"/>
+          </a:xfrm>
+        </p:spPr>
+        <p:txBody>
+          <a:bodyPr/>
+          <a:lstStyle/>
+          <a:p>
+            <a:r>
+              <a:rPr lang="pt-BR" dirty="0"/>
+              <a:t>Jogo “Caçando Monstros”</a:t>
+            </a:r>
+          </a:p>
+        </p:txBody>
+      </p:sp>
+    </p:spTree>
+    <p:extLst>
+      <p:ext uri="{BB962C8B-B14F-4D97-AF65-F5344CB8AC3E}">
+        <p14:creationId xmlns:p14="http://schemas.microsoft.com/office/powerpoint/2010/main" val="1055235910"/>
+      </p:ext>
+    </p:extLst>
+  </p:cSld>
+  <p:clrMapOvr>
+    <a:masterClrMapping/>
+  </p:clrMapOvr>
+</p:sld>
+</file>
+
+<file path=ppt/slides/slide13.xml><?xml version="1.0" encoding="utf-8"?>
+<p:sld xmlns:a="http://schemas.openxmlformats.org/drawingml/2006/main" xmlns:r="http://schemas.openxmlformats.org/officeDocument/2006/relationships" xmlns:p="http://schemas.openxmlformats.org/presentationml/2006/main">
+  <p:cSld>
+    <p:spTree>
+      <p:nvGrpSpPr>
+        <p:cNvPr id="1" name=""/>
+        <p:cNvGrpSpPr/>
+        <p:nvPr/>
+      </p:nvGrpSpPr>
+      <p:grpSpPr>
+        <a:xfrm>
+          <a:off x="0" y="0"/>
+          <a:ext cx="0" cy="0"/>
+          <a:chOff x="0" y="0"/>
+          <a:chExt cx="0" cy="0"/>
+        </a:xfrm>
+      </p:grpSpPr>
+      <p:sp>
+        <p:nvSpPr>
+          <p:cNvPr id="2" name="Título 1"/>
+          <p:cNvSpPr>
+            <a:spLocks noGrp="1"/>
+          </p:cNvSpPr>
+          <p:nvPr>
+            <p:ph type="title"/>
+          </p:nvPr>
+        </p:nvSpPr>
+        <p:spPr/>
+        <p:txBody>
+          <a:bodyPr/>
+          <a:lstStyle/>
+          <a:p>
+            <a:r>
               <a:rPr lang="pt-BR" dirty="0"/>
               <a:t>Jogo </a:t>
             </a:r>
@@ -6055,7 +6368,7 @@
 </p:sld>
 </file>
 
-<file path=ppt/slides/slide12.xml><?xml version="1.0" encoding="utf-8"?>
+<file path=ppt/slides/slide14.xml><?xml version="1.0" encoding="utf-8"?>
 <p:sld xmlns:a="http://schemas.openxmlformats.org/drawingml/2006/main" xmlns:r="http://schemas.openxmlformats.org/officeDocument/2006/relationships" xmlns:p="http://schemas.openxmlformats.org/presentationml/2006/main">
   <p:cSld>
     <p:spTree>
@@ -6213,7 +6526,7 @@
 </p:sld>
 </file>
 
-<file path=ppt/slides/slide13.xml><?xml version="1.0" encoding="utf-8"?>
+<file path=ppt/slides/slide15.xml><?xml version="1.0" encoding="utf-8"?>
 <p:sld xmlns:a="http://schemas.openxmlformats.org/drawingml/2006/main" xmlns:r="http://schemas.openxmlformats.org/officeDocument/2006/relationships" xmlns:p="http://schemas.openxmlformats.org/presentationml/2006/main">
   <p:cSld>
     <p:spTree>
@@ -6321,7 +6634,7 @@
 </p:sld>
 </file>
 
-<file path=ppt/slides/slide14.xml><?xml version="1.0" encoding="utf-8"?>
+<file path=ppt/slides/slide16.xml><?xml version="1.0" encoding="utf-8"?>
 <p:sld xmlns:a="http://schemas.openxmlformats.org/drawingml/2006/main" xmlns:r="http://schemas.openxmlformats.org/officeDocument/2006/relationships" xmlns:p="http://schemas.openxmlformats.org/presentationml/2006/main">
   <p:cSld>
     <p:spTree>
@@ -6462,7 +6775,7 @@
 </p:sld>
 </file>
 
-<file path=ppt/slides/slide15.xml><?xml version="1.0" encoding="utf-8"?>
+<file path=ppt/slides/slide17.xml><?xml version="1.0" encoding="utf-8"?>
 <p:sld xmlns:a="http://schemas.openxmlformats.org/drawingml/2006/main" xmlns:r="http://schemas.openxmlformats.org/officeDocument/2006/relationships" xmlns:p="http://schemas.openxmlformats.org/presentationml/2006/main">
   <p:cSld>
     <p:spTree>
@@ -6566,7 +6879,7 @@
 </p:sld>
 </file>
 
-<file path=ppt/slides/slide16.xml><?xml version="1.0" encoding="utf-8"?>
+<file path=ppt/slides/slide18.xml><?xml version="1.0" encoding="utf-8"?>
 <p:sld xmlns:a="http://schemas.openxmlformats.org/drawingml/2006/main" xmlns:r="http://schemas.openxmlformats.org/officeDocument/2006/relationships" xmlns:p="http://schemas.openxmlformats.org/presentationml/2006/main">
   <p:cSld>
     <p:spTree>
@@ -6721,7 +7034,7 @@
 </p:sld>
 </file>
 
-<file path=ppt/slides/slide17.xml><?xml version="1.0" encoding="utf-8"?>
+<file path=ppt/slides/slide19.xml><?xml version="1.0" encoding="utf-8"?>
 <p:sld xmlns:a="http://schemas.openxmlformats.org/drawingml/2006/main" xmlns:r="http://schemas.openxmlformats.org/officeDocument/2006/relationships" xmlns:p="http://schemas.openxmlformats.org/presentationml/2006/main">
   <p:cSld>
     <p:spTree>
@@ -6913,6 +7226,824 @@
           <a:lstStyle/>
           <a:p>
             <a:r>
+              <a:rPr lang="pt-BR" dirty="0" smtClean="0"/>
+              <a:t>Introdução</a:t>
+            </a:r>
+            <a:endParaRPr lang="pt-BR" dirty="0"/>
+          </a:p>
+        </p:txBody>
+      </p:sp>
+      <p:sp>
+        <p:nvSpPr>
+          <p:cNvPr id="3" name="Espaço Reservado para Conteúdo 2"/>
+          <p:cNvSpPr>
+            <a:spLocks noGrp="1"/>
+          </p:cNvSpPr>
+          <p:nvPr>
+            <p:ph idx="1"/>
+          </p:nvPr>
+        </p:nvSpPr>
+        <p:spPr/>
+        <p:txBody>
+          <a:bodyPr/>
+          <a:lstStyle/>
+          <a:p>
+            <a:r>
+              <a:rPr lang="pt-BR" dirty="0" smtClean="0"/>
+              <a:t> </a:t>
+            </a:r>
+            <a:r>
+              <a:rPr lang="pt-BR" dirty="0"/>
+              <a:t>Este trabalho buscou estudar a aplicação da Lógica </a:t>
+            </a:r>
+            <a:r>
+              <a:rPr lang="pt-BR" dirty="0" err="1"/>
+              <a:t>Fuzzy</a:t>
+            </a:r>
+            <a:r>
+              <a:rPr lang="pt-BR" dirty="0"/>
+              <a:t> em um jogo baseado em </a:t>
+            </a:r>
+            <a:r>
+              <a:rPr lang="pt-BR" dirty="0" smtClean="0"/>
+              <a:t>Turnos</a:t>
+            </a:r>
+          </a:p>
+          <a:p>
+            <a:endParaRPr lang="pt-BR" dirty="0" smtClean="0"/>
+          </a:p>
+          <a:p>
+            <a:r>
+              <a:rPr lang="pt-BR" dirty="0" smtClean="0"/>
+              <a:t>Sendo </a:t>
+            </a:r>
+            <a:r>
+              <a:rPr lang="pt-BR" dirty="0"/>
+              <a:t>um aspecto </a:t>
+            </a:r>
+            <a:r>
+              <a:rPr lang="pt-BR" dirty="0" smtClean="0"/>
+              <a:t>importante </a:t>
+            </a:r>
+            <a:r>
+              <a:rPr lang="pt-BR" dirty="0"/>
+              <a:t>da implementação de um jogo, é necessário o estudo de diferentes técnicas de </a:t>
+            </a:r>
+            <a:r>
+              <a:rPr lang="pt-BR" dirty="0" smtClean="0"/>
+              <a:t>IA</a:t>
+            </a:r>
+          </a:p>
+          <a:p>
+            <a:endParaRPr lang="pt-BR" dirty="0"/>
+          </a:p>
+          <a:p>
+            <a:r>
+              <a:rPr lang="pt-BR" dirty="0" smtClean="0"/>
+              <a:t> </a:t>
+            </a:r>
+            <a:r>
+              <a:rPr lang="pt-BR" dirty="0"/>
+              <a:t>Objetivos:</a:t>
+            </a:r>
+            <a:r>
+              <a:rPr lang="pt-BR" dirty="0"/>
+              <a:t/>
+            </a:r>
+            <a:br>
+              <a:rPr lang="pt-BR" dirty="0"/>
+            </a:br>
+            <a:r>
+              <a:rPr lang="pt-BR" dirty="0"/>
+              <a:t>    </a:t>
+            </a:r>
+            <a:r>
+              <a:rPr lang="pt-BR" dirty="0" smtClean="0"/>
+              <a:t> *	Estudo </a:t>
+            </a:r>
+            <a:r>
+              <a:rPr lang="pt-BR" dirty="0"/>
+              <a:t>da adequação da Lógica </a:t>
+            </a:r>
+            <a:r>
+              <a:rPr lang="pt-BR" dirty="0" err="1"/>
+              <a:t>Fuzzy</a:t>
+            </a:r>
+            <a:r>
+              <a:rPr lang="pt-BR" dirty="0"/>
+              <a:t> em um jogo digital</a:t>
+            </a:r>
+            <a:r>
+              <a:rPr lang="pt-BR" dirty="0"/>
+              <a:t/>
+            </a:r>
+            <a:br>
+              <a:rPr lang="pt-BR" dirty="0"/>
+            </a:br>
+            <a:r>
+              <a:rPr lang="pt-BR" dirty="0"/>
+              <a:t>    </a:t>
+            </a:r>
+            <a:r>
+              <a:rPr lang="pt-BR" dirty="0" smtClean="0"/>
+              <a:t> *	Comparar </a:t>
+            </a:r>
+            <a:r>
+              <a:rPr lang="pt-BR" dirty="0"/>
+              <a:t>o desempenho do modelo implementado em relação a um modelo mais simples</a:t>
+            </a:r>
+            <a:endParaRPr lang="pt-BR" dirty="0"/>
+          </a:p>
+        </p:txBody>
+      </p:sp>
+    </p:spTree>
+    <p:extLst>
+      <p:ext uri="{BB962C8B-B14F-4D97-AF65-F5344CB8AC3E}">
+        <p14:creationId xmlns:p14="http://schemas.microsoft.com/office/powerpoint/2010/main" val="3350526634"/>
+      </p:ext>
+    </p:extLst>
+  </p:cSld>
+  <p:clrMapOvr>
+    <a:masterClrMapping/>
+  </p:clrMapOvr>
+</p:sld>
+</file>
+
+<file path=ppt/slides/slide20.xml><?xml version="1.0" encoding="utf-8"?>
+<p:sld xmlns:a="http://schemas.openxmlformats.org/drawingml/2006/main" xmlns:r="http://schemas.openxmlformats.org/officeDocument/2006/relationships" xmlns:p="http://schemas.openxmlformats.org/presentationml/2006/main">
+  <p:cSld>
+    <p:spTree>
+      <p:nvGrpSpPr>
+        <p:cNvPr id="1" name=""/>
+        <p:cNvGrpSpPr/>
+        <p:nvPr/>
+      </p:nvGrpSpPr>
+      <p:grpSpPr>
+        <a:xfrm>
+          <a:off x="0" y="0"/>
+          <a:ext cx="0" cy="0"/>
+          <a:chOff x="0" y="0"/>
+          <a:chExt cx="0" cy="0"/>
+        </a:xfrm>
+      </p:grpSpPr>
+      <p:sp>
+        <p:nvSpPr>
+          <p:cNvPr id="2" name="Título 1"/>
+          <p:cNvSpPr>
+            <a:spLocks noGrp="1"/>
+          </p:cNvSpPr>
+          <p:nvPr>
+            <p:ph type="title"/>
+          </p:nvPr>
+        </p:nvSpPr>
+        <p:spPr/>
+        <p:txBody>
+          <a:bodyPr>
+            <a:normAutofit/>
+          </a:bodyPr>
+          <a:lstStyle/>
+          <a:p>
+            <a:r>
+              <a:rPr lang="pt-BR" sz="2800" dirty="0"/>
+              <a:t>Jogo “Caçando Monstros” - </a:t>
+            </a:r>
+            <a:r>
+              <a:rPr lang="pt-BR" sz="2800" dirty="0"/>
+              <a:t>Funcionamento do jogo</a:t>
+            </a:r>
+            <a:r>
+              <a:rPr lang="pt-BR" sz="2800" dirty="0" smtClean="0"/>
+              <a:t> </a:t>
+            </a:r>
+            <a:endParaRPr lang="pt-BR" sz="2800" dirty="0"/>
+          </a:p>
+        </p:txBody>
+      </p:sp>
+      <p:sp>
+        <p:nvSpPr>
+          <p:cNvPr id="3" name="Espaço Reservado para Conteúdo 2"/>
+          <p:cNvSpPr>
+            <a:spLocks noGrp="1"/>
+          </p:cNvSpPr>
+          <p:nvPr>
+            <p:ph idx="1"/>
+          </p:nvPr>
+        </p:nvSpPr>
+        <p:spPr/>
+        <p:txBody>
+          <a:bodyPr>
+            <a:normAutofit lnSpcReduction="10000"/>
+          </a:bodyPr>
+          <a:lstStyle/>
+          <a:p>
+            <a:r>
+              <a:rPr lang="pt-BR" dirty="0" smtClean="0"/>
+              <a:t>O </a:t>
+            </a:r>
+            <a:r>
+              <a:rPr lang="pt-BR" dirty="0"/>
+              <a:t>jogo funciona repetindo o ciclo definido no Modelo </a:t>
+            </a:r>
+            <a:r>
+              <a:rPr lang="pt-BR" dirty="0" err="1"/>
+              <a:t>Fuzzy</a:t>
+            </a:r>
+            <a:r>
+              <a:rPr lang="pt-BR" dirty="0"/>
+              <a:t> definido</a:t>
+            </a:r>
+            <a:r>
+              <a:rPr lang="pt-BR" dirty="0" smtClean="0"/>
+              <a:t>:</a:t>
+            </a:r>
+            <a:r>
+              <a:rPr lang="pt-BR" dirty="0"/>
+              <a:t/>
+            </a:r>
+            <a:br>
+              <a:rPr lang="pt-BR" dirty="0"/>
+            </a:br>
+            <a:r>
+              <a:rPr lang="pt-BR" dirty="0"/>
+              <a:t>        </a:t>
+            </a:r>
+            <a:r>
+              <a:rPr lang="pt-BR" b="1" dirty="0" smtClean="0"/>
+              <a:t>1 - </a:t>
+            </a:r>
+            <a:r>
+              <a:rPr lang="pt-BR" dirty="0"/>
+              <a:t>Jogador Realiza uma jogada</a:t>
+            </a:r>
+            <a:r>
+              <a:rPr lang="pt-BR" dirty="0"/>
+              <a:t/>
+            </a:r>
+            <a:br>
+              <a:rPr lang="pt-BR" dirty="0"/>
+            </a:br>
+            <a:r>
+              <a:rPr lang="pt-BR" dirty="0"/>
+              <a:t>        </a:t>
+            </a:r>
+            <a:r>
+              <a:rPr lang="pt-BR" b="1" dirty="0" smtClean="0"/>
+              <a:t>2 - </a:t>
+            </a:r>
+            <a:r>
+              <a:rPr lang="pt-BR" dirty="0" smtClean="0"/>
+              <a:t>O </a:t>
+            </a:r>
+            <a:r>
+              <a:rPr lang="pt-BR" dirty="0"/>
+              <a:t>sistema aciona o a classe </a:t>
+            </a:r>
+            <a:r>
+              <a:rPr lang="pt-BR" dirty="0" err="1"/>
+              <a:t>ExecutaAcaoIA</a:t>
+            </a:r>
+            <a:r>
+              <a:rPr lang="pt-BR" dirty="0"/>
+              <a:t>, onde são analisados os dados que serão aplicados nas variáveis utilizadas nas Regras </a:t>
+            </a:r>
+            <a:r>
+              <a:rPr lang="pt-BR" dirty="0" err="1"/>
+              <a:t>Fuzzy</a:t>
+            </a:r>
+            <a:r>
+              <a:rPr lang="pt-BR" dirty="0"/>
+              <a:t/>
+            </a:r>
+            <a:br>
+              <a:rPr lang="pt-BR" dirty="0"/>
+            </a:br>
+            <a:r>
+              <a:rPr lang="pt-BR" dirty="0"/>
+              <a:t>        </a:t>
+            </a:r>
+            <a:r>
+              <a:rPr lang="pt-BR" b="1" dirty="0" smtClean="0"/>
+              <a:t>3 -</a:t>
+            </a:r>
+            <a:r>
+              <a:rPr lang="pt-BR" dirty="0" smtClean="0"/>
+              <a:t> </a:t>
+            </a:r>
+            <a:r>
+              <a:rPr lang="pt-BR" dirty="0"/>
+              <a:t>Após popular todas as variáveis necessárias, o sistema então chama a classe </a:t>
+            </a:r>
+            <a:r>
+              <a:rPr lang="pt-BR" dirty="0" err="1"/>
+              <a:t>PrincipalIA</a:t>
+            </a:r>
+            <a:r>
+              <a:rPr lang="pt-BR" dirty="0"/>
+              <a:t>, onde estão implementados </a:t>
+            </a:r>
+            <a:r>
+              <a:rPr lang="pt-BR" dirty="0" smtClean="0"/>
+              <a:t>cada </a:t>
+            </a:r>
+            <a:r>
+              <a:rPr lang="pt-BR" dirty="0"/>
+              <a:t>passo </a:t>
+            </a:r>
+            <a:r>
+              <a:rPr lang="pt-BR" dirty="0" err="1"/>
+              <a:t>defindo</a:t>
+            </a:r>
+            <a:r>
+              <a:rPr lang="pt-BR" dirty="0"/>
+              <a:t> no Modelo </a:t>
+            </a:r>
+            <a:r>
+              <a:rPr lang="pt-BR" dirty="0" err="1"/>
+              <a:t>Fuzzy</a:t>
+            </a:r>
+            <a:r>
+              <a:rPr lang="pt-BR" dirty="0"/>
+              <a:t>:</a:t>
+            </a:r>
+            <a:r>
+              <a:rPr lang="pt-BR" dirty="0"/>
+              <a:t/>
+            </a:r>
+            <a:br>
+              <a:rPr lang="pt-BR" dirty="0"/>
+            </a:br>
+            <a:r>
+              <a:rPr lang="pt-BR" dirty="0"/>
+              <a:t>        </a:t>
+            </a:r>
+            <a:r>
+              <a:rPr lang="pt-BR" b="1" dirty="0" smtClean="0"/>
+              <a:t>4 </a:t>
+            </a:r>
+            <a:r>
+              <a:rPr lang="pt-BR" b="1" dirty="0"/>
+              <a:t>- </a:t>
+            </a:r>
+            <a:r>
+              <a:rPr lang="pt-BR" dirty="0" err="1"/>
+              <a:t>Fuzzyficação</a:t>
+            </a:r>
+            <a:r>
+              <a:rPr lang="pt-BR" dirty="0"/>
+              <a:t>: Aplica a Função de Pertinência nas variáveis fornecidas</a:t>
+            </a:r>
+            <a:r>
+              <a:rPr lang="pt-BR" dirty="0"/>
+              <a:t/>
+            </a:r>
+            <a:br>
+              <a:rPr lang="pt-BR" dirty="0"/>
+            </a:br>
+            <a:r>
+              <a:rPr lang="pt-BR" dirty="0"/>
+              <a:t>        </a:t>
+            </a:r>
+            <a:r>
+              <a:rPr lang="pt-BR" b="1" dirty="0" smtClean="0"/>
+              <a:t>5 - </a:t>
+            </a:r>
+            <a:r>
+              <a:rPr lang="pt-BR" dirty="0"/>
+              <a:t>Inferência: Com as variáveis devidamente </a:t>
+            </a:r>
+            <a:r>
+              <a:rPr lang="pt-BR" dirty="0" err="1"/>
+              <a:t>Fuzzyficadas</a:t>
+            </a:r>
+            <a:r>
+              <a:rPr lang="pt-BR" dirty="0"/>
+              <a:t> é possível realizar a inferência do banco de Regras </a:t>
+            </a:r>
+            <a:r>
+              <a:rPr lang="pt-BR" dirty="0" err="1"/>
+              <a:t>Fuzzy</a:t>
+            </a:r>
+            <a:r>
+              <a:rPr lang="pt-BR" dirty="0"/>
+              <a:t> aplicando os Operadores </a:t>
+            </a:r>
+            <a:r>
+              <a:rPr lang="pt-BR" dirty="0" err="1"/>
+              <a:t>Fuzzy</a:t>
+            </a:r>
+            <a:r>
+              <a:rPr lang="pt-BR" dirty="0"/>
+              <a:t/>
+            </a:r>
+            <a:br>
+              <a:rPr lang="pt-BR" dirty="0"/>
+            </a:br>
+            <a:r>
+              <a:rPr lang="pt-BR" dirty="0"/>
+              <a:t>        </a:t>
+            </a:r>
+            <a:r>
+              <a:rPr lang="pt-BR" b="1" dirty="0" smtClean="0"/>
+              <a:t>6- </a:t>
+            </a:r>
+            <a:r>
+              <a:rPr lang="pt-BR" dirty="0" err="1"/>
+              <a:t>Defuzzyficação</a:t>
+            </a:r>
+            <a:r>
+              <a:rPr lang="pt-BR" dirty="0"/>
+              <a:t>: Com as regras processadas, é possível selecionar a regra com maior pertinência</a:t>
+            </a:r>
+            <a:r>
+              <a:rPr lang="pt-BR" dirty="0"/>
+              <a:t/>
+            </a:r>
+            <a:br>
+              <a:rPr lang="pt-BR" dirty="0"/>
+            </a:br>
+            <a:r>
+              <a:rPr lang="pt-BR" dirty="0"/>
+              <a:t>        </a:t>
+            </a:r>
+            <a:r>
+              <a:rPr lang="pt-BR" b="1" dirty="0" smtClean="0"/>
+              <a:t>7 - </a:t>
+            </a:r>
+            <a:r>
+              <a:rPr lang="pt-BR" dirty="0"/>
+              <a:t>Com a regra selecionada, o sistema pode executar a ação definida na regra</a:t>
+            </a:r>
+            <a:r>
+              <a:rPr lang="pt-BR" dirty="0"/>
+              <a:t/>
+            </a:r>
+            <a:br>
+              <a:rPr lang="pt-BR" dirty="0"/>
+            </a:br>
+            <a:r>
+              <a:rPr lang="pt-BR" dirty="0"/>
+              <a:t>        </a:t>
+            </a:r>
+            <a:r>
+              <a:rPr lang="pt-BR" b="1" dirty="0" smtClean="0"/>
+              <a:t>8 - </a:t>
+            </a:r>
+            <a:r>
+              <a:rPr lang="pt-BR" dirty="0"/>
+              <a:t>Após realizar a ação, o turno do sistema de IA é finalizado</a:t>
+            </a:r>
+            <a:endParaRPr lang="pt-BR" dirty="0"/>
+          </a:p>
+        </p:txBody>
+      </p:sp>
+    </p:spTree>
+    <p:extLst>
+      <p:ext uri="{BB962C8B-B14F-4D97-AF65-F5344CB8AC3E}">
+        <p14:creationId xmlns:p14="http://schemas.microsoft.com/office/powerpoint/2010/main" val="3262128651"/>
+      </p:ext>
+    </p:extLst>
+  </p:cSld>
+  <p:clrMapOvr>
+    <a:masterClrMapping/>
+  </p:clrMapOvr>
+</p:sld>
+</file>
+
+<file path=ppt/slides/slide21.xml><?xml version="1.0" encoding="utf-8"?>
+<p:sld xmlns:a="http://schemas.openxmlformats.org/drawingml/2006/main" xmlns:r="http://schemas.openxmlformats.org/officeDocument/2006/relationships" xmlns:p="http://schemas.openxmlformats.org/presentationml/2006/main">
+  <p:cSld>
+    <p:spTree>
+      <p:nvGrpSpPr>
+        <p:cNvPr id="1" name=""/>
+        <p:cNvGrpSpPr/>
+        <p:nvPr/>
+      </p:nvGrpSpPr>
+      <p:grpSpPr>
+        <a:xfrm>
+          <a:off x="0" y="0"/>
+          <a:ext cx="0" cy="0"/>
+          <a:chOff x="0" y="0"/>
+          <a:chExt cx="0" cy="0"/>
+        </a:xfrm>
+      </p:grpSpPr>
+      <p:sp>
+        <p:nvSpPr>
+          <p:cNvPr id="2" name="Título 1"/>
+          <p:cNvSpPr>
+            <a:spLocks noGrp="1"/>
+          </p:cNvSpPr>
+          <p:nvPr>
+            <p:ph type="title"/>
+          </p:nvPr>
+        </p:nvSpPr>
+        <p:spPr/>
+        <p:txBody>
+          <a:bodyPr/>
+          <a:lstStyle/>
+          <a:p>
+            <a:r>
+              <a:rPr lang="pt-BR" dirty="0"/>
+              <a:t>Considerações Finais</a:t>
+            </a:r>
+            <a:endParaRPr lang="pt-BR" dirty="0"/>
+          </a:p>
+        </p:txBody>
+      </p:sp>
+      <p:sp>
+        <p:nvSpPr>
+          <p:cNvPr id="3" name="Espaço Reservado para Conteúdo 2"/>
+          <p:cNvSpPr>
+            <a:spLocks noGrp="1"/>
+          </p:cNvSpPr>
+          <p:nvPr>
+            <p:ph idx="1"/>
+          </p:nvPr>
+        </p:nvSpPr>
+        <p:spPr/>
+        <p:txBody>
+          <a:bodyPr/>
+          <a:lstStyle/>
+          <a:p>
+            <a:r>
+              <a:rPr lang="pt-BR" dirty="0"/>
+              <a:t> </a:t>
+            </a:r>
+            <a:r>
+              <a:rPr lang="pt-BR" dirty="0" smtClean="0"/>
+              <a:t>O </a:t>
+            </a:r>
+            <a:r>
+              <a:rPr lang="pt-BR" dirty="0"/>
+              <a:t>jogo apresentou uma tendência do sistema </a:t>
+            </a:r>
+            <a:r>
+              <a:rPr lang="pt-BR" dirty="0" err="1"/>
+              <a:t>Fuzzy</a:t>
+            </a:r>
+            <a:r>
+              <a:rPr lang="pt-BR" dirty="0"/>
+              <a:t> derrotar o sistema Aleatório</a:t>
+            </a:r>
+            <a:r>
+              <a:rPr lang="pt-BR" dirty="0"/>
+              <a:t/>
+            </a:r>
+            <a:br>
+              <a:rPr lang="pt-BR" dirty="0"/>
+            </a:br>
+            <a:endParaRPr lang="pt-BR" dirty="0" smtClean="0"/>
+          </a:p>
+          <a:p>
+            <a:r>
+              <a:rPr lang="pt-BR" dirty="0"/>
+              <a:t> </a:t>
+            </a:r>
+            <a:r>
+              <a:rPr lang="pt-BR" dirty="0" smtClean="0"/>
+              <a:t>Maior </a:t>
+            </a:r>
+            <a:r>
+              <a:rPr lang="pt-BR" dirty="0"/>
+              <a:t>número de Regras e Variáveis </a:t>
+            </a:r>
+            <a:r>
+              <a:rPr lang="pt-BR" dirty="0" err="1"/>
+              <a:t>Fuzzy</a:t>
+            </a:r>
+            <a:r>
+              <a:rPr lang="pt-BR" dirty="0"/>
+              <a:t> aumentam a melhoram capacidade do sistema</a:t>
+            </a:r>
+            <a:r>
+              <a:rPr lang="pt-BR" dirty="0"/>
+              <a:t/>
+            </a:r>
+            <a:br>
+              <a:rPr lang="pt-BR" dirty="0"/>
+            </a:br>
+            <a:endParaRPr lang="pt-BR" dirty="0" smtClean="0"/>
+          </a:p>
+          <a:p>
+            <a:r>
+              <a:rPr lang="pt-BR" dirty="0"/>
+              <a:t> </a:t>
+            </a:r>
+            <a:r>
+              <a:rPr lang="pt-BR" dirty="0" smtClean="0"/>
+              <a:t>Sistema </a:t>
+            </a:r>
+            <a:r>
+              <a:rPr lang="pt-BR" dirty="0"/>
+              <a:t>de "Magias" ou "Mana" poderiam diversificar as estratégias/regras/variáveis</a:t>
+            </a:r>
+            <a:endParaRPr lang="pt-BR" dirty="0"/>
+          </a:p>
+        </p:txBody>
+      </p:sp>
+    </p:spTree>
+    <p:extLst>
+      <p:ext uri="{BB962C8B-B14F-4D97-AF65-F5344CB8AC3E}">
+        <p14:creationId xmlns:p14="http://schemas.microsoft.com/office/powerpoint/2010/main" val="1002877915"/>
+      </p:ext>
+    </p:extLst>
+  </p:cSld>
+  <p:clrMapOvr>
+    <a:masterClrMapping/>
+  </p:clrMapOvr>
+</p:sld>
+</file>
+
+<file path=ppt/slides/slide3.xml><?xml version="1.0" encoding="utf-8"?>
+<p:sld xmlns:a="http://schemas.openxmlformats.org/drawingml/2006/main" xmlns:r="http://schemas.openxmlformats.org/officeDocument/2006/relationships" xmlns:p="http://schemas.openxmlformats.org/presentationml/2006/main">
+  <p:cSld>
+    <p:spTree>
+      <p:nvGrpSpPr>
+        <p:cNvPr id="1" name=""/>
+        <p:cNvGrpSpPr/>
+        <p:nvPr/>
+      </p:nvGrpSpPr>
+      <p:grpSpPr>
+        <a:xfrm>
+          <a:off x="0" y="0"/>
+          <a:ext cx="0" cy="0"/>
+          <a:chOff x="0" y="0"/>
+          <a:chExt cx="0" cy="0"/>
+        </a:xfrm>
+      </p:grpSpPr>
+      <p:sp>
+        <p:nvSpPr>
+          <p:cNvPr id="2" name="Título 1"/>
+          <p:cNvSpPr>
+            <a:spLocks noGrp="1"/>
+          </p:cNvSpPr>
+          <p:nvPr>
+            <p:ph type="title"/>
+          </p:nvPr>
+        </p:nvSpPr>
+        <p:spPr/>
+        <p:txBody>
+          <a:bodyPr/>
+          <a:lstStyle/>
+          <a:p>
+            <a:r>
+              <a:rPr lang="pt-BR" dirty="0" smtClean="0"/>
+              <a:t>Inteligência </a:t>
+            </a:r>
+            <a:r>
+              <a:rPr lang="pt-BR" dirty="0"/>
+              <a:t>Artificial</a:t>
+            </a:r>
+            <a:endParaRPr lang="pt-BR" dirty="0"/>
+          </a:p>
+        </p:txBody>
+      </p:sp>
+      <p:sp>
+        <p:nvSpPr>
+          <p:cNvPr id="3" name="Espaço Reservado para Conteúdo 2"/>
+          <p:cNvSpPr>
+            <a:spLocks noGrp="1"/>
+          </p:cNvSpPr>
+          <p:nvPr>
+            <p:ph idx="1"/>
+          </p:nvPr>
+        </p:nvSpPr>
+        <p:spPr/>
+        <p:txBody>
+          <a:bodyPr/>
+          <a:lstStyle/>
+          <a:p>
+            <a:r>
+              <a:rPr lang="pt-BR" dirty="0" smtClean="0"/>
+              <a:t>Compreender </a:t>
+            </a:r>
+            <a:r>
+              <a:rPr lang="pt-BR" dirty="0"/>
+              <a:t>o funcionamento da inteligência </a:t>
+            </a:r>
+            <a:r>
+              <a:rPr lang="pt-BR" dirty="0"/>
+              <a:t/>
+            </a:r>
+            <a:br>
+              <a:rPr lang="pt-BR" dirty="0"/>
+            </a:br>
+            <a:endParaRPr lang="pt-BR" dirty="0" smtClean="0"/>
+          </a:p>
+          <a:p>
+            <a:r>
+              <a:rPr lang="pt-BR" dirty="0" smtClean="0"/>
+              <a:t>Possibilitar </a:t>
+            </a:r>
+            <a:r>
+              <a:rPr lang="pt-BR" dirty="0"/>
+              <a:t>ao computador tarefas que humanos e animais </a:t>
+            </a:r>
+            <a:r>
+              <a:rPr lang="pt-BR" dirty="0" err="1"/>
+              <a:t>sao</a:t>
+            </a:r>
+            <a:r>
+              <a:rPr lang="pt-BR" dirty="0"/>
+              <a:t> capazes de fazer</a:t>
+            </a:r>
+            <a:r>
+              <a:rPr lang="pt-BR" dirty="0"/>
+              <a:t/>
+            </a:r>
+            <a:br>
+              <a:rPr lang="pt-BR" dirty="0"/>
+            </a:br>
+            <a:endParaRPr lang="pt-BR" dirty="0" smtClean="0"/>
+          </a:p>
+          <a:p>
+            <a:r>
+              <a:rPr lang="pt-BR" dirty="0" smtClean="0"/>
+              <a:t>Em </a:t>
+            </a:r>
+            <a:r>
+              <a:rPr lang="pt-BR" dirty="0"/>
+              <a:t>um jogo, queremos que o computador realize ações similares a que um humano realizaria</a:t>
+            </a:r>
+            <a:r>
+              <a:rPr lang="pt-BR" dirty="0"/>
+              <a:t/>
+            </a:r>
+            <a:br>
+              <a:rPr lang="pt-BR" dirty="0"/>
+            </a:br>
+            <a:endParaRPr lang="pt-BR" dirty="0" smtClean="0"/>
+          </a:p>
+          <a:p>
+            <a:r>
+              <a:rPr lang="pt-BR" dirty="0" smtClean="0"/>
+              <a:t>Diversas </a:t>
+            </a:r>
+            <a:r>
+              <a:rPr lang="pt-BR" dirty="0"/>
+              <a:t>técnicas foram desenvolvidas para modelar sistemas inteligentes: Sistemas Especialistas</a:t>
+            </a:r>
+            <a:r>
+              <a:rPr lang="pt-BR" dirty="0" smtClean="0"/>
+              <a:t>,</a:t>
+            </a:r>
+            <a:r>
+              <a:rPr lang="pt-BR" dirty="0"/>
+              <a:t> Máquina de Estados Finitos, Lógica </a:t>
+            </a:r>
+            <a:r>
+              <a:rPr lang="pt-BR" dirty="0" err="1"/>
+              <a:t>Fuzzy</a:t>
+            </a:r>
+            <a:endParaRPr lang="pt-BR" dirty="0"/>
+          </a:p>
+        </p:txBody>
+      </p:sp>
+    </p:spTree>
+    <p:extLst>
+      <p:ext uri="{BB962C8B-B14F-4D97-AF65-F5344CB8AC3E}">
+        <p14:creationId xmlns:p14="http://schemas.microsoft.com/office/powerpoint/2010/main" val="1608337469"/>
+      </p:ext>
+    </p:extLst>
+  </p:cSld>
+  <p:clrMapOvr>
+    <a:masterClrMapping/>
+  </p:clrMapOvr>
+</p:sld>
+</file>
+
+<file path=ppt/slides/slide4.xml><?xml version="1.0" encoding="utf-8"?>
+<p:sld xmlns:a="http://schemas.openxmlformats.org/drawingml/2006/main" xmlns:r="http://schemas.openxmlformats.org/officeDocument/2006/relationships" xmlns:p="http://schemas.openxmlformats.org/presentationml/2006/main">
+  <p:cSld>
+    <p:spTree>
+      <p:nvGrpSpPr>
+        <p:cNvPr id="1" name=""/>
+        <p:cNvGrpSpPr/>
+        <p:nvPr/>
+      </p:nvGrpSpPr>
+      <p:grpSpPr>
+        <a:xfrm>
+          <a:off x="0" y="0"/>
+          <a:ext cx="0" cy="0"/>
+          <a:chOff x="0" y="0"/>
+          <a:chExt cx="0" cy="0"/>
+        </a:xfrm>
+      </p:grpSpPr>
+      <p:sp>
+        <p:nvSpPr>
+          <p:cNvPr id="2" name="Título 1"/>
+          <p:cNvSpPr>
+            <a:spLocks noGrp="1"/>
+          </p:cNvSpPr>
+          <p:nvPr>
+            <p:ph type="title"/>
+          </p:nvPr>
+        </p:nvSpPr>
+        <p:spPr/>
+        <p:txBody>
+          <a:bodyPr/>
+          <a:lstStyle/>
+          <a:p>
+            <a:r>
               <a:rPr lang="en-US" dirty="0" err="1" smtClean="0"/>
               <a:t>Lógica</a:t>
             </a:r>
@@ -6984,10 +8115,6 @@
             <a:r>
               <a:rPr lang="pt-BR" dirty="0"/>
               <a:t> estende o conceito da Lógica Booleana, definindo</a:t>
-            </a:r>
-            <a:r>
-              <a:rPr lang="pt-BR" dirty="0"/>
-              <a:t/>
             </a:r>
             <a:br>
               <a:rPr lang="pt-BR" dirty="0"/>
@@ -7060,7 +8187,7 @@
 </p:sld>
 </file>
 
-<file path=ppt/slides/slide3.xml><?xml version="1.0" encoding="utf-8"?>
+<file path=ppt/slides/slide5.xml><?xml version="1.0" encoding="utf-8"?>
 <p:sld xmlns:a="http://schemas.openxmlformats.org/drawingml/2006/main" xmlns:r="http://schemas.openxmlformats.org/officeDocument/2006/relationships" xmlns:p="http://schemas.openxmlformats.org/presentationml/2006/main">
   <p:cSld>
     <p:spTree>
@@ -7173,7 +8300,7 @@
 </p:sld>
 </file>
 
-<file path=ppt/slides/slide4.xml><?xml version="1.0" encoding="utf-8"?>
+<file path=ppt/slides/slide6.xml><?xml version="1.0" encoding="utf-8"?>
 <p:sld xmlns:a="http://schemas.openxmlformats.org/drawingml/2006/main" xmlns:r="http://schemas.openxmlformats.org/officeDocument/2006/relationships" xmlns:p="http://schemas.openxmlformats.org/presentationml/2006/main">
   <p:cSld>
     <p:spTree>
@@ -7297,7 +8424,7 @@
 </p:sld>
 </file>
 
-<file path=ppt/slides/slide5.xml><?xml version="1.0" encoding="utf-8"?>
+<file path=ppt/slides/slide7.xml><?xml version="1.0" encoding="utf-8"?>
 <p:sld xmlns:a="http://schemas.openxmlformats.org/drawingml/2006/main" xmlns:r="http://schemas.openxmlformats.org/officeDocument/2006/relationships" xmlns:p="http://schemas.openxmlformats.org/presentationml/2006/main">
   <p:cSld>
     <p:spTree>
@@ -7409,7 +8536,7 @@
 </p:sld>
 </file>
 
-<file path=ppt/slides/slide6.xml><?xml version="1.0" encoding="utf-8"?>
+<file path=ppt/slides/slide8.xml><?xml version="1.0" encoding="utf-8"?>
 <p:sld xmlns:a="http://schemas.openxmlformats.org/drawingml/2006/main" xmlns:r="http://schemas.openxmlformats.org/officeDocument/2006/relationships" xmlns:p="http://schemas.openxmlformats.org/presentationml/2006/main">
   <p:cSld>
     <p:spTree>
@@ -7630,7 +8757,7 @@
 </p:sld>
 </file>
 
-<file path=ppt/slides/slide7.xml><?xml version="1.0" encoding="utf-8"?>
+<file path=ppt/slides/slide9.xml><?xml version="1.0" encoding="utf-8"?>
 <p:sld xmlns:a="http://schemas.openxmlformats.org/drawingml/2006/main" xmlns:r="http://schemas.openxmlformats.org/officeDocument/2006/relationships" xmlns:p="http://schemas.openxmlformats.org/presentationml/2006/main">
   <p:cSld>
     <p:spTree>
@@ -7751,310 +8878,6 @@
     <p:extLst>
       <p:ext uri="{BB962C8B-B14F-4D97-AF65-F5344CB8AC3E}">
         <p14:creationId xmlns:p14="http://schemas.microsoft.com/office/powerpoint/2010/main" val="994432945"/>
-      </p:ext>
-    </p:extLst>
-  </p:cSld>
-  <p:clrMapOvr>
-    <a:masterClrMapping/>
-  </p:clrMapOvr>
-</p:sld>
-</file>
-
-<file path=ppt/slides/slide8.xml><?xml version="1.0" encoding="utf-8"?>
-<p:sld xmlns:a="http://schemas.openxmlformats.org/drawingml/2006/main" xmlns:r="http://schemas.openxmlformats.org/officeDocument/2006/relationships" xmlns:p="http://schemas.openxmlformats.org/presentationml/2006/main">
-  <p:cSld>
-    <p:spTree>
-      <p:nvGrpSpPr>
-        <p:cNvPr id="1" name=""/>
-        <p:cNvGrpSpPr/>
-        <p:nvPr/>
-      </p:nvGrpSpPr>
-      <p:grpSpPr>
-        <a:xfrm>
-          <a:off x="0" y="0"/>
-          <a:ext cx="0" cy="0"/>
-          <a:chOff x="0" y="0"/>
-          <a:chExt cx="0" cy="0"/>
-        </a:xfrm>
-      </p:grpSpPr>
-      <p:sp>
-        <p:nvSpPr>
-          <p:cNvPr id="2" name="Título 1"/>
-          <p:cNvSpPr>
-            <a:spLocks noGrp="1"/>
-          </p:cNvSpPr>
-          <p:nvPr>
-            <p:ph type="title"/>
-          </p:nvPr>
-        </p:nvSpPr>
-        <p:spPr/>
-        <p:txBody>
-          <a:bodyPr/>
-          <a:lstStyle/>
-          <a:p>
-            <a:r>
-              <a:rPr lang="en-US" dirty="0" err="1" smtClean="0"/>
-              <a:t>Lógica</a:t>
-            </a:r>
-            <a:r>
-              <a:rPr lang="en-US" dirty="0" smtClean="0"/>
-              <a:t> Fuzzy – </a:t>
-            </a:r>
-            <a:r>
-              <a:rPr lang="en-US" dirty="0" err="1" smtClean="0"/>
-              <a:t>Modelo</a:t>
-            </a:r>
-            <a:r>
-              <a:rPr lang="en-US" dirty="0" smtClean="0"/>
-              <a:t> Fuzzy</a:t>
-            </a:r>
-            <a:endParaRPr lang="pt-BR" dirty="0"/>
-          </a:p>
-        </p:txBody>
-      </p:sp>
-      <p:sp>
-        <p:nvSpPr>
-          <p:cNvPr id="3" name="Espaço Reservado para Conteúdo 2"/>
-          <p:cNvSpPr>
-            <a:spLocks noGrp="1"/>
-          </p:cNvSpPr>
-          <p:nvPr>
-            <p:ph idx="1"/>
-          </p:nvPr>
-        </p:nvSpPr>
-        <p:spPr/>
-        <p:txBody>
-          <a:bodyPr/>
-          <a:lstStyle/>
-          <a:p>
-            <a:r>
-              <a:rPr lang="pt-BR" dirty="0"/>
-              <a:t>A partir dos conceitos listados anteriormente, podemos definir o seguinte Modelo </a:t>
-            </a:r>
-            <a:r>
-              <a:rPr lang="pt-BR" dirty="0" err="1"/>
-              <a:t>Fuzzy</a:t>
-            </a:r>
-            <a:r>
-              <a:rPr lang="pt-BR" dirty="0"/>
-              <a:t>, que são os passos realizados para que seja realizada uma tomada de decisão</a:t>
-            </a:r>
-          </a:p>
-        </p:txBody>
-      </p:sp>
-      <p:pic>
-        <p:nvPicPr>
-          <p:cNvPr id="5" name="Imagem 4"/>
-          <p:cNvPicPr>
-            <a:picLocks noChangeAspect="1"/>
-          </p:cNvPicPr>
-          <p:nvPr/>
-        </p:nvPicPr>
-        <p:blipFill>
-          <a:blip r:embed="rId2">
-            <a:extLst>
-              <a:ext uri="{28A0092B-C50C-407E-A947-70E740481C1C}">
-                <a14:useLocalDpi xmlns:a14="http://schemas.microsoft.com/office/drawing/2010/main" val="0"/>
-              </a:ext>
-            </a:extLst>
-          </a:blip>
-          <a:stretch>
-            <a:fillRect/>
-          </a:stretch>
-        </p:blipFill>
-        <p:spPr>
-          <a:xfrm>
-            <a:off x="1586113" y="3502955"/>
-            <a:ext cx="6276522" cy="2538407"/>
-          </a:xfrm>
-          <a:prstGeom prst="rect">
-            <a:avLst/>
-          </a:prstGeom>
-        </p:spPr>
-      </p:pic>
-    </p:spTree>
-    <p:extLst>
-      <p:ext uri="{BB962C8B-B14F-4D97-AF65-F5344CB8AC3E}">
-        <p14:creationId xmlns:p14="http://schemas.microsoft.com/office/powerpoint/2010/main" val="858577078"/>
-      </p:ext>
-    </p:extLst>
-  </p:cSld>
-  <p:clrMapOvr>
-    <a:masterClrMapping/>
-  </p:clrMapOvr>
-</p:sld>
-</file>
-
-<file path=ppt/slides/slide9.xml><?xml version="1.0" encoding="utf-8"?>
-<p:sld xmlns:a="http://schemas.openxmlformats.org/drawingml/2006/main" xmlns:r="http://schemas.openxmlformats.org/officeDocument/2006/relationships" xmlns:p="http://schemas.openxmlformats.org/presentationml/2006/main">
-  <p:cSld>
-    <p:spTree>
-      <p:nvGrpSpPr>
-        <p:cNvPr id="1" name=""/>
-        <p:cNvGrpSpPr/>
-        <p:nvPr/>
-      </p:nvGrpSpPr>
-      <p:grpSpPr>
-        <a:xfrm>
-          <a:off x="0" y="0"/>
-          <a:ext cx="0" cy="0"/>
-          <a:chOff x="0" y="0"/>
-          <a:chExt cx="0" cy="0"/>
-        </a:xfrm>
-      </p:grpSpPr>
-      <p:sp>
-        <p:nvSpPr>
-          <p:cNvPr id="2" name="Título 1"/>
-          <p:cNvSpPr>
-            <a:spLocks noGrp="1"/>
-          </p:cNvSpPr>
-          <p:nvPr>
-            <p:ph type="title"/>
-          </p:nvPr>
-        </p:nvSpPr>
-        <p:spPr/>
-        <p:txBody>
-          <a:bodyPr/>
-          <a:lstStyle/>
-          <a:p>
-            <a:r>
-              <a:rPr lang="en-US" dirty="0" err="1" smtClean="0"/>
-              <a:t>Lógica</a:t>
-            </a:r>
-            <a:r>
-              <a:rPr lang="en-US" dirty="0"/>
-              <a:t> Fuzzy - </a:t>
-            </a:r>
-            <a:r>
-              <a:rPr lang="en-US" dirty="0" err="1"/>
-              <a:t>Modelo</a:t>
-            </a:r>
-            <a:r>
-              <a:rPr lang="en-US" dirty="0"/>
-              <a:t> Fuzzy</a:t>
-            </a:r>
-            <a:endParaRPr lang="pt-BR" dirty="0"/>
-          </a:p>
-        </p:txBody>
-      </p:sp>
-      <p:sp>
-        <p:nvSpPr>
-          <p:cNvPr id="3" name="Espaço Reservado para Conteúdo 2"/>
-          <p:cNvSpPr>
-            <a:spLocks noGrp="1"/>
-          </p:cNvSpPr>
-          <p:nvPr>
-            <p:ph idx="1"/>
-          </p:nvPr>
-        </p:nvSpPr>
-        <p:spPr/>
-        <p:txBody>
-          <a:bodyPr>
-            <a:normAutofit fontScale="92500"/>
-          </a:bodyPr>
-          <a:lstStyle/>
-          <a:p>
-            <a:pPr marL="0" indent="0">
-              <a:buNone/>
-            </a:pPr>
-            <a:r>
-              <a:rPr lang="pt-BR" dirty="0" smtClean="0"/>
-              <a:t> </a:t>
-            </a:r>
-            <a:r>
-              <a:rPr lang="pt-BR" dirty="0"/>
-              <a:t>No modelo </a:t>
-            </a:r>
-            <a:r>
-              <a:rPr lang="pt-BR" dirty="0" smtClean="0"/>
-              <a:t>podemos </a:t>
-            </a:r>
-            <a:r>
-              <a:rPr lang="pt-BR" dirty="0"/>
-              <a:t>verificar as seguintes fase:</a:t>
-            </a:r>
-          </a:p>
-          <a:p>
-            <a:endParaRPr lang="pt-BR" dirty="0"/>
-          </a:p>
-          <a:p>
-            <a:r>
-              <a:rPr lang="pt-BR" b="1" dirty="0" err="1" smtClean="0"/>
-              <a:t>Fuzzificação</a:t>
-            </a:r>
-            <a:r>
-              <a:rPr lang="pt-BR" dirty="0"/>
-              <a:t>: Nesta fase os valores do sistema em questão são convertidas em valores de Grau de Pertinência, aplicando as Funções de Pertinência definidas;</a:t>
-            </a:r>
-          </a:p>
-          <a:p>
-            <a:endParaRPr lang="pt-BR" dirty="0"/>
-          </a:p>
-          <a:p>
-            <a:r>
-              <a:rPr lang="pt-BR" b="1" dirty="0"/>
-              <a:t>I</a:t>
-            </a:r>
-            <a:r>
-              <a:rPr lang="pt-BR" b="1" dirty="0" smtClean="0"/>
-              <a:t>nferência</a:t>
-            </a:r>
-            <a:r>
-              <a:rPr lang="pt-BR" dirty="0"/>
-              <a:t>: Nesta fase, é realizada a avaliação das </a:t>
-            </a:r>
-            <a:r>
-              <a:rPr lang="pt-BR" dirty="0" smtClean="0"/>
-              <a:t>condições </a:t>
-            </a:r>
-            <a:r>
-              <a:rPr lang="pt-BR" dirty="0"/>
-              <a:t>definidas no conjunto de Regra </a:t>
-            </a:r>
-            <a:r>
-              <a:rPr lang="pt-BR" dirty="0" err="1"/>
-              <a:t>Fuzzy</a:t>
-            </a:r>
-            <a:r>
-              <a:rPr lang="pt-BR" dirty="0"/>
-              <a:t> do sistema, aplicando os Operadores </a:t>
-            </a:r>
-            <a:r>
-              <a:rPr lang="pt-BR" dirty="0" err="1"/>
-              <a:t>Fuzzy</a:t>
-            </a:r>
-            <a:r>
-              <a:rPr lang="pt-BR" dirty="0"/>
-              <a:t> adequados;</a:t>
-            </a:r>
-          </a:p>
-          <a:p>
-            <a:endParaRPr lang="pt-BR" dirty="0"/>
-          </a:p>
-          <a:p>
-            <a:r>
-              <a:rPr lang="pt-BR" b="1" dirty="0" err="1" smtClean="0"/>
-              <a:t>Defuzzyficação</a:t>
-            </a:r>
-            <a:r>
-              <a:rPr lang="pt-BR" dirty="0"/>
-              <a:t>: Nesta fase, são avaliados os resultados da inferência das Regras </a:t>
-            </a:r>
-            <a:r>
-              <a:rPr lang="pt-BR" dirty="0" err="1"/>
-              <a:t>Fuzzy</a:t>
-            </a:r>
-            <a:r>
-              <a:rPr lang="pt-BR" dirty="0"/>
-              <a:t> e devolvido ao sistema em questão o resultado da tomada de decisão</a:t>
-            </a:r>
-          </a:p>
-        </p:txBody>
-      </p:sp>
-    </p:spTree>
-    <p:extLst>
-      <p:ext uri="{BB962C8B-B14F-4D97-AF65-F5344CB8AC3E}">
-        <p14:creationId xmlns:p14="http://schemas.microsoft.com/office/powerpoint/2010/main" val="127064303"/>
       </p:ext>
     </p:extLst>
   </p:cSld>

--- a/Tfg/TrabDocs/Docs/finais/apresentacao.pptx
+++ b/Tfg/TrabDocs/Docs/finais/apresentacao.pptx
@@ -6,26 +6,28 @@
   </p:sldMasterIdLst>
   <p:sldIdLst>
     <p:sldId id="256" r:id="rId2"/>
-    <p:sldId id="273" r:id="rId3"/>
-    <p:sldId id="274" r:id="rId4"/>
-    <p:sldId id="257" r:id="rId5"/>
-    <p:sldId id="258" r:id="rId6"/>
-    <p:sldId id="259" r:id="rId7"/>
-    <p:sldId id="260" r:id="rId8"/>
-    <p:sldId id="261" r:id="rId9"/>
-    <p:sldId id="262" r:id="rId10"/>
-    <p:sldId id="263" r:id="rId11"/>
-    <p:sldId id="264" r:id="rId12"/>
-    <p:sldId id="265" r:id="rId13"/>
-    <p:sldId id="266" r:id="rId14"/>
-    <p:sldId id="267" r:id="rId15"/>
-    <p:sldId id="268" r:id="rId16"/>
-    <p:sldId id="269" r:id="rId17"/>
-    <p:sldId id="270" r:id="rId18"/>
-    <p:sldId id="271" r:id="rId19"/>
-    <p:sldId id="272" r:id="rId20"/>
-    <p:sldId id="275" r:id="rId21"/>
-    <p:sldId id="276" r:id="rId22"/>
+    <p:sldId id="277" r:id="rId3"/>
+    <p:sldId id="273" r:id="rId4"/>
+    <p:sldId id="278" r:id="rId5"/>
+    <p:sldId id="274" r:id="rId6"/>
+    <p:sldId id="257" r:id="rId7"/>
+    <p:sldId id="258" r:id="rId8"/>
+    <p:sldId id="259" r:id="rId9"/>
+    <p:sldId id="260" r:id="rId10"/>
+    <p:sldId id="261" r:id="rId11"/>
+    <p:sldId id="262" r:id="rId12"/>
+    <p:sldId id="263" r:id="rId13"/>
+    <p:sldId id="264" r:id="rId14"/>
+    <p:sldId id="265" r:id="rId15"/>
+    <p:sldId id="266" r:id="rId16"/>
+    <p:sldId id="267" r:id="rId17"/>
+    <p:sldId id="268" r:id="rId18"/>
+    <p:sldId id="269" r:id="rId19"/>
+    <p:sldId id="270" r:id="rId20"/>
+    <p:sldId id="271" r:id="rId21"/>
+    <p:sldId id="272" r:id="rId22"/>
+    <p:sldId id="275" r:id="rId23"/>
+    <p:sldId id="276" r:id="rId24"/>
   </p:sldIdLst>
   <p:sldSz cx="12192000" cy="6858000"/>
   <p:notesSz cx="6858000" cy="9144000"/>
@@ -855,7 +857,7 @@
             <a:fld id="{B61BEF0D-F0BB-DE4B-95CE-6DB70DBA9567}" type="datetimeFigureOut">
               <a:rPr lang="en-US" dirty="0"/>
               <a:pPr/>
-              <a:t>6/22/2017</a:t>
+              <a:t>6/24/2017</a:t>
             </a:fld>
             <a:endParaRPr lang="en-US" dirty="0"/>
           </a:p>
@@ -1103,7 +1105,7 @@
             <a:fld id="{B61BEF0D-F0BB-DE4B-95CE-6DB70DBA9567}" type="datetimeFigureOut">
               <a:rPr lang="en-US" dirty="0"/>
               <a:pPr/>
-              <a:t>6/22/2017</a:t>
+              <a:t>6/24/2017</a:t>
             </a:fld>
             <a:endParaRPr lang="en-US" dirty="0"/>
           </a:p>
@@ -1414,7 +1416,7 @@
             <a:fld id="{B61BEF0D-F0BB-DE4B-95CE-6DB70DBA9567}" type="datetimeFigureOut">
               <a:rPr lang="en-US" dirty="0"/>
               <a:pPr/>
-              <a:t>6/22/2017</a:t>
+              <a:t>6/24/2017</a:t>
             </a:fld>
             <a:endParaRPr lang="en-US" dirty="0"/>
           </a:p>
@@ -1752,7 +1754,7 @@
             <a:fld id="{B61BEF0D-F0BB-DE4B-95CE-6DB70DBA9567}" type="datetimeFigureOut">
               <a:rPr lang="en-US" dirty="0"/>
               <a:pPr/>
-              <a:t>6/22/2017</a:t>
+              <a:t>6/24/2017</a:t>
             </a:fld>
             <a:endParaRPr lang="en-US" dirty="0"/>
           </a:p>
@@ -2063,7 +2065,7 @@
             <a:fld id="{B61BEF0D-F0BB-DE4B-95CE-6DB70DBA9567}" type="datetimeFigureOut">
               <a:rPr lang="en-US" dirty="0"/>
               <a:pPr/>
-              <a:t>6/22/2017</a:t>
+              <a:t>6/24/2017</a:t>
             </a:fld>
             <a:endParaRPr lang="en-US" dirty="0"/>
           </a:p>
@@ -2453,7 +2455,7 @@
             <a:fld id="{B61BEF0D-F0BB-DE4B-95CE-6DB70DBA9567}" type="datetimeFigureOut">
               <a:rPr lang="en-US" dirty="0"/>
               <a:pPr/>
-              <a:t>6/22/2017</a:t>
+              <a:t>6/24/2017</a:t>
             </a:fld>
             <a:endParaRPr lang="en-US" dirty="0"/>
           </a:p>
@@ -2619,7 +2621,7 @@
           <a:p>
             <a:fld id="{55C6B4A9-1611-4792-9094-5F34BCA07E0B}" type="datetimeFigureOut">
               <a:rPr lang="en-US" dirty="0"/>
-              <a:t>6/22/2017</a:t>
+              <a:t>6/24/2017</a:t>
             </a:fld>
             <a:endParaRPr lang="en-US" dirty="0"/>
           </a:p>
@@ -2795,7 +2797,7 @@
             <a:fld id="{B61BEF0D-F0BB-DE4B-95CE-6DB70DBA9567}" type="datetimeFigureOut">
               <a:rPr lang="en-US" dirty="0"/>
               <a:pPr/>
-              <a:t>6/22/2017</a:t>
+              <a:t>6/24/2017</a:t>
             </a:fld>
             <a:endParaRPr lang="en-US" dirty="0"/>
           </a:p>
@@ -2968,7 +2970,7 @@
             <a:fld id="{B61BEF0D-F0BB-DE4B-95CE-6DB70DBA9567}" type="datetimeFigureOut">
               <a:rPr lang="en-US" dirty="0"/>
               <a:pPr/>
-              <a:t>6/22/2017</a:t>
+              <a:t>6/24/2017</a:t>
             </a:fld>
             <a:endParaRPr lang="en-US" dirty="0"/>
           </a:p>
@@ -3212,7 +3214,7 @@
             <a:fld id="{B61BEF0D-F0BB-DE4B-95CE-6DB70DBA9567}" type="datetimeFigureOut">
               <a:rPr lang="en-US" dirty="0"/>
               <a:pPr/>
-              <a:t>6/22/2017</a:t>
+              <a:t>6/24/2017</a:t>
             </a:fld>
             <a:endParaRPr lang="en-US" dirty="0"/>
           </a:p>
@@ -3440,7 +3442,7 @@
           <a:p>
             <a:fld id="{EB712588-04B1-427B-82EE-E8DB90309F08}" type="datetimeFigureOut">
               <a:rPr lang="en-US" dirty="0"/>
-              <a:t>6/22/2017</a:t>
+              <a:t>6/24/2017</a:t>
             </a:fld>
             <a:endParaRPr lang="en-US" dirty="0"/>
           </a:p>
@@ -3810,7 +3812,7 @@
             <a:fld id="{B61BEF0D-F0BB-DE4B-95CE-6DB70DBA9567}" type="datetimeFigureOut">
               <a:rPr lang="en-US" dirty="0"/>
               <a:pPr/>
-              <a:t>6/22/2017</a:t>
+              <a:t>6/24/2017</a:t>
             </a:fld>
             <a:endParaRPr lang="en-US" dirty="0"/>
           </a:p>
@@ -3930,7 +3932,7 @@
             <a:fld id="{B61BEF0D-F0BB-DE4B-95CE-6DB70DBA9567}" type="datetimeFigureOut">
               <a:rPr lang="en-US" dirty="0"/>
               <a:pPr/>
-              <a:t>6/22/2017</a:t>
+              <a:t>6/24/2017</a:t>
             </a:fld>
             <a:endParaRPr lang="en-US" dirty="0"/>
           </a:p>
@@ -4022,7 +4024,7 @@
             <a:fld id="{B61BEF0D-F0BB-DE4B-95CE-6DB70DBA9567}" type="datetimeFigureOut">
               <a:rPr lang="en-US" dirty="0"/>
               <a:pPr/>
-              <a:t>6/22/2017</a:t>
+              <a:t>6/24/2017</a:t>
             </a:fld>
             <a:endParaRPr lang="en-US" dirty="0"/>
           </a:p>
@@ -4273,7 +4275,7 @@
           <a:p>
             <a:fld id="{42A54C80-263E-416B-A8E0-580EDEADCBDC}" type="datetimeFigureOut">
               <a:rPr lang="en-US" dirty="0"/>
-              <a:t>6/22/2017</a:t>
+              <a:t>6/24/2017</a:t>
             </a:fld>
             <a:endParaRPr lang="en-US" dirty="0"/>
           </a:p>
@@ -4532,7 +4534,7 @@
             <a:fld id="{B61BEF0D-F0BB-DE4B-95CE-6DB70DBA9567}" type="datetimeFigureOut">
               <a:rPr lang="en-US" dirty="0"/>
               <a:pPr/>
-              <a:t>6/22/2017</a:t>
+              <a:t>6/24/2017</a:t>
             </a:fld>
             <a:endParaRPr lang="en-US" dirty="0"/>
           </a:p>
@@ -5272,7 +5274,7 @@
             <a:fld id="{B61BEF0D-F0BB-DE4B-95CE-6DB70DBA9567}" type="datetimeFigureOut">
               <a:rPr lang="en-US" dirty="0"/>
               <a:pPr/>
-              <a:t>6/22/2017</a:t>
+              <a:t>6/24/2017</a:t>
             </a:fld>
             <a:endParaRPr lang="en-US" dirty="0"/>
           </a:p>
@@ -5949,6 +5951,357 @@
           <a:lstStyle/>
           <a:p>
             <a:r>
+              <a:rPr lang="pt-BR" dirty="0" smtClean="0"/>
+              <a:t>Lógica </a:t>
+            </a:r>
+            <a:r>
+              <a:rPr lang="pt-BR" dirty="0" err="1" smtClean="0"/>
+              <a:t>Fuzzy</a:t>
+            </a:r>
+            <a:r>
+              <a:rPr lang="pt-BR" dirty="0" smtClean="0"/>
+              <a:t> - Regras </a:t>
+            </a:r>
+            <a:r>
+              <a:rPr lang="pt-BR" dirty="0"/>
+              <a:t>e Variáveis </a:t>
+            </a:r>
+            <a:r>
+              <a:rPr lang="pt-BR" dirty="0" err="1"/>
+              <a:t>Fuzzy</a:t>
+            </a:r>
+            <a:endParaRPr lang="pt-BR" dirty="0"/>
+          </a:p>
+        </p:txBody>
+      </p:sp>
+      <p:sp>
+        <p:nvSpPr>
+          <p:cNvPr id="3" name="Espaço Reservado para Conteúdo 2"/>
+          <p:cNvSpPr>
+            <a:spLocks noGrp="1"/>
+          </p:cNvSpPr>
+          <p:nvPr>
+            <p:ph idx="1"/>
+          </p:nvPr>
+        </p:nvSpPr>
+        <p:spPr/>
+        <p:txBody>
+          <a:bodyPr/>
+          <a:lstStyle/>
+          <a:p>
+            <a:pPr algn="just"/>
+            <a:r>
+              <a:rPr lang="pt-BR" dirty="0"/>
+              <a:t>Ao aplicarmos a Lógica </a:t>
+            </a:r>
+            <a:r>
+              <a:rPr lang="pt-BR" dirty="0" err="1"/>
+              <a:t>Fuzzy</a:t>
+            </a:r>
+            <a:r>
+              <a:rPr lang="pt-BR" dirty="0"/>
+              <a:t> para resolver algum problema, precisamos  analisá-lo e definir as regras que irão controlar o comportamento do  sistema em </a:t>
+            </a:r>
+            <a:r>
+              <a:rPr lang="pt-BR" dirty="0" smtClean="0"/>
+              <a:t>questão</a:t>
+            </a:r>
+          </a:p>
+          <a:p>
+            <a:r>
+              <a:rPr lang="pt-BR" dirty="0"/>
+              <a:t> - As Regras </a:t>
+            </a:r>
+            <a:r>
+              <a:rPr lang="pt-BR" dirty="0" err="1"/>
+              <a:t>Fuzzy</a:t>
+            </a:r>
+            <a:r>
+              <a:rPr lang="pt-BR" dirty="0"/>
+              <a:t> possuem o seguinte </a:t>
+            </a:r>
+            <a:r>
+              <a:rPr lang="pt-BR" dirty="0" smtClean="0"/>
+              <a:t>formato:         </a:t>
+            </a:r>
+            <a:br>
+              <a:rPr lang="pt-BR" dirty="0" smtClean="0"/>
+            </a:br>
+            <a:r>
+              <a:rPr lang="pt-BR" dirty="0" smtClean="0"/>
+              <a:t/>
+            </a:r>
+            <a:br>
+              <a:rPr lang="pt-BR" dirty="0" smtClean="0"/>
+            </a:br>
+            <a:r>
+              <a:rPr lang="pt-BR" dirty="0" smtClean="0"/>
+              <a:t>					</a:t>
+            </a:r>
+            <a:r>
+              <a:rPr lang="pt-BR" b="1" dirty="0" smtClean="0"/>
+              <a:t>SE</a:t>
+            </a:r>
+            <a:r>
+              <a:rPr lang="pt-BR" dirty="0" smtClean="0"/>
+              <a:t> </a:t>
+            </a:r>
+            <a:r>
+              <a:rPr lang="pt-BR" i="1" dirty="0"/>
+              <a:t>condição</a:t>
+            </a:r>
+            <a:r>
+              <a:rPr lang="pt-BR" dirty="0"/>
+              <a:t> </a:t>
+            </a:r>
+            <a:r>
+              <a:rPr lang="pt-BR" b="1" dirty="0"/>
+              <a:t>ENTAO</a:t>
+            </a:r>
+            <a:r>
+              <a:rPr lang="pt-BR" dirty="0"/>
+              <a:t> </a:t>
+            </a:r>
+            <a:r>
+              <a:rPr lang="pt-BR" i="1" dirty="0" smtClean="0"/>
+              <a:t>conclusão</a:t>
+            </a:r>
+          </a:p>
+          <a:p>
+            <a:r>
+              <a:rPr lang="pt-BR" dirty="0" smtClean="0"/>
+              <a:t>Na </a:t>
+            </a:r>
+            <a:r>
+              <a:rPr lang="pt-BR" dirty="0"/>
+              <a:t>condição, é avaliado o valor de uma variável do sistema em questão, na conclusão, é uma ação ou definição realizada a partir da avaliação da variável</a:t>
+            </a:r>
+            <a:r>
+              <a:rPr lang="pt-BR" dirty="0" smtClean="0"/>
+              <a:t>:</a:t>
+            </a:r>
+            <a:br>
+              <a:rPr lang="pt-BR" dirty="0" smtClean="0"/>
+            </a:br>
+            <a:r>
+              <a:rPr lang="pt-BR" dirty="0"/>
+              <a:t/>
+            </a:r>
+            <a:br>
+              <a:rPr lang="pt-BR" dirty="0"/>
+            </a:br>
+            <a:r>
+              <a:rPr lang="pt-BR" dirty="0" smtClean="0"/>
+              <a:t>					</a:t>
+            </a:r>
+            <a:r>
+              <a:rPr lang="pt-BR" b="1" dirty="0" smtClean="0"/>
+              <a:t>SE</a:t>
+            </a:r>
+            <a:r>
+              <a:rPr lang="pt-BR" dirty="0" smtClean="0"/>
+              <a:t> </a:t>
+            </a:r>
+            <a:r>
+              <a:rPr lang="pt-BR" i="1" dirty="0"/>
+              <a:t>velocidade = alta</a:t>
+            </a:r>
+            <a:r>
+              <a:rPr lang="pt-BR" dirty="0"/>
+              <a:t> </a:t>
+            </a:r>
+            <a:r>
+              <a:rPr lang="pt-BR" b="1" dirty="0"/>
+              <a:t>ENTAO</a:t>
+            </a:r>
+            <a:r>
+              <a:rPr lang="pt-BR" dirty="0"/>
+              <a:t> </a:t>
+            </a:r>
+            <a:r>
+              <a:rPr lang="pt-BR" i="1" dirty="0" err="1"/>
+              <a:t>freio_medio</a:t>
+            </a:r>
+            <a:endParaRPr lang="pt-BR" i="1" dirty="0"/>
+          </a:p>
+        </p:txBody>
+      </p:sp>
+    </p:spTree>
+    <p:extLst>
+      <p:ext uri="{BB962C8B-B14F-4D97-AF65-F5344CB8AC3E}">
+        <p14:creationId xmlns:p14="http://schemas.microsoft.com/office/powerpoint/2010/main" val="3225913590"/>
+      </p:ext>
+    </p:extLst>
+  </p:cSld>
+  <p:clrMapOvr>
+    <a:masterClrMapping/>
+  </p:clrMapOvr>
+</p:sld>
+</file>
+
+<file path=ppt/slides/slide11.xml><?xml version="1.0" encoding="utf-8"?>
+<p:sld xmlns:a="http://schemas.openxmlformats.org/drawingml/2006/main" xmlns:r="http://schemas.openxmlformats.org/officeDocument/2006/relationships" xmlns:p="http://schemas.openxmlformats.org/presentationml/2006/main">
+  <p:cSld>
+    <p:spTree>
+      <p:nvGrpSpPr>
+        <p:cNvPr id="1" name=""/>
+        <p:cNvGrpSpPr/>
+        <p:nvPr/>
+      </p:nvGrpSpPr>
+      <p:grpSpPr>
+        <a:xfrm>
+          <a:off x="0" y="0"/>
+          <a:ext cx="0" cy="0"/>
+          <a:chOff x="0" y="0"/>
+          <a:chExt cx="0" cy="0"/>
+        </a:xfrm>
+      </p:grpSpPr>
+      <p:sp>
+        <p:nvSpPr>
+          <p:cNvPr id="2" name="Título 1"/>
+          <p:cNvSpPr>
+            <a:spLocks noGrp="1"/>
+          </p:cNvSpPr>
+          <p:nvPr>
+            <p:ph type="title"/>
+          </p:nvPr>
+        </p:nvSpPr>
+        <p:spPr/>
+        <p:txBody>
+          <a:bodyPr/>
+          <a:lstStyle/>
+          <a:p>
+            <a:r>
+              <a:rPr lang="en-US" dirty="0" err="1" smtClean="0"/>
+              <a:t>Lógica</a:t>
+            </a:r>
+            <a:r>
+              <a:rPr lang="en-US" dirty="0"/>
+              <a:t> Fuzzy - </a:t>
+            </a:r>
+            <a:r>
+              <a:rPr lang="en-US" dirty="0" err="1"/>
+              <a:t>Operadores</a:t>
+            </a:r>
+            <a:r>
+              <a:rPr lang="en-US" dirty="0"/>
+              <a:t> Fuzzy</a:t>
+            </a:r>
+            <a:endParaRPr lang="pt-BR" dirty="0"/>
+          </a:p>
+        </p:txBody>
+      </p:sp>
+      <p:sp>
+        <p:nvSpPr>
+          <p:cNvPr id="3" name="Espaço Reservado para Conteúdo 2"/>
+          <p:cNvSpPr>
+            <a:spLocks noGrp="1"/>
+          </p:cNvSpPr>
+          <p:nvPr>
+            <p:ph idx="1"/>
+          </p:nvPr>
+        </p:nvSpPr>
+        <p:spPr/>
+        <p:txBody>
+          <a:bodyPr/>
+          <a:lstStyle/>
+          <a:p>
+            <a:r>
+              <a:rPr lang="pt-BR" dirty="0"/>
+              <a:t>Para que seja realizada a inferência das Regras </a:t>
+            </a:r>
+            <a:r>
+              <a:rPr lang="pt-BR" dirty="0" err="1"/>
+              <a:t>Fuzzy</a:t>
+            </a:r>
+            <a:r>
+              <a:rPr lang="pt-BR" dirty="0"/>
+              <a:t>, são definidos os seguintes </a:t>
+            </a:r>
+            <a:r>
+              <a:rPr lang="pt-BR" dirty="0" smtClean="0"/>
+              <a:t>operadores</a:t>
+            </a:r>
+            <a:endParaRPr lang="pt-BR" dirty="0"/>
+          </a:p>
+        </p:txBody>
+      </p:sp>
+      <p:pic>
+        <p:nvPicPr>
+          <p:cNvPr id="4" name="Imagem 3"/>
+          <p:cNvPicPr>
+            <a:picLocks noChangeAspect="1"/>
+          </p:cNvPicPr>
+          <p:nvPr/>
+        </p:nvPicPr>
+        <p:blipFill>
+          <a:blip r:embed="rId2">
+            <a:extLst>
+              <a:ext uri="{28A0092B-C50C-407E-A947-70E740481C1C}">
+                <a14:useLocalDpi xmlns:a14="http://schemas.microsoft.com/office/drawing/2010/main" val="0"/>
+              </a:ext>
+            </a:extLst>
+          </a:blip>
+          <a:stretch>
+            <a:fillRect/>
+          </a:stretch>
+        </p:blipFill>
+        <p:spPr>
+          <a:xfrm>
+            <a:off x="1787611" y="3032410"/>
+            <a:ext cx="5807676" cy="3151302"/>
+          </a:xfrm>
+          <a:prstGeom prst="rect">
+            <a:avLst/>
+          </a:prstGeom>
+        </p:spPr>
+      </p:pic>
+    </p:spTree>
+    <p:extLst>
+      <p:ext uri="{BB962C8B-B14F-4D97-AF65-F5344CB8AC3E}">
+        <p14:creationId xmlns:p14="http://schemas.microsoft.com/office/powerpoint/2010/main" val="994432945"/>
+      </p:ext>
+    </p:extLst>
+  </p:cSld>
+  <p:clrMapOvr>
+    <a:masterClrMapping/>
+  </p:clrMapOvr>
+</p:sld>
+</file>
+
+<file path=ppt/slides/slide12.xml><?xml version="1.0" encoding="utf-8"?>
+<p:sld xmlns:a="http://schemas.openxmlformats.org/drawingml/2006/main" xmlns:r="http://schemas.openxmlformats.org/officeDocument/2006/relationships" xmlns:p="http://schemas.openxmlformats.org/presentationml/2006/main">
+  <p:cSld>
+    <p:spTree>
+      <p:nvGrpSpPr>
+        <p:cNvPr id="1" name=""/>
+        <p:cNvGrpSpPr/>
+        <p:nvPr/>
+      </p:nvGrpSpPr>
+      <p:grpSpPr>
+        <a:xfrm>
+          <a:off x="0" y="0"/>
+          <a:ext cx="0" cy="0"/>
+          <a:chOff x="0" y="0"/>
+          <a:chExt cx="0" cy="0"/>
+        </a:xfrm>
+      </p:grpSpPr>
+      <p:sp>
+        <p:nvSpPr>
+          <p:cNvPr id="2" name="Título 1"/>
+          <p:cNvSpPr>
+            <a:spLocks noGrp="1"/>
+          </p:cNvSpPr>
+          <p:nvPr>
+            <p:ph type="title"/>
+          </p:nvPr>
+        </p:nvSpPr>
+        <p:spPr/>
+        <p:txBody>
+          <a:bodyPr/>
+          <a:lstStyle/>
+          <a:p>
+            <a:r>
               <a:rPr lang="en-US" dirty="0" err="1" smtClean="0"/>
               <a:t>Lógica</a:t>
             </a:r>
@@ -6041,242 +6394,6 @@
 </p:sld>
 </file>
 
-<file path=ppt/slides/slide11.xml><?xml version="1.0" encoding="utf-8"?>
-<p:sld xmlns:a="http://schemas.openxmlformats.org/drawingml/2006/main" xmlns:r="http://schemas.openxmlformats.org/officeDocument/2006/relationships" xmlns:p="http://schemas.openxmlformats.org/presentationml/2006/main">
-  <p:cSld>
-    <p:spTree>
-      <p:nvGrpSpPr>
-        <p:cNvPr id="1" name=""/>
-        <p:cNvGrpSpPr/>
-        <p:nvPr/>
-      </p:nvGrpSpPr>
-      <p:grpSpPr>
-        <a:xfrm>
-          <a:off x="0" y="0"/>
-          <a:ext cx="0" cy="0"/>
-          <a:chOff x="0" y="0"/>
-          <a:chExt cx="0" cy="0"/>
-        </a:xfrm>
-      </p:grpSpPr>
-      <p:sp>
-        <p:nvSpPr>
-          <p:cNvPr id="2" name="Título 1"/>
-          <p:cNvSpPr>
-            <a:spLocks noGrp="1"/>
-          </p:cNvSpPr>
-          <p:nvPr>
-            <p:ph type="title"/>
-          </p:nvPr>
-        </p:nvSpPr>
-        <p:spPr/>
-        <p:txBody>
-          <a:bodyPr/>
-          <a:lstStyle/>
-          <a:p>
-            <a:r>
-              <a:rPr lang="en-US" dirty="0" err="1" smtClean="0"/>
-              <a:t>Lógica</a:t>
-            </a:r>
-            <a:r>
-              <a:rPr lang="en-US" dirty="0"/>
-              <a:t> Fuzzy - </a:t>
-            </a:r>
-            <a:r>
-              <a:rPr lang="en-US" dirty="0" err="1"/>
-              <a:t>Modelo</a:t>
-            </a:r>
-            <a:r>
-              <a:rPr lang="en-US" dirty="0"/>
-              <a:t> Fuzzy</a:t>
-            </a:r>
-            <a:endParaRPr lang="pt-BR" dirty="0"/>
-          </a:p>
-        </p:txBody>
-      </p:sp>
-      <p:sp>
-        <p:nvSpPr>
-          <p:cNvPr id="3" name="Espaço Reservado para Conteúdo 2"/>
-          <p:cNvSpPr>
-            <a:spLocks noGrp="1"/>
-          </p:cNvSpPr>
-          <p:nvPr>
-            <p:ph idx="1"/>
-          </p:nvPr>
-        </p:nvSpPr>
-        <p:spPr/>
-        <p:txBody>
-          <a:bodyPr>
-            <a:normAutofit fontScale="92500"/>
-          </a:bodyPr>
-          <a:lstStyle/>
-          <a:p>
-            <a:pPr marL="0" indent="0">
-              <a:buNone/>
-            </a:pPr>
-            <a:r>
-              <a:rPr lang="pt-BR" dirty="0" smtClean="0"/>
-              <a:t> </a:t>
-            </a:r>
-            <a:r>
-              <a:rPr lang="pt-BR" dirty="0"/>
-              <a:t>No modelo </a:t>
-            </a:r>
-            <a:r>
-              <a:rPr lang="pt-BR" dirty="0" smtClean="0"/>
-              <a:t>podemos </a:t>
-            </a:r>
-            <a:r>
-              <a:rPr lang="pt-BR" dirty="0"/>
-              <a:t>verificar as seguintes fase:</a:t>
-            </a:r>
-          </a:p>
-          <a:p>
-            <a:endParaRPr lang="pt-BR" dirty="0"/>
-          </a:p>
-          <a:p>
-            <a:r>
-              <a:rPr lang="pt-BR" b="1" dirty="0" err="1" smtClean="0"/>
-              <a:t>Fuzzificação</a:t>
-            </a:r>
-            <a:r>
-              <a:rPr lang="pt-BR" dirty="0"/>
-              <a:t>: Nesta fase os valores do sistema em questão são convertidas em valores de Grau de Pertinência, aplicando as Funções de Pertinência definidas;</a:t>
-            </a:r>
-          </a:p>
-          <a:p>
-            <a:endParaRPr lang="pt-BR" dirty="0"/>
-          </a:p>
-          <a:p>
-            <a:r>
-              <a:rPr lang="pt-BR" b="1" dirty="0"/>
-              <a:t>I</a:t>
-            </a:r>
-            <a:r>
-              <a:rPr lang="pt-BR" b="1" dirty="0" smtClean="0"/>
-              <a:t>nferência</a:t>
-            </a:r>
-            <a:r>
-              <a:rPr lang="pt-BR" dirty="0"/>
-              <a:t>: Nesta fase, é realizada a avaliação das </a:t>
-            </a:r>
-            <a:r>
-              <a:rPr lang="pt-BR" dirty="0" smtClean="0"/>
-              <a:t>condições </a:t>
-            </a:r>
-            <a:r>
-              <a:rPr lang="pt-BR" dirty="0"/>
-              <a:t>definidas no conjunto de Regra </a:t>
-            </a:r>
-            <a:r>
-              <a:rPr lang="pt-BR" dirty="0" err="1"/>
-              <a:t>Fuzzy</a:t>
-            </a:r>
-            <a:r>
-              <a:rPr lang="pt-BR" dirty="0"/>
-              <a:t> do sistema, aplicando os Operadores </a:t>
-            </a:r>
-            <a:r>
-              <a:rPr lang="pt-BR" dirty="0" err="1"/>
-              <a:t>Fuzzy</a:t>
-            </a:r>
-            <a:r>
-              <a:rPr lang="pt-BR" dirty="0"/>
-              <a:t> adequados;</a:t>
-            </a:r>
-          </a:p>
-          <a:p>
-            <a:endParaRPr lang="pt-BR" dirty="0"/>
-          </a:p>
-          <a:p>
-            <a:r>
-              <a:rPr lang="pt-BR" b="1" dirty="0" err="1" smtClean="0"/>
-              <a:t>Defuzzyficação</a:t>
-            </a:r>
-            <a:r>
-              <a:rPr lang="pt-BR" dirty="0"/>
-              <a:t>: Nesta fase, são avaliados os resultados da inferência das Regras </a:t>
-            </a:r>
-            <a:r>
-              <a:rPr lang="pt-BR" dirty="0" err="1"/>
-              <a:t>Fuzzy</a:t>
-            </a:r>
-            <a:r>
-              <a:rPr lang="pt-BR" dirty="0"/>
-              <a:t> e devolvido ao sistema em questão o resultado da tomada de decisão</a:t>
-            </a:r>
-          </a:p>
-        </p:txBody>
-      </p:sp>
-    </p:spTree>
-    <p:extLst>
-      <p:ext uri="{BB962C8B-B14F-4D97-AF65-F5344CB8AC3E}">
-        <p14:creationId xmlns:p14="http://schemas.microsoft.com/office/powerpoint/2010/main" val="127064303"/>
-      </p:ext>
-    </p:extLst>
-  </p:cSld>
-  <p:clrMapOvr>
-    <a:masterClrMapping/>
-  </p:clrMapOvr>
-</p:sld>
-</file>
-
-<file path=ppt/slides/slide12.xml><?xml version="1.0" encoding="utf-8"?>
-<p:sld xmlns:a="http://schemas.openxmlformats.org/drawingml/2006/main" xmlns:r="http://schemas.openxmlformats.org/officeDocument/2006/relationships" xmlns:p="http://schemas.openxmlformats.org/presentationml/2006/main">
-  <p:cSld>
-    <p:spTree>
-      <p:nvGrpSpPr>
-        <p:cNvPr id="1" name=""/>
-        <p:cNvGrpSpPr/>
-        <p:nvPr/>
-      </p:nvGrpSpPr>
-      <p:grpSpPr>
-        <a:xfrm>
-          <a:off x="0" y="0"/>
-          <a:ext cx="0" cy="0"/>
-          <a:chOff x="0" y="0"/>
-          <a:chExt cx="0" cy="0"/>
-        </a:xfrm>
-      </p:grpSpPr>
-      <p:sp>
-        <p:nvSpPr>
-          <p:cNvPr id="2" name="Título 1"/>
-          <p:cNvSpPr>
-            <a:spLocks noGrp="1"/>
-          </p:cNvSpPr>
-          <p:nvPr>
-            <p:ph type="ctrTitle"/>
-          </p:nvPr>
-        </p:nvSpPr>
-        <p:spPr>
-          <a:xfrm>
-            <a:off x="1145059" y="2099732"/>
-            <a:ext cx="8128944" cy="1646302"/>
-          </a:xfrm>
-        </p:spPr>
-        <p:txBody>
-          <a:bodyPr/>
-          <a:lstStyle/>
-          <a:p>
-            <a:r>
-              <a:rPr lang="pt-BR" dirty="0"/>
-              <a:t>Jogo “Caçando Monstros”</a:t>
-            </a:r>
-          </a:p>
-        </p:txBody>
-      </p:sp>
-    </p:spTree>
-    <p:extLst>
-      <p:ext uri="{BB962C8B-B14F-4D97-AF65-F5344CB8AC3E}">
-        <p14:creationId xmlns:p14="http://schemas.microsoft.com/office/powerpoint/2010/main" val="1055235910"/>
-      </p:ext>
-    </p:extLst>
-  </p:cSld>
-  <p:clrMapOvr>
-    <a:masterClrMapping/>
-  </p:clrMapOvr>
-</p:sld>
-</file>
-
 <file path=ppt/slides/slide13.xml><?xml version="1.0" encoding="utf-8"?>
 <p:sld xmlns:a="http://schemas.openxmlformats.org/drawingml/2006/main" xmlns:r="http://schemas.openxmlformats.org/officeDocument/2006/relationships" xmlns:p="http://schemas.openxmlformats.org/presentationml/2006/main">
   <p:cSld>
@@ -6310,6 +6427,242 @@
           <a:lstStyle/>
           <a:p>
             <a:r>
+              <a:rPr lang="en-US" dirty="0" err="1" smtClean="0"/>
+              <a:t>Lógica</a:t>
+            </a:r>
+            <a:r>
+              <a:rPr lang="en-US" dirty="0"/>
+              <a:t> Fuzzy - </a:t>
+            </a:r>
+            <a:r>
+              <a:rPr lang="en-US" dirty="0" err="1"/>
+              <a:t>Modelo</a:t>
+            </a:r>
+            <a:r>
+              <a:rPr lang="en-US" dirty="0"/>
+              <a:t> Fuzzy</a:t>
+            </a:r>
+            <a:endParaRPr lang="pt-BR" dirty="0"/>
+          </a:p>
+        </p:txBody>
+      </p:sp>
+      <p:sp>
+        <p:nvSpPr>
+          <p:cNvPr id="3" name="Espaço Reservado para Conteúdo 2"/>
+          <p:cNvSpPr>
+            <a:spLocks noGrp="1"/>
+          </p:cNvSpPr>
+          <p:nvPr>
+            <p:ph idx="1"/>
+          </p:nvPr>
+        </p:nvSpPr>
+        <p:spPr/>
+        <p:txBody>
+          <a:bodyPr>
+            <a:normAutofit fontScale="92500"/>
+          </a:bodyPr>
+          <a:lstStyle/>
+          <a:p>
+            <a:pPr marL="0" indent="0">
+              <a:buNone/>
+            </a:pPr>
+            <a:r>
+              <a:rPr lang="pt-BR" dirty="0" smtClean="0"/>
+              <a:t> </a:t>
+            </a:r>
+            <a:r>
+              <a:rPr lang="pt-BR" dirty="0"/>
+              <a:t>No modelo </a:t>
+            </a:r>
+            <a:r>
+              <a:rPr lang="pt-BR" dirty="0" smtClean="0"/>
+              <a:t>podemos </a:t>
+            </a:r>
+            <a:r>
+              <a:rPr lang="pt-BR" dirty="0"/>
+              <a:t>verificar as seguintes fase:</a:t>
+            </a:r>
+          </a:p>
+          <a:p>
+            <a:endParaRPr lang="pt-BR" dirty="0"/>
+          </a:p>
+          <a:p>
+            <a:r>
+              <a:rPr lang="pt-BR" b="1" dirty="0" err="1" smtClean="0"/>
+              <a:t>Fuzzificação</a:t>
+            </a:r>
+            <a:r>
+              <a:rPr lang="pt-BR" dirty="0"/>
+              <a:t>: Nesta fase os valores do sistema em questão são convertidas em valores de Grau de Pertinência, aplicando as Funções de Pertinência definidas;</a:t>
+            </a:r>
+          </a:p>
+          <a:p>
+            <a:endParaRPr lang="pt-BR" dirty="0"/>
+          </a:p>
+          <a:p>
+            <a:r>
+              <a:rPr lang="pt-BR" b="1" dirty="0"/>
+              <a:t>I</a:t>
+            </a:r>
+            <a:r>
+              <a:rPr lang="pt-BR" b="1" dirty="0" smtClean="0"/>
+              <a:t>nferência</a:t>
+            </a:r>
+            <a:r>
+              <a:rPr lang="pt-BR" dirty="0"/>
+              <a:t>: Nesta fase, é realizada a avaliação das </a:t>
+            </a:r>
+            <a:r>
+              <a:rPr lang="pt-BR" dirty="0" smtClean="0"/>
+              <a:t>condições </a:t>
+            </a:r>
+            <a:r>
+              <a:rPr lang="pt-BR" dirty="0"/>
+              <a:t>definidas no conjunto de Regra </a:t>
+            </a:r>
+            <a:r>
+              <a:rPr lang="pt-BR" dirty="0" err="1"/>
+              <a:t>Fuzzy</a:t>
+            </a:r>
+            <a:r>
+              <a:rPr lang="pt-BR" dirty="0"/>
+              <a:t> do sistema, aplicando os Operadores </a:t>
+            </a:r>
+            <a:r>
+              <a:rPr lang="pt-BR" dirty="0" err="1"/>
+              <a:t>Fuzzy</a:t>
+            </a:r>
+            <a:r>
+              <a:rPr lang="pt-BR" dirty="0"/>
+              <a:t> adequados;</a:t>
+            </a:r>
+          </a:p>
+          <a:p>
+            <a:endParaRPr lang="pt-BR" dirty="0"/>
+          </a:p>
+          <a:p>
+            <a:r>
+              <a:rPr lang="pt-BR" b="1" dirty="0" err="1" smtClean="0"/>
+              <a:t>Defuzzyficação</a:t>
+            </a:r>
+            <a:r>
+              <a:rPr lang="pt-BR" dirty="0"/>
+              <a:t>: Nesta fase, são avaliados os resultados da inferência das Regras </a:t>
+            </a:r>
+            <a:r>
+              <a:rPr lang="pt-BR" dirty="0" err="1"/>
+              <a:t>Fuzzy</a:t>
+            </a:r>
+            <a:r>
+              <a:rPr lang="pt-BR" dirty="0"/>
+              <a:t> e devolvido ao sistema em questão o resultado da tomada de decisão</a:t>
+            </a:r>
+          </a:p>
+        </p:txBody>
+      </p:sp>
+    </p:spTree>
+    <p:extLst>
+      <p:ext uri="{BB962C8B-B14F-4D97-AF65-F5344CB8AC3E}">
+        <p14:creationId xmlns:p14="http://schemas.microsoft.com/office/powerpoint/2010/main" val="127064303"/>
+      </p:ext>
+    </p:extLst>
+  </p:cSld>
+  <p:clrMapOvr>
+    <a:masterClrMapping/>
+  </p:clrMapOvr>
+</p:sld>
+</file>
+
+<file path=ppt/slides/slide14.xml><?xml version="1.0" encoding="utf-8"?>
+<p:sld xmlns:a="http://schemas.openxmlformats.org/drawingml/2006/main" xmlns:r="http://schemas.openxmlformats.org/officeDocument/2006/relationships" xmlns:p="http://schemas.openxmlformats.org/presentationml/2006/main">
+  <p:cSld>
+    <p:spTree>
+      <p:nvGrpSpPr>
+        <p:cNvPr id="1" name=""/>
+        <p:cNvGrpSpPr/>
+        <p:nvPr/>
+      </p:nvGrpSpPr>
+      <p:grpSpPr>
+        <a:xfrm>
+          <a:off x="0" y="0"/>
+          <a:ext cx="0" cy="0"/>
+          <a:chOff x="0" y="0"/>
+          <a:chExt cx="0" cy="0"/>
+        </a:xfrm>
+      </p:grpSpPr>
+      <p:sp>
+        <p:nvSpPr>
+          <p:cNvPr id="2" name="Título 1"/>
+          <p:cNvSpPr>
+            <a:spLocks noGrp="1"/>
+          </p:cNvSpPr>
+          <p:nvPr>
+            <p:ph type="ctrTitle"/>
+          </p:nvPr>
+        </p:nvSpPr>
+        <p:spPr>
+          <a:xfrm>
+            <a:off x="1145059" y="2099732"/>
+            <a:ext cx="8128944" cy="1646302"/>
+          </a:xfrm>
+        </p:spPr>
+        <p:txBody>
+          <a:bodyPr/>
+          <a:lstStyle/>
+          <a:p>
+            <a:r>
+              <a:rPr lang="pt-BR" dirty="0"/>
+              <a:t>Jogo “Caçando Monstros”</a:t>
+            </a:r>
+          </a:p>
+        </p:txBody>
+      </p:sp>
+    </p:spTree>
+    <p:extLst>
+      <p:ext uri="{BB962C8B-B14F-4D97-AF65-F5344CB8AC3E}">
+        <p14:creationId xmlns:p14="http://schemas.microsoft.com/office/powerpoint/2010/main" val="1055235910"/>
+      </p:ext>
+    </p:extLst>
+  </p:cSld>
+  <p:clrMapOvr>
+    <a:masterClrMapping/>
+  </p:clrMapOvr>
+</p:sld>
+</file>
+
+<file path=ppt/slides/slide15.xml><?xml version="1.0" encoding="utf-8"?>
+<p:sld xmlns:a="http://schemas.openxmlformats.org/drawingml/2006/main" xmlns:r="http://schemas.openxmlformats.org/officeDocument/2006/relationships" xmlns:p="http://schemas.openxmlformats.org/presentationml/2006/main">
+  <p:cSld>
+    <p:spTree>
+      <p:nvGrpSpPr>
+        <p:cNvPr id="1" name=""/>
+        <p:cNvGrpSpPr/>
+        <p:nvPr/>
+      </p:nvGrpSpPr>
+      <p:grpSpPr>
+        <a:xfrm>
+          <a:off x="0" y="0"/>
+          <a:ext cx="0" cy="0"/>
+          <a:chOff x="0" y="0"/>
+          <a:chExt cx="0" cy="0"/>
+        </a:xfrm>
+      </p:grpSpPr>
+      <p:sp>
+        <p:nvSpPr>
+          <p:cNvPr id="2" name="Título 1"/>
+          <p:cNvSpPr>
+            <a:spLocks noGrp="1"/>
+          </p:cNvSpPr>
+          <p:nvPr>
+            <p:ph type="title"/>
+          </p:nvPr>
+        </p:nvSpPr>
+        <p:spPr/>
+        <p:txBody>
+          <a:bodyPr/>
+          <a:lstStyle/>
+          <a:p>
+            <a:r>
               <a:rPr lang="pt-BR" dirty="0"/>
               <a:t>Jogo </a:t>
             </a:r>
@@ -6368,7 +6721,7 @@
 </p:sld>
 </file>
 
-<file path=ppt/slides/slide14.xml><?xml version="1.0" encoding="utf-8"?>
+<file path=ppt/slides/slide16.xml><?xml version="1.0" encoding="utf-8"?>
 <p:sld xmlns:a="http://schemas.openxmlformats.org/drawingml/2006/main" xmlns:r="http://schemas.openxmlformats.org/officeDocument/2006/relationships" xmlns:p="http://schemas.openxmlformats.org/presentationml/2006/main">
   <p:cSld>
     <p:spTree>
@@ -6526,7 +6879,7 @@
 </p:sld>
 </file>
 
-<file path=ppt/slides/slide15.xml><?xml version="1.0" encoding="utf-8"?>
+<file path=ppt/slides/slide17.xml><?xml version="1.0" encoding="utf-8"?>
 <p:sld xmlns:a="http://schemas.openxmlformats.org/drawingml/2006/main" xmlns:r="http://schemas.openxmlformats.org/officeDocument/2006/relationships" xmlns:p="http://schemas.openxmlformats.org/presentationml/2006/main">
   <p:cSld>
     <p:spTree>
@@ -6634,7 +6987,7 @@
 </p:sld>
 </file>
 
-<file path=ppt/slides/slide16.xml><?xml version="1.0" encoding="utf-8"?>
+<file path=ppt/slides/slide18.xml><?xml version="1.0" encoding="utf-8"?>
 <p:sld xmlns:a="http://schemas.openxmlformats.org/drawingml/2006/main" xmlns:r="http://schemas.openxmlformats.org/officeDocument/2006/relationships" xmlns:p="http://schemas.openxmlformats.org/presentationml/2006/main">
   <p:cSld>
     <p:spTree>
@@ -6775,265 +7128,6 @@
 </p:sld>
 </file>
 
-<file path=ppt/slides/slide17.xml><?xml version="1.0" encoding="utf-8"?>
-<p:sld xmlns:a="http://schemas.openxmlformats.org/drawingml/2006/main" xmlns:r="http://schemas.openxmlformats.org/officeDocument/2006/relationships" xmlns:p="http://schemas.openxmlformats.org/presentationml/2006/main">
-  <p:cSld>
-    <p:spTree>
-      <p:nvGrpSpPr>
-        <p:cNvPr id="1" name=""/>
-        <p:cNvGrpSpPr/>
-        <p:nvPr/>
-      </p:nvGrpSpPr>
-      <p:grpSpPr>
-        <a:xfrm>
-          <a:off x="0" y="0"/>
-          <a:ext cx="0" cy="0"/>
-          <a:chOff x="0" y="0"/>
-          <a:chExt cx="0" cy="0"/>
-        </a:xfrm>
-      </p:grpSpPr>
-      <p:sp>
-        <p:nvSpPr>
-          <p:cNvPr id="2" name="Título 1"/>
-          <p:cNvSpPr>
-            <a:spLocks noGrp="1"/>
-          </p:cNvSpPr>
-          <p:nvPr>
-            <p:ph type="title"/>
-          </p:nvPr>
-        </p:nvSpPr>
-        <p:spPr/>
-        <p:txBody>
-          <a:bodyPr>
-            <a:normAutofit/>
-          </a:bodyPr>
-          <a:lstStyle/>
-          <a:p>
-            <a:r>
-              <a:rPr lang="pt-BR" sz="3200" dirty="0"/>
-              <a:t>Jogo “Caçando Monstros” - Implementação</a:t>
-            </a:r>
-          </a:p>
-        </p:txBody>
-      </p:sp>
-      <p:sp>
-        <p:nvSpPr>
-          <p:cNvPr id="3" name="Espaço Reservado para Conteúdo 2"/>
-          <p:cNvSpPr>
-            <a:spLocks noGrp="1"/>
-          </p:cNvSpPr>
-          <p:nvPr>
-            <p:ph idx="1"/>
-          </p:nvPr>
-        </p:nvSpPr>
-        <p:spPr/>
-        <p:txBody>
-          <a:bodyPr/>
-          <a:lstStyle/>
-          <a:p>
-            <a:r>
-              <a:rPr lang="pt-BR" dirty="0"/>
-              <a:t>Entidade - Responsável pela </a:t>
-            </a:r>
-            <a:r>
-              <a:rPr lang="pt-BR" dirty="0" err="1"/>
-              <a:t>renderização</a:t>
-            </a:r>
-            <a:r>
-              <a:rPr lang="pt-BR" dirty="0"/>
-              <a:t> e controle dos objetos exibidos na tela</a:t>
-            </a:r>
-          </a:p>
-          <a:p>
-            <a:r>
-              <a:rPr lang="pt-BR" dirty="0"/>
-              <a:t>Estrutura - São as estruturas de dados criadas para a manipulação de dados </a:t>
-            </a:r>
-          </a:p>
-          <a:p>
-            <a:r>
-              <a:rPr lang="pt-BR" dirty="0"/>
-              <a:t>Modulo </a:t>
-            </a:r>
-            <a:r>
-              <a:rPr lang="pt-BR" dirty="0" err="1"/>
-              <a:t>Util</a:t>
-            </a:r>
-            <a:r>
-              <a:rPr lang="pt-BR" dirty="0"/>
-              <a:t> - Classes com métodos utilitário para serem utilizados nos demais módulos</a:t>
-            </a:r>
-          </a:p>
-        </p:txBody>
-      </p:sp>
-    </p:spTree>
-    <p:extLst>
-      <p:ext uri="{BB962C8B-B14F-4D97-AF65-F5344CB8AC3E}">
-        <p14:creationId xmlns:p14="http://schemas.microsoft.com/office/powerpoint/2010/main" val="2429119350"/>
-      </p:ext>
-    </p:extLst>
-  </p:cSld>
-  <p:clrMapOvr>
-    <a:masterClrMapping/>
-  </p:clrMapOvr>
-</p:sld>
-</file>
-
-<file path=ppt/slides/slide18.xml><?xml version="1.0" encoding="utf-8"?>
-<p:sld xmlns:a="http://schemas.openxmlformats.org/drawingml/2006/main" xmlns:r="http://schemas.openxmlformats.org/officeDocument/2006/relationships" xmlns:p="http://schemas.openxmlformats.org/presentationml/2006/main">
-  <p:cSld>
-    <p:spTree>
-      <p:nvGrpSpPr>
-        <p:cNvPr id="1" name=""/>
-        <p:cNvGrpSpPr/>
-        <p:nvPr/>
-      </p:nvGrpSpPr>
-      <p:grpSpPr>
-        <a:xfrm>
-          <a:off x="0" y="0"/>
-          <a:ext cx="0" cy="0"/>
-          <a:chOff x="0" y="0"/>
-          <a:chExt cx="0" cy="0"/>
-        </a:xfrm>
-      </p:grpSpPr>
-      <p:sp>
-        <p:nvSpPr>
-          <p:cNvPr id="2" name="Título 1"/>
-          <p:cNvSpPr>
-            <a:spLocks noGrp="1"/>
-          </p:cNvSpPr>
-          <p:nvPr>
-            <p:ph type="title"/>
-          </p:nvPr>
-        </p:nvSpPr>
-        <p:spPr/>
-        <p:txBody>
-          <a:bodyPr>
-            <a:normAutofit/>
-          </a:bodyPr>
-          <a:lstStyle/>
-          <a:p>
-            <a:r>
-              <a:rPr lang="pt-BR" sz="3200" dirty="0"/>
-              <a:t>Jogo “Caçando Monstros” - Módulo IA</a:t>
-            </a:r>
-          </a:p>
-        </p:txBody>
-      </p:sp>
-      <p:sp>
-        <p:nvSpPr>
-          <p:cNvPr id="3" name="Espaço Reservado para Conteúdo 2"/>
-          <p:cNvSpPr>
-            <a:spLocks noGrp="1"/>
-          </p:cNvSpPr>
-          <p:nvPr>
-            <p:ph idx="1"/>
-          </p:nvPr>
-        </p:nvSpPr>
-        <p:spPr/>
-        <p:txBody>
-          <a:bodyPr/>
-          <a:lstStyle/>
-          <a:p>
-            <a:r>
-              <a:rPr lang="pt-BR" dirty="0" err="1"/>
-              <a:t>ExecutaAcaoIA</a:t>
-            </a:r>
-            <a:r>
-              <a:rPr lang="pt-BR" dirty="0"/>
-              <a:t> - Nesta classe se dá o início do processamento, reúne os dados necessários para o processamento da </a:t>
-            </a:r>
-            <a:r>
-              <a:rPr lang="pt-BR" dirty="0" smtClean="0"/>
-              <a:t>requisição</a:t>
-            </a:r>
-            <a:endParaRPr lang="pt-BR" dirty="0"/>
-          </a:p>
-          <a:p>
-            <a:endParaRPr lang="pt-BR" dirty="0"/>
-          </a:p>
-          <a:p>
-            <a:r>
-              <a:rPr lang="pt-BR" dirty="0" err="1"/>
-              <a:t>PrincipalIA</a:t>
-            </a:r>
-            <a:r>
-              <a:rPr lang="pt-BR" dirty="0"/>
-              <a:t> - Nesta classe são realizados todos os passos definidos no Modelo </a:t>
-            </a:r>
-            <a:r>
-              <a:rPr lang="pt-BR" dirty="0" err="1"/>
-              <a:t>Fuzzy</a:t>
-            </a:r>
-            <a:r>
-              <a:rPr lang="pt-BR" dirty="0"/>
-              <a:t>: </a:t>
-            </a:r>
-            <a:r>
-              <a:rPr lang="pt-BR" dirty="0" err="1"/>
-              <a:t>Fuzzyficação</a:t>
-            </a:r>
-            <a:r>
-              <a:rPr lang="pt-BR" dirty="0"/>
-              <a:t>, Inferência, </a:t>
-            </a:r>
-            <a:r>
-              <a:rPr lang="pt-BR" dirty="0" err="1"/>
-              <a:t>Defuzzyficação</a:t>
-            </a:r>
-            <a:endParaRPr lang="pt-BR" dirty="0"/>
-          </a:p>
-          <a:p>
-            <a:endParaRPr lang="pt-BR" dirty="0"/>
-          </a:p>
-          <a:p>
-            <a:r>
-              <a:rPr lang="pt-BR" dirty="0" err="1"/>
-              <a:t>GruposIA</a:t>
-            </a:r>
-            <a:r>
-              <a:rPr lang="pt-BR" dirty="0"/>
-              <a:t> - Nesta classe são definidos os valores das Variáveis Linguísticas necessárias a realização da Inferência das Regras </a:t>
-            </a:r>
-            <a:r>
-              <a:rPr lang="pt-BR" dirty="0" err="1"/>
-              <a:t>Fuzzy</a:t>
-            </a:r>
-            <a:endParaRPr lang="pt-BR" dirty="0"/>
-          </a:p>
-          <a:p>
-            <a:endParaRPr lang="pt-BR" dirty="0"/>
-          </a:p>
-          <a:p>
-            <a:r>
-              <a:rPr lang="pt-BR" dirty="0" err="1"/>
-              <a:t>ExpressoesIA</a:t>
-            </a:r>
-            <a:r>
-              <a:rPr lang="pt-BR" dirty="0"/>
-              <a:t> - Nesta classe é implementada o Banco de Conhecimento do sistema, onde estão definidas todas a Regras </a:t>
-            </a:r>
-            <a:r>
-              <a:rPr lang="pt-BR" dirty="0" err="1"/>
-              <a:t>Fuzzy</a:t>
-            </a:r>
-            <a:endParaRPr lang="pt-BR" dirty="0"/>
-          </a:p>
-        </p:txBody>
-      </p:sp>
-    </p:spTree>
-    <p:extLst>
-      <p:ext uri="{BB962C8B-B14F-4D97-AF65-F5344CB8AC3E}">
-        <p14:creationId xmlns:p14="http://schemas.microsoft.com/office/powerpoint/2010/main" val="1288713348"/>
-      </p:ext>
-    </p:extLst>
-  </p:cSld>
-  <p:clrMapOvr>
-    <a:masterClrMapping/>
-  </p:clrMapOvr>
-</p:sld>
-</file>
-
 <file path=ppt/slides/slide19.xml><?xml version="1.0" encoding="utf-8"?>
 <p:sld xmlns:a="http://schemas.openxmlformats.org/drawingml/2006/main" xmlns:r="http://schemas.openxmlformats.org/officeDocument/2006/relationships" xmlns:p="http://schemas.openxmlformats.org/presentationml/2006/main">
   <p:cSld>
@@ -7069,16 +7163,8 @@
           <a:lstStyle/>
           <a:p>
             <a:r>
-              <a:rPr lang="pt-BR" sz="2800" dirty="0"/>
-              <a:t>Jogo “Caçando Monstros” - Regras e Variáveis </a:t>
-            </a:r>
-            <a:r>
-              <a:rPr lang="pt-BR" sz="2800" dirty="0" err="1"/>
-              <a:t>Fuzzy</a:t>
-            </a:r>
-            <a:r>
-              <a:rPr lang="pt-BR" sz="2800" dirty="0"/>
-              <a:t> </a:t>
+              <a:rPr lang="pt-BR" sz="3200" dirty="0"/>
+              <a:t>Jogo “Caçando Monstros” - Implementação</a:t>
             </a:r>
           </a:p>
         </p:txBody>
@@ -7099,83 +7185,36 @@
           <a:lstStyle/>
           <a:p>
             <a:r>
-              <a:rPr lang="pt-BR" dirty="0" smtClean="0"/>
-              <a:t>No </a:t>
-            </a:r>
-            <a:r>
-              <a:rPr lang="pt-BR" dirty="0"/>
-              <a:t>desenvolvimento foram criadas Regras </a:t>
+              <a:rPr lang="pt-BR" dirty="0"/>
+              <a:t>Entidade - Responsável pela </a:t>
             </a:r>
             <a:r>
               <a:rPr lang="pt-BR" dirty="0" err="1"/>
-              <a:t>Fuzzy</a:t>
-            </a:r>
-            <a:r>
-              <a:rPr lang="pt-BR" dirty="0"/>
-              <a:t> que contemplavam aspectos básicos do jogo:</a:t>
-            </a:r>
-          </a:p>
-          <a:p>
-            <a:r>
-              <a:rPr lang="pt-BR" dirty="0" smtClean="0"/>
-              <a:t>Variáveis</a:t>
-            </a:r>
-            <a:r>
-              <a:rPr lang="pt-BR" dirty="0"/>
-              <a:t>: VIDA_TORRE_INI, PERSON_AOREDOR, DISTANCIA_T1_TORRE1</a:t>
-            </a:r>
-          </a:p>
-          <a:p>
-            <a:r>
-              <a:rPr lang="pt-BR" dirty="0" smtClean="0"/>
-              <a:t>Variáveis </a:t>
-            </a:r>
-            <a:r>
-              <a:rPr lang="pt-BR" dirty="0"/>
-              <a:t>Linguísticas: ALTO, MÉDIO, BAIXO</a:t>
-            </a:r>
-          </a:p>
-          <a:p>
-            <a:r>
-              <a:rPr lang="pt-BR" dirty="0" smtClean="0"/>
-              <a:t>Regras</a:t>
-            </a:r>
-            <a:r>
-              <a:rPr lang="pt-BR" dirty="0"/>
-              <a:t>: As regras implementadas seguiram o seguinte exemplo:</a:t>
-            </a:r>
-          </a:p>
-          <a:p>
-            <a:pPr marL="0" indent="0">
-              <a:buNone/>
-            </a:pPr>
-            <a:r>
-              <a:rPr lang="pt-BR" sz="1600" dirty="0" smtClean="0"/>
-              <a:t>	</a:t>
-            </a:r>
-            <a:r>
-              <a:rPr lang="pt-BR" sz="1600" b="1" dirty="0" smtClean="0"/>
-              <a:t>SE</a:t>
-            </a:r>
-            <a:r>
-              <a:rPr lang="pt-BR" sz="1600" dirty="0" smtClean="0"/>
-              <a:t> </a:t>
-            </a:r>
-            <a:r>
-              <a:rPr lang="pt-BR" sz="1600" i="1" dirty="0"/>
-              <a:t>PERSON_AOREDOR = ALTO E DISTANCIA_T1_TORRE1 = ALTO </a:t>
-            </a:r>
-            <a:r>
-              <a:rPr lang="pt-BR" sz="1600" b="1" dirty="0"/>
-              <a:t>ENTAO</a:t>
-            </a:r>
-            <a:r>
-              <a:rPr lang="pt-BR" sz="1600" dirty="0"/>
-              <a:t> </a:t>
-            </a:r>
-            <a:r>
-              <a:rPr lang="pt-BR" sz="1600" i="1" dirty="0"/>
-              <a:t>MOVE_ATACA_INI</a:t>
+              <a:t>renderização</a:t>
+            </a:r>
+            <a:r>
+              <a:rPr lang="pt-BR" dirty="0"/>
+              <a:t> e controle dos objetos exibidos na tela</a:t>
+            </a:r>
+          </a:p>
+          <a:p>
+            <a:r>
+              <a:rPr lang="pt-BR" dirty="0"/>
+              <a:t>Estrutura - São as estruturas de dados criadas para a manipulação de dados </a:t>
+            </a:r>
+          </a:p>
+          <a:p>
+            <a:r>
+              <a:rPr lang="pt-BR" dirty="0"/>
+              <a:t>Modulo </a:t>
+            </a:r>
+            <a:r>
+              <a:rPr lang="pt-BR" dirty="0" err="1"/>
+              <a:t>Util</a:t>
+            </a:r>
+            <a:r>
+              <a:rPr lang="pt-BR" dirty="0"/>
+              <a:t> - Classes com métodos utilitário para serem utilizados nos demais módulos</a:t>
             </a:r>
           </a:p>
         </p:txBody>
@@ -7183,7 +7222,7 @@
     </p:spTree>
     <p:extLst>
       <p:ext uri="{BB962C8B-B14F-4D97-AF65-F5344CB8AC3E}">
-        <p14:creationId xmlns:p14="http://schemas.microsoft.com/office/powerpoint/2010/main" val="1744632738"/>
+        <p14:creationId xmlns:p14="http://schemas.microsoft.com/office/powerpoint/2010/main" val="2429119350"/>
       </p:ext>
     </p:extLst>
   </p:cSld>
@@ -7226,132 +7265,127 @@
           <a:lstStyle/>
           <a:p>
             <a:r>
-              <a:rPr lang="pt-BR" dirty="0" smtClean="0"/>
+              <a:rPr lang="en-US" dirty="0" smtClean="0"/>
+              <a:t>Agenda</a:t>
+            </a:r>
+            <a:endParaRPr lang="pt-BR" dirty="0"/>
+          </a:p>
+        </p:txBody>
+      </p:sp>
+      <p:sp>
+        <p:nvSpPr>
+          <p:cNvPr id="3" name="Espaço Reservado para Conteúdo 2"/>
+          <p:cNvSpPr>
+            <a:spLocks noGrp="1"/>
+          </p:cNvSpPr>
+          <p:nvPr>
+            <p:ph idx="1"/>
+          </p:nvPr>
+        </p:nvSpPr>
+        <p:spPr/>
+        <p:txBody>
+          <a:bodyPr/>
+          <a:lstStyle/>
+          <a:p>
+            <a:r>
+              <a:rPr lang="en-US" dirty="0" err="1" smtClean="0"/>
               <a:t>Introdução</a:t>
             </a:r>
-            <a:endParaRPr lang="pt-BR" dirty="0"/>
-          </a:p>
-        </p:txBody>
-      </p:sp>
-      <p:sp>
-        <p:nvSpPr>
-          <p:cNvPr id="3" name="Espaço Reservado para Conteúdo 2"/>
-          <p:cNvSpPr>
-            <a:spLocks noGrp="1"/>
-          </p:cNvSpPr>
-          <p:nvPr>
-            <p:ph idx="1"/>
-          </p:nvPr>
-        </p:nvSpPr>
-        <p:spPr/>
-        <p:txBody>
-          <a:bodyPr/>
-          <a:lstStyle/>
-          <a:p>
-            <a:r>
-              <a:rPr lang="pt-BR" dirty="0" smtClean="0"/>
+            <a:endParaRPr lang="en-US" dirty="0" smtClean="0"/>
+          </a:p>
+          <a:p>
+            <a:r>
+              <a:rPr lang="en-US" dirty="0" err="1" smtClean="0"/>
+              <a:t>Jogos</a:t>
+            </a:r>
+            <a:r>
+              <a:rPr lang="en-US" dirty="0" smtClean="0"/>
               <a:t> </a:t>
             </a:r>
             <a:r>
-              <a:rPr lang="pt-BR" dirty="0"/>
-              <a:t>Este trabalho buscou estudar a aplicação da Lógica </a:t>
-            </a:r>
-            <a:r>
-              <a:rPr lang="pt-BR" dirty="0" err="1"/>
-              <a:t>Fuzzy</a:t>
-            </a:r>
-            <a:r>
-              <a:rPr lang="pt-BR" dirty="0"/>
-              <a:t> em um jogo baseado em </a:t>
-            </a:r>
-            <a:r>
-              <a:rPr lang="pt-BR" dirty="0" smtClean="0"/>
-              <a:t>Turnos</a:t>
-            </a:r>
-          </a:p>
-          <a:p>
-            <a:endParaRPr lang="pt-BR" dirty="0" smtClean="0"/>
-          </a:p>
-          <a:p>
-            <a:r>
-              <a:rPr lang="pt-BR" dirty="0" smtClean="0"/>
-              <a:t>Sendo </a:t>
-            </a:r>
-            <a:r>
-              <a:rPr lang="pt-BR" dirty="0"/>
-              <a:t>um aspecto </a:t>
-            </a:r>
-            <a:r>
-              <a:rPr lang="pt-BR" dirty="0" smtClean="0"/>
-              <a:t>importante </a:t>
-            </a:r>
-            <a:r>
-              <a:rPr lang="pt-BR" dirty="0"/>
-              <a:t>da implementação de um jogo, é necessário o estudo de diferentes técnicas de </a:t>
-            </a:r>
-            <a:r>
-              <a:rPr lang="pt-BR" dirty="0" smtClean="0"/>
-              <a:t>IA</a:t>
-            </a:r>
-          </a:p>
-          <a:p>
-            <a:endParaRPr lang="pt-BR" dirty="0"/>
-          </a:p>
-          <a:p>
-            <a:r>
-              <a:rPr lang="pt-BR" dirty="0" smtClean="0"/>
+              <a:rPr lang="en-US" dirty="0" err="1" smtClean="0"/>
+              <a:t>Digitais</a:t>
+            </a:r>
+            <a:endParaRPr lang="en-US" dirty="0" smtClean="0"/>
+          </a:p>
+          <a:p>
+            <a:r>
+              <a:rPr lang="en-US" dirty="0" err="1" smtClean="0"/>
+              <a:t>Inteligência</a:t>
+            </a:r>
+            <a:r>
+              <a:rPr lang="en-US" dirty="0" smtClean="0"/>
+              <a:t> Artificial</a:t>
+            </a:r>
+          </a:p>
+          <a:p>
+            <a:r>
+              <a:rPr lang="en-US" dirty="0" err="1" smtClean="0"/>
+              <a:t>Lógica</a:t>
+            </a:r>
+            <a:r>
+              <a:rPr lang="en-US" dirty="0" smtClean="0"/>
+              <a:t> Fuzzy</a:t>
+            </a:r>
+          </a:p>
+          <a:p>
+            <a:r>
+              <a:rPr lang="en-US" dirty="0" err="1" smtClean="0"/>
+              <a:t>Caçando</a:t>
+            </a:r>
+            <a:r>
+              <a:rPr lang="en-US" dirty="0" smtClean="0"/>
               <a:t> </a:t>
             </a:r>
             <a:r>
-              <a:rPr lang="pt-BR" dirty="0"/>
-              <a:t>Objetivos:</a:t>
-            </a:r>
-            <a:r>
-              <a:rPr lang="pt-BR" dirty="0"/>
-              <a:t/>
-            </a:r>
-            <a:br>
-              <a:rPr lang="pt-BR" dirty="0"/>
-            </a:br>
-            <a:r>
-              <a:rPr lang="pt-BR" dirty="0"/>
-              <a:t>    </a:t>
-            </a:r>
-            <a:r>
-              <a:rPr lang="pt-BR" dirty="0" smtClean="0"/>
-              <a:t> *	Estudo </a:t>
-            </a:r>
-            <a:r>
-              <a:rPr lang="pt-BR" dirty="0"/>
-              <a:t>da adequação da Lógica </a:t>
-            </a:r>
-            <a:r>
-              <a:rPr lang="pt-BR" dirty="0" err="1"/>
-              <a:t>Fuzzy</a:t>
-            </a:r>
-            <a:r>
-              <a:rPr lang="pt-BR" dirty="0"/>
-              <a:t> em um jogo digital</a:t>
-            </a:r>
-            <a:r>
-              <a:rPr lang="pt-BR" dirty="0"/>
-              <a:t/>
-            </a:r>
-            <a:br>
-              <a:rPr lang="pt-BR" dirty="0"/>
-            </a:br>
-            <a:r>
-              <a:rPr lang="pt-BR" dirty="0"/>
-              <a:t>    </a:t>
-            </a:r>
-            <a:r>
-              <a:rPr lang="pt-BR" dirty="0" smtClean="0"/>
-              <a:t> *	Comparar </a:t>
-            </a:r>
-            <a:r>
-              <a:rPr lang="pt-BR" dirty="0"/>
-              <a:t>o desempenho do modelo implementado em relação a um modelo mais simples</a:t>
-            </a:r>
+              <a:rPr lang="en-US" dirty="0" err="1" smtClean="0"/>
+              <a:t>Monstros</a:t>
+            </a:r>
+            <a:r>
+              <a:rPr lang="en-US" dirty="0" smtClean="0"/>
+              <a:t> – </a:t>
+            </a:r>
+            <a:r>
+              <a:rPr lang="en-US" dirty="0" err="1" smtClean="0"/>
+              <a:t>Características</a:t>
+            </a:r>
+            <a:r>
+              <a:rPr lang="en-US" dirty="0" smtClean="0"/>
+              <a:t>,   </a:t>
+            </a:r>
+            <a:r>
+              <a:rPr lang="en-US" dirty="0" err="1" smtClean="0"/>
+              <a:t>Implementação</a:t>
+            </a:r>
+            <a:r>
+              <a:rPr lang="en-US" dirty="0" smtClean="0"/>
+              <a:t>, </a:t>
+            </a:r>
+            <a:r>
+              <a:rPr lang="en-US" dirty="0" err="1" smtClean="0"/>
+              <a:t>Módulo</a:t>
+            </a:r>
+            <a:r>
+              <a:rPr lang="en-US" dirty="0" smtClean="0"/>
+              <a:t> IA</a:t>
+            </a:r>
+          </a:p>
+          <a:p>
+            <a:r>
+              <a:rPr lang="en-US" dirty="0" err="1" smtClean="0"/>
+              <a:t>Considerações</a:t>
+            </a:r>
+            <a:r>
+              <a:rPr lang="en-US" dirty="0" smtClean="0"/>
+              <a:t> </a:t>
+            </a:r>
+            <a:r>
+              <a:rPr lang="en-US" dirty="0" err="1" smtClean="0"/>
+              <a:t>Finais</a:t>
+            </a:r>
+            <a:endParaRPr lang="en-US" dirty="0" smtClean="0"/>
+          </a:p>
+          <a:p>
             <a:endParaRPr lang="pt-BR" dirty="0"/>
           </a:p>
         </p:txBody>
@@ -7359,7 +7393,7 @@
     </p:spTree>
     <p:extLst>
       <p:ext uri="{BB962C8B-B14F-4D97-AF65-F5344CB8AC3E}">
-        <p14:creationId xmlns:p14="http://schemas.microsoft.com/office/powerpoint/2010/main" val="3350526634"/>
+        <p14:creationId xmlns:p14="http://schemas.microsoft.com/office/powerpoint/2010/main" val="371508211"/>
       </p:ext>
     </p:extLst>
   </p:cSld>
@@ -7404,18 +7438,9 @@
           <a:lstStyle/>
           <a:p>
             <a:r>
-              <a:rPr lang="pt-BR" sz="2800" dirty="0"/>
-              <a:t>Jogo “Caçando Monstros” - </a:t>
-            </a:r>
-            <a:r>
-              <a:rPr lang="pt-BR" sz="2800" dirty="0"/>
-              <a:t>Funcionamento do jogo</a:t>
-            </a:r>
-            <a:r>
-              <a:rPr lang="pt-BR" sz="2800" dirty="0" smtClean="0"/>
-              <a:t> </a:t>
-            </a:r>
-            <a:endParaRPr lang="pt-BR" sz="2800" dirty="0"/>
+              <a:rPr lang="pt-BR" sz="3200" dirty="0"/>
+              <a:t>Jogo “Caçando Monstros” - Módulo IA</a:t>
+            </a:r>
           </a:p>
         </p:txBody>
       </p:sp>
@@ -7431,18 +7456,34 @@
         </p:nvSpPr>
         <p:spPr/>
         <p:txBody>
-          <a:bodyPr>
-            <a:normAutofit lnSpcReduction="10000"/>
-          </a:bodyPr>
-          <a:lstStyle/>
-          <a:p>
+          <a:bodyPr/>
+          <a:lstStyle/>
+          <a:p>
+            <a:r>
+              <a:rPr lang="pt-BR" dirty="0" err="1"/>
+              <a:t>ExecutaAcaoIA</a:t>
+            </a:r>
+            <a:r>
+              <a:rPr lang="pt-BR" dirty="0"/>
+              <a:t> - Nesta classe se dá o início do processamento, reúne os dados necessários para o processamento da </a:t>
+            </a:r>
             <a:r>
               <a:rPr lang="pt-BR" dirty="0" smtClean="0"/>
-              <a:t>O </a:t>
-            </a:r>
-            <a:r>
-              <a:rPr lang="pt-BR" dirty="0"/>
-              <a:t>jogo funciona repetindo o ciclo definido no Modelo </a:t>
+              <a:t>requisição</a:t>
+            </a:r>
+            <a:endParaRPr lang="pt-BR" dirty="0"/>
+          </a:p>
+          <a:p>
+            <a:endParaRPr lang="pt-BR" dirty="0"/>
+          </a:p>
+          <a:p>
+            <a:r>
+              <a:rPr lang="pt-BR" dirty="0" err="1"/>
+              <a:t>PrincipalIA</a:t>
+            </a:r>
+            <a:r>
+              <a:rPr lang="pt-BR" dirty="0"/>
+              <a:t> - Nesta classe são realizados todos os passos definidos no Modelo </a:t>
             </a:r>
             <a:r>
               <a:rPr lang="pt-BR" dirty="0" err="1"/>
@@ -7450,247 +7491,55 @@
             </a:r>
             <a:r>
               <a:rPr lang="pt-BR" dirty="0"/>
-              <a:t> definido</a:t>
-            </a:r>
-            <a:r>
-              <a:rPr lang="pt-BR" dirty="0" smtClean="0"/>
-              <a:t>:</a:t>
-            </a:r>
-            <a:r>
-              <a:rPr lang="pt-BR" dirty="0"/>
-              <a:t/>
-            </a:r>
-            <a:br>
-              <a:rPr lang="pt-BR" dirty="0"/>
-            </a:br>
-            <a:r>
-              <a:rPr lang="pt-BR" dirty="0"/>
-              <a:t>        </a:t>
-            </a:r>
-            <a:r>
-              <a:rPr lang="pt-BR" b="1" dirty="0" smtClean="0"/>
-              <a:t>1 - </a:t>
-            </a:r>
-            <a:r>
-              <a:rPr lang="pt-BR" dirty="0"/>
-              <a:t>Jogador Realiza uma jogada</a:t>
-            </a:r>
-            <a:r>
-              <a:rPr lang="pt-BR" dirty="0"/>
-              <a:t/>
-            </a:r>
-            <a:br>
-              <a:rPr lang="pt-BR" dirty="0"/>
-            </a:br>
-            <a:r>
-              <a:rPr lang="pt-BR" dirty="0"/>
-              <a:t>        </a:t>
-            </a:r>
-            <a:r>
-              <a:rPr lang="pt-BR" b="1" dirty="0" smtClean="0"/>
-              <a:t>2 - </a:t>
-            </a:r>
-            <a:r>
-              <a:rPr lang="pt-BR" dirty="0" smtClean="0"/>
-              <a:t>O </a:t>
-            </a:r>
-            <a:r>
-              <a:rPr lang="pt-BR" dirty="0"/>
-              <a:t>sistema aciona o a classe </a:t>
+              <a:t>: </a:t>
             </a:r>
             <a:r>
               <a:rPr lang="pt-BR" dirty="0" err="1"/>
-              <a:t>ExecutaAcaoIA</a:t>
-            </a:r>
-            <a:r>
-              <a:rPr lang="pt-BR" dirty="0"/>
-              <a:t>, onde são analisados os dados que serão aplicados nas variáveis utilizadas nas Regras </a:t>
+              <a:t>Fuzzyficação</a:t>
+            </a:r>
+            <a:r>
+              <a:rPr lang="pt-BR" dirty="0"/>
+              <a:t>, Inferência, </a:t>
+            </a:r>
+            <a:r>
+              <a:rPr lang="pt-BR" dirty="0" err="1"/>
+              <a:t>Defuzzyficação</a:t>
+            </a:r>
+            <a:endParaRPr lang="pt-BR" dirty="0"/>
+          </a:p>
+          <a:p>
+            <a:endParaRPr lang="pt-BR" dirty="0"/>
+          </a:p>
+          <a:p>
+            <a:r>
+              <a:rPr lang="pt-BR" dirty="0" err="1"/>
+              <a:t>GruposIA</a:t>
+            </a:r>
+            <a:r>
+              <a:rPr lang="pt-BR" dirty="0"/>
+              <a:t> - Nesta classe são definidos os valores das Variáveis Linguísticas necessárias a realização da Inferência das Regras </a:t>
             </a:r>
             <a:r>
               <a:rPr lang="pt-BR" dirty="0" err="1"/>
               <a:t>Fuzzy</a:t>
             </a:r>
-            <a:r>
-              <a:rPr lang="pt-BR" dirty="0"/>
-              <a:t/>
-            </a:r>
-            <a:br>
-              <a:rPr lang="pt-BR" dirty="0"/>
-            </a:br>
-            <a:r>
-              <a:rPr lang="pt-BR" dirty="0"/>
-              <a:t>        </a:t>
-            </a:r>
-            <a:r>
-              <a:rPr lang="pt-BR" b="1" dirty="0" smtClean="0"/>
-              <a:t>3 -</a:t>
-            </a:r>
-            <a:r>
-              <a:rPr lang="pt-BR" dirty="0" smtClean="0"/>
-              <a:t> </a:t>
-            </a:r>
-            <a:r>
-              <a:rPr lang="pt-BR" dirty="0"/>
-              <a:t>Após popular todas as variáveis necessárias, o sistema então chama a classe </a:t>
-            </a:r>
+            <a:endParaRPr lang="pt-BR" dirty="0"/>
+          </a:p>
+          <a:p>
+            <a:endParaRPr lang="pt-BR" dirty="0"/>
+          </a:p>
+          <a:p>
             <a:r>
               <a:rPr lang="pt-BR" dirty="0" err="1"/>
-              <a:t>PrincipalIA</a:t>
-            </a:r>
-            <a:r>
-              <a:rPr lang="pt-BR" dirty="0"/>
-              <a:t>, onde estão implementados </a:t>
-            </a:r>
-            <a:r>
-              <a:rPr lang="pt-BR" dirty="0" smtClean="0"/>
-              <a:t>cada </a:t>
-            </a:r>
-            <a:r>
-              <a:rPr lang="pt-BR" dirty="0"/>
-              <a:t>passo </a:t>
-            </a:r>
-            <a:r>
-              <a:rPr lang="pt-BR" dirty="0" err="1"/>
-              <a:t>defindo</a:t>
-            </a:r>
-            <a:r>
-              <a:rPr lang="pt-BR" dirty="0"/>
-              <a:t> no Modelo </a:t>
+              <a:t>ExpressoesIA</a:t>
+            </a:r>
+            <a:r>
+              <a:rPr lang="pt-BR" dirty="0"/>
+              <a:t> - Nesta classe é implementada o Banco de Conhecimento do sistema, onde estão definidas todas a Regras </a:t>
             </a:r>
             <a:r>
               <a:rPr lang="pt-BR" dirty="0" err="1"/>
               <a:t>Fuzzy</a:t>
-            </a:r>
-            <a:r>
-              <a:rPr lang="pt-BR" dirty="0"/>
-              <a:t>:</a:t>
-            </a:r>
-            <a:r>
-              <a:rPr lang="pt-BR" dirty="0"/>
-              <a:t/>
-            </a:r>
-            <a:br>
-              <a:rPr lang="pt-BR" dirty="0"/>
-            </a:br>
-            <a:r>
-              <a:rPr lang="pt-BR" dirty="0"/>
-              <a:t>        </a:t>
-            </a:r>
-            <a:r>
-              <a:rPr lang="pt-BR" b="1" dirty="0" smtClean="0"/>
-              <a:t>4 </a:t>
-            </a:r>
-            <a:r>
-              <a:rPr lang="pt-BR" b="1" dirty="0"/>
-              <a:t>- </a:t>
-            </a:r>
-            <a:r>
-              <a:rPr lang="pt-BR" dirty="0" err="1"/>
-              <a:t>Fuzzyficação</a:t>
-            </a:r>
-            <a:r>
-              <a:rPr lang="pt-BR" dirty="0"/>
-              <a:t>: Aplica a Função de Pertinência nas variáveis fornecidas</a:t>
-            </a:r>
-            <a:r>
-              <a:rPr lang="pt-BR" dirty="0"/>
-              <a:t/>
-            </a:r>
-            <a:br>
-              <a:rPr lang="pt-BR" dirty="0"/>
-            </a:br>
-            <a:r>
-              <a:rPr lang="pt-BR" dirty="0"/>
-              <a:t>        </a:t>
-            </a:r>
-            <a:r>
-              <a:rPr lang="pt-BR" b="1" dirty="0" smtClean="0"/>
-              <a:t>5 - </a:t>
-            </a:r>
-            <a:r>
-              <a:rPr lang="pt-BR" dirty="0"/>
-              <a:t>Inferência: Com as variáveis devidamente </a:t>
-            </a:r>
-            <a:r>
-              <a:rPr lang="pt-BR" dirty="0" err="1"/>
-              <a:t>Fuzzyficadas</a:t>
-            </a:r>
-            <a:r>
-              <a:rPr lang="pt-BR" dirty="0"/>
-              <a:t> é possível realizar a inferência do banco de Regras </a:t>
-            </a:r>
-            <a:r>
-              <a:rPr lang="pt-BR" dirty="0" err="1"/>
-              <a:t>Fuzzy</a:t>
-            </a:r>
-            <a:r>
-              <a:rPr lang="pt-BR" dirty="0"/>
-              <a:t> aplicando os Operadores </a:t>
-            </a:r>
-            <a:r>
-              <a:rPr lang="pt-BR" dirty="0" err="1"/>
-              <a:t>Fuzzy</a:t>
-            </a:r>
-            <a:r>
-              <a:rPr lang="pt-BR" dirty="0"/>
-              <a:t/>
-            </a:r>
-            <a:br>
-              <a:rPr lang="pt-BR" dirty="0"/>
-            </a:br>
-            <a:r>
-              <a:rPr lang="pt-BR" dirty="0"/>
-              <a:t>        </a:t>
-            </a:r>
-            <a:r>
-              <a:rPr lang="pt-BR" b="1" dirty="0" smtClean="0"/>
-              <a:t>6- </a:t>
-            </a:r>
-            <a:r>
-              <a:rPr lang="pt-BR" dirty="0" err="1"/>
-              <a:t>Defuzzyficação</a:t>
-            </a:r>
-            <a:r>
-              <a:rPr lang="pt-BR" dirty="0"/>
-              <a:t>: Com as regras processadas, é possível selecionar a regra com maior pertinência</a:t>
-            </a:r>
-            <a:r>
-              <a:rPr lang="pt-BR" dirty="0"/>
-              <a:t/>
-            </a:r>
-            <a:br>
-              <a:rPr lang="pt-BR" dirty="0"/>
-            </a:br>
-            <a:r>
-              <a:rPr lang="pt-BR" dirty="0"/>
-              <a:t>        </a:t>
-            </a:r>
-            <a:r>
-              <a:rPr lang="pt-BR" b="1" dirty="0" smtClean="0"/>
-              <a:t>7 - </a:t>
-            </a:r>
-            <a:r>
-              <a:rPr lang="pt-BR" dirty="0"/>
-              <a:t>Com a regra selecionada, o sistema pode executar a ação definida na regra</a:t>
-            </a:r>
-            <a:r>
-              <a:rPr lang="pt-BR" dirty="0"/>
-              <a:t/>
-            </a:r>
-            <a:br>
-              <a:rPr lang="pt-BR" dirty="0"/>
-            </a:br>
-            <a:r>
-              <a:rPr lang="pt-BR" dirty="0"/>
-              <a:t>        </a:t>
-            </a:r>
-            <a:r>
-              <a:rPr lang="pt-BR" b="1" dirty="0" smtClean="0"/>
-              <a:t>8 - </a:t>
-            </a:r>
-            <a:r>
-              <a:rPr lang="pt-BR" dirty="0"/>
-              <a:t>Após realizar a ação, o turno do sistema de IA é finalizado</a:t>
             </a:r>
             <a:endParaRPr lang="pt-BR" dirty="0"/>
           </a:p>
@@ -7699,7 +7548,7 @@
     </p:spTree>
     <p:extLst>
       <p:ext uri="{BB962C8B-B14F-4D97-AF65-F5344CB8AC3E}">
-        <p14:creationId xmlns:p14="http://schemas.microsoft.com/office/powerpoint/2010/main" val="3262128651"/>
+        <p14:creationId xmlns:p14="http://schemas.microsoft.com/office/powerpoint/2010/main" val="1288713348"/>
       </p:ext>
     </p:extLst>
   </p:cSld>
@@ -7738,14 +7587,179 @@
         </p:nvSpPr>
         <p:spPr/>
         <p:txBody>
+          <a:bodyPr>
+            <a:normAutofit/>
+          </a:bodyPr>
+          <a:lstStyle/>
+          <a:p>
+            <a:r>
+              <a:rPr lang="pt-BR" sz="2800" dirty="0"/>
+              <a:t>Jogo “Caçando Monstros” - Regras e Variáveis </a:t>
+            </a:r>
+            <a:r>
+              <a:rPr lang="pt-BR" sz="2800" dirty="0" err="1"/>
+              <a:t>Fuzzy</a:t>
+            </a:r>
+            <a:r>
+              <a:rPr lang="pt-BR" sz="2800" dirty="0"/>
+              <a:t> </a:t>
+            </a:r>
+          </a:p>
+        </p:txBody>
+      </p:sp>
+      <p:sp>
+        <p:nvSpPr>
+          <p:cNvPr id="3" name="Espaço Reservado para Conteúdo 2"/>
+          <p:cNvSpPr>
+            <a:spLocks noGrp="1"/>
+          </p:cNvSpPr>
+          <p:nvPr>
+            <p:ph idx="1"/>
+          </p:nvPr>
+        </p:nvSpPr>
+        <p:spPr/>
+        <p:txBody>
           <a:bodyPr/>
           <a:lstStyle/>
           <a:p>
             <a:r>
-              <a:rPr lang="pt-BR" dirty="0"/>
-              <a:t>Considerações Finais</a:t>
-            </a:r>
-            <a:endParaRPr lang="pt-BR" dirty="0"/>
+              <a:rPr lang="pt-BR" dirty="0" smtClean="0"/>
+              <a:t>No </a:t>
+            </a:r>
+            <a:r>
+              <a:rPr lang="pt-BR" dirty="0"/>
+              <a:t>desenvolvimento foram criadas Regras </a:t>
+            </a:r>
+            <a:r>
+              <a:rPr lang="pt-BR" dirty="0" err="1"/>
+              <a:t>Fuzzy</a:t>
+            </a:r>
+            <a:r>
+              <a:rPr lang="pt-BR" dirty="0"/>
+              <a:t> que contemplavam aspectos básicos do jogo:</a:t>
+            </a:r>
+          </a:p>
+          <a:p>
+            <a:r>
+              <a:rPr lang="pt-BR" dirty="0" smtClean="0"/>
+              <a:t>Variáveis</a:t>
+            </a:r>
+            <a:r>
+              <a:rPr lang="pt-BR" dirty="0"/>
+              <a:t>: VIDA_TORRE_INI, PERSON_AOREDOR, DISTANCIA_T1_TORRE1</a:t>
+            </a:r>
+          </a:p>
+          <a:p>
+            <a:r>
+              <a:rPr lang="pt-BR" dirty="0" smtClean="0"/>
+              <a:t>Variáveis </a:t>
+            </a:r>
+            <a:r>
+              <a:rPr lang="pt-BR" dirty="0"/>
+              <a:t>Linguísticas: ALTO, MÉDIO, BAIXO</a:t>
+            </a:r>
+          </a:p>
+          <a:p>
+            <a:r>
+              <a:rPr lang="pt-BR" dirty="0" smtClean="0"/>
+              <a:t>Regras</a:t>
+            </a:r>
+            <a:r>
+              <a:rPr lang="pt-BR" dirty="0"/>
+              <a:t>: As regras implementadas seguiram o seguinte exemplo:</a:t>
+            </a:r>
+          </a:p>
+          <a:p>
+            <a:pPr marL="0" indent="0">
+              <a:buNone/>
+            </a:pPr>
+            <a:r>
+              <a:rPr lang="pt-BR" sz="1600" dirty="0" smtClean="0"/>
+              <a:t>	</a:t>
+            </a:r>
+            <a:r>
+              <a:rPr lang="pt-BR" sz="1600" b="1" dirty="0" smtClean="0"/>
+              <a:t>SE</a:t>
+            </a:r>
+            <a:r>
+              <a:rPr lang="pt-BR" sz="1600" dirty="0" smtClean="0"/>
+              <a:t> </a:t>
+            </a:r>
+            <a:r>
+              <a:rPr lang="pt-BR" sz="1600" i="1" dirty="0"/>
+              <a:t>PERSON_AOREDOR = ALTO E DISTANCIA_T1_TORRE1 = ALTO </a:t>
+            </a:r>
+            <a:r>
+              <a:rPr lang="pt-BR" sz="1600" b="1" dirty="0"/>
+              <a:t>ENTAO</a:t>
+            </a:r>
+            <a:r>
+              <a:rPr lang="pt-BR" sz="1600" dirty="0"/>
+              <a:t> </a:t>
+            </a:r>
+            <a:r>
+              <a:rPr lang="pt-BR" sz="1600" i="1" dirty="0"/>
+              <a:t>MOVE_ATACA_INI</a:t>
+            </a:r>
+          </a:p>
+        </p:txBody>
+      </p:sp>
+    </p:spTree>
+    <p:extLst>
+      <p:ext uri="{BB962C8B-B14F-4D97-AF65-F5344CB8AC3E}">
+        <p14:creationId xmlns:p14="http://schemas.microsoft.com/office/powerpoint/2010/main" val="1744632738"/>
+      </p:ext>
+    </p:extLst>
+  </p:cSld>
+  <p:clrMapOvr>
+    <a:masterClrMapping/>
+  </p:clrMapOvr>
+</p:sld>
+</file>
+
+<file path=ppt/slides/slide22.xml><?xml version="1.0" encoding="utf-8"?>
+<p:sld xmlns:a="http://schemas.openxmlformats.org/drawingml/2006/main" xmlns:r="http://schemas.openxmlformats.org/officeDocument/2006/relationships" xmlns:p="http://schemas.openxmlformats.org/presentationml/2006/main">
+  <p:cSld>
+    <p:spTree>
+      <p:nvGrpSpPr>
+        <p:cNvPr id="1" name=""/>
+        <p:cNvGrpSpPr/>
+        <p:nvPr/>
+      </p:nvGrpSpPr>
+      <p:grpSpPr>
+        <a:xfrm>
+          <a:off x="0" y="0"/>
+          <a:ext cx="0" cy="0"/>
+          <a:chOff x="0" y="0"/>
+          <a:chExt cx="0" cy="0"/>
+        </a:xfrm>
+      </p:grpSpPr>
+      <p:sp>
+        <p:nvSpPr>
+          <p:cNvPr id="2" name="Título 1"/>
+          <p:cNvSpPr>
+            <a:spLocks noGrp="1"/>
+          </p:cNvSpPr>
+          <p:nvPr>
+            <p:ph type="title"/>
+          </p:nvPr>
+        </p:nvSpPr>
+        <p:spPr/>
+        <p:txBody>
+          <a:bodyPr>
+            <a:normAutofit/>
+          </a:bodyPr>
+          <a:lstStyle/>
+          <a:p>
+            <a:r>
+              <a:rPr lang="pt-BR" sz="2800" dirty="0"/>
+              <a:t>Jogo “Caçando Monstros” - Funcionamento do jogo</a:t>
+            </a:r>
+            <a:r>
+              <a:rPr lang="pt-BR" sz="2800" dirty="0" smtClean="0"/>
+              <a:t> </a:t>
+            </a:r>
+            <a:endParaRPr lang="pt-BR" sz="2800" dirty="0"/>
           </a:p>
         </p:txBody>
       </p:sp>
@@ -7761,20 +7775,18 @@
         </p:nvSpPr>
         <p:spPr/>
         <p:txBody>
-          <a:bodyPr/>
-          <a:lstStyle/>
-          <a:p>
-            <a:r>
-              <a:rPr lang="pt-BR" dirty="0"/>
-              <a:t> </a:t>
-            </a:r>
+          <a:bodyPr>
+            <a:normAutofit lnSpcReduction="10000"/>
+          </a:bodyPr>
+          <a:lstStyle/>
+          <a:p>
             <a:r>
               <a:rPr lang="pt-BR" dirty="0" smtClean="0"/>
               <a:t>O </a:t>
             </a:r>
             <a:r>
               <a:rPr lang="pt-BR" dirty="0"/>
-              <a:t>jogo apresentou uma tendência do sistema </a:t>
+              <a:t>jogo funciona repetindo o ciclo definido no Modelo </a:t>
             </a:r>
             <a:r>
               <a:rPr lang="pt-BR" dirty="0" err="1"/>
@@ -7782,11 +7794,317 @@
             </a:r>
             <a:r>
               <a:rPr lang="pt-BR" dirty="0"/>
+              <a:t> definido</a:t>
+            </a:r>
+            <a:r>
+              <a:rPr lang="pt-BR" dirty="0" smtClean="0"/>
+              <a:t>:</a:t>
+            </a:r>
+            <a:r>
+              <a:rPr lang="pt-BR" dirty="0"/>
+              <a:t/>
+            </a:r>
+            <a:br>
+              <a:rPr lang="pt-BR" dirty="0"/>
+            </a:br>
+            <a:r>
+              <a:rPr lang="pt-BR" dirty="0"/>
+              <a:t>        </a:t>
+            </a:r>
+            <a:r>
+              <a:rPr lang="pt-BR" b="1" dirty="0" smtClean="0"/>
+              <a:t>1 - </a:t>
+            </a:r>
+            <a:r>
+              <a:rPr lang="pt-BR" dirty="0"/>
+              <a:t>Jogador Realiza uma jogada</a:t>
+            </a:r>
+            <a:br>
+              <a:rPr lang="pt-BR" dirty="0"/>
+            </a:br>
+            <a:r>
+              <a:rPr lang="pt-BR" dirty="0"/>
+              <a:t>        </a:t>
+            </a:r>
+            <a:r>
+              <a:rPr lang="pt-BR" b="1" dirty="0" smtClean="0"/>
+              <a:t>2 - </a:t>
+            </a:r>
+            <a:r>
+              <a:rPr lang="pt-BR" dirty="0" smtClean="0"/>
+              <a:t>O </a:t>
+            </a:r>
+            <a:r>
+              <a:rPr lang="pt-BR" dirty="0"/>
+              <a:t>sistema aciona o a classe </a:t>
+            </a:r>
+            <a:r>
+              <a:rPr lang="pt-BR" dirty="0" err="1"/>
+              <a:t>ExecutaAcaoIA</a:t>
+            </a:r>
+            <a:r>
+              <a:rPr lang="pt-BR" dirty="0"/>
+              <a:t>, onde são analisados os dados que serão aplicados nas variáveis utilizadas nas Regras </a:t>
+            </a:r>
+            <a:r>
+              <a:rPr lang="pt-BR" dirty="0" err="1"/>
+              <a:t>Fuzzy</a:t>
+            </a:r>
+            <a:r>
+              <a:rPr lang="pt-BR" dirty="0"/>
+              <a:t/>
+            </a:r>
+            <a:br>
+              <a:rPr lang="pt-BR" dirty="0"/>
+            </a:br>
+            <a:r>
+              <a:rPr lang="pt-BR" dirty="0"/>
+              <a:t>        </a:t>
+            </a:r>
+            <a:r>
+              <a:rPr lang="pt-BR" b="1" dirty="0" smtClean="0"/>
+              <a:t>3 -</a:t>
+            </a:r>
+            <a:r>
+              <a:rPr lang="pt-BR" dirty="0" smtClean="0"/>
+              <a:t> </a:t>
+            </a:r>
+            <a:r>
+              <a:rPr lang="pt-BR" dirty="0"/>
+              <a:t>Após popular todas as variáveis necessárias, o sistema então chama a classe </a:t>
+            </a:r>
+            <a:r>
+              <a:rPr lang="pt-BR" dirty="0" err="1"/>
+              <a:t>PrincipalIA</a:t>
+            </a:r>
+            <a:r>
+              <a:rPr lang="pt-BR" dirty="0"/>
+              <a:t>, onde estão implementados </a:t>
+            </a:r>
+            <a:r>
+              <a:rPr lang="pt-BR" dirty="0" smtClean="0"/>
+              <a:t>cada </a:t>
+            </a:r>
+            <a:r>
+              <a:rPr lang="pt-BR" dirty="0"/>
+              <a:t>passo </a:t>
+            </a:r>
+            <a:r>
+              <a:rPr lang="pt-BR" dirty="0" err="1"/>
+              <a:t>defindo</a:t>
+            </a:r>
+            <a:r>
+              <a:rPr lang="pt-BR" dirty="0"/>
+              <a:t> no Modelo </a:t>
+            </a:r>
+            <a:r>
+              <a:rPr lang="pt-BR" dirty="0" err="1"/>
+              <a:t>Fuzzy</a:t>
+            </a:r>
+            <a:r>
+              <a:rPr lang="pt-BR" dirty="0"/>
+              <a:t>:</a:t>
+            </a:r>
+            <a:br>
+              <a:rPr lang="pt-BR" dirty="0"/>
+            </a:br>
+            <a:r>
+              <a:rPr lang="pt-BR" dirty="0"/>
+              <a:t>        </a:t>
+            </a:r>
+            <a:r>
+              <a:rPr lang="pt-BR" b="1" dirty="0" smtClean="0"/>
+              <a:t>4 </a:t>
+            </a:r>
+            <a:r>
+              <a:rPr lang="pt-BR" b="1" dirty="0"/>
+              <a:t>- </a:t>
+            </a:r>
+            <a:r>
+              <a:rPr lang="pt-BR" dirty="0" err="1"/>
+              <a:t>Fuzzyficação</a:t>
+            </a:r>
+            <a:r>
+              <a:rPr lang="pt-BR" dirty="0"/>
+              <a:t>: Aplica a Função de Pertinência nas variáveis fornecidas</a:t>
+            </a:r>
+            <a:br>
+              <a:rPr lang="pt-BR" dirty="0"/>
+            </a:br>
+            <a:r>
+              <a:rPr lang="pt-BR" dirty="0"/>
+              <a:t>        </a:t>
+            </a:r>
+            <a:r>
+              <a:rPr lang="pt-BR" b="1" dirty="0" smtClean="0"/>
+              <a:t>5 - </a:t>
+            </a:r>
+            <a:r>
+              <a:rPr lang="pt-BR" dirty="0"/>
+              <a:t>Inferência: Com as variáveis devidamente </a:t>
+            </a:r>
+            <a:r>
+              <a:rPr lang="pt-BR" dirty="0" err="1"/>
+              <a:t>Fuzzyficadas</a:t>
+            </a:r>
+            <a:r>
+              <a:rPr lang="pt-BR" dirty="0"/>
+              <a:t> é possível realizar a inferência do banco de Regras </a:t>
+            </a:r>
+            <a:r>
+              <a:rPr lang="pt-BR" dirty="0" err="1"/>
+              <a:t>Fuzzy</a:t>
+            </a:r>
+            <a:r>
+              <a:rPr lang="pt-BR" dirty="0"/>
+              <a:t> aplicando os Operadores </a:t>
+            </a:r>
+            <a:r>
+              <a:rPr lang="pt-BR" dirty="0" err="1"/>
+              <a:t>Fuzzy</a:t>
+            </a:r>
+            <a:r>
+              <a:rPr lang="pt-BR" dirty="0"/>
+              <a:t/>
+            </a:r>
+            <a:br>
+              <a:rPr lang="pt-BR" dirty="0"/>
+            </a:br>
+            <a:r>
+              <a:rPr lang="pt-BR" dirty="0"/>
+              <a:t>        </a:t>
+            </a:r>
+            <a:r>
+              <a:rPr lang="pt-BR" b="1" dirty="0" smtClean="0"/>
+              <a:t>6- </a:t>
+            </a:r>
+            <a:r>
+              <a:rPr lang="pt-BR" dirty="0" err="1"/>
+              <a:t>Defuzzyficação</a:t>
+            </a:r>
+            <a:r>
+              <a:rPr lang="pt-BR" dirty="0"/>
+              <a:t>: Com as regras processadas, é possível selecionar a regra com maior pertinência</a:t>
+            </a:r>
+            <a:br>
+              <a:rPr lang="pt-BR" dirty="0"/>
+            </a:br>
+            <a:r>
+              <a:rPr lang="pt-BR" dirty="0"/>
+              <a:t>        </a:t>
+            </a:r>
+            <a:r>
+              <a:rPr lang="pt-BR" b="1" dirty="0" smtClean="0"/>
+              <a:t>7 - </a:t>
+            </a:r>
+            <a:r>
+              <a:rPr lang="pt-BR" dirty="0"/>
+              <a:t>Com a regra selecionada, o sistema pode executar a ação definida na regra</a:t>
+            </a:r>
+            <a:br>
+              <a:rPr lang="pt-BR" dirty="0"/>
+            </a:br>
+            <a:r>
+              <a:rPr lang="pt-BR" dirty="0"/>
+              <a:t>        </a:t>
+            </a:r>
+            <a:r>
+              <a:rPr lang="pt-BR" b="1" dirty="0" smtClean="0"/>
+              <a:t>8 - </a:t>
+            </a:r>
+            <a:r>
+              <a:rPr lang="pt-BR" dirty="0"/>
+              <a:t>Após realizar a ação, o turno do sistema de IA é finalizado</a:t>
+            </a:r>
+          </a:p>
+        </p:txBody>
+      </p:sp>
+    </p:spTree>
+    <p:extLst>
+      <p:ext uri="{BB962C8B-B14F-4D97-AF65-F5344CB8AC3E}">
+        <p14:creationId xmlns:p14="http://schemas.microsoft.com/office/powerpoint/2010/main" val="3262128651"/>
+      </p:ext>
+    </p:extLst>
+  </p:cSld>
+  <p:clrMapOvr>
+    <a:masterClrMapping/>
+  </p:clrMapOvr>
+</p:sld>
+</file>
+
+<file path=ppt/slides/slide23.xml><?xml version="1.0" encoding="utf-8"?>
+<p:sld xmlns:a="http://schemas.openxmlformats.org/drawingml/2006/main" xmlns:r="http://schemas.openxmlformats.org/officeDocument/2006/relationships" xmlns:p="http://schemas.openxmlformats.org/presentationml/2006/main">
+  <p:cSld>
+    <p:spTree>
+      <p:nvGrpSpPr>
+        <p:cNvPr id="1" name=""/>
+        <p:cNvGrpSpPr/>
+        <p:nvPr/>
+      </p:nvGrpSpPr>
+      <p:grpSpPr>
+        <a:xfrm>
+          <a:off x="0" y="0"/>
+          <a:ext cx="0" cy="0"/>
+          <a:chOff x="0" y="0"/>
+          <a:chExt cx="0" cy="0"/>
+        </a:xfrm>
+      </p:grpSpPr>
+      <p:sp>
+        <p:nvSpPr>
+          <p:cNvPr id="2" name="Título 1"/>
+          <p:cNvSpPr>
+            <a:spLocks noGrp="1"/>
+          </p:cNvSpPr>
+          <p:nvPr>
+            <p:ph type="title"/>
+          </p:nvPr>
+        </p:nvSpPr>
+        <p:spPr/>
+        <p:txBody>
+          <a:bodyPr/>
+          <a:lstStyle/>
+          <a:p>
+            <a:r>
+              <a:rPr lang="pt-BR" dirty="0"/>
+              <a:t>Considerações Finais</a:t>
+            </a:r>
+          </a:p>
+        </p:txBody>
+      </p:sp>
+      <p:sp>
+        <p:nvSpPr>
+          <p:cNvPr id="3" name="Espaço Reservado para Conteúdo 2"/>
+          <p:cNvSpPr>
+            <a:spLocks noGrp="1"/>
+          </p:cNvSpPr>
+          <p:nvPr>
+            <p:ph idx="1"/>
+          </p:nvPr>
+        </p:nvSpPr>
+        <p:spPr/>
+        <p:txBody>
+          <a:bodyPr/>
+          <a:lstStyle/>
+          <a:p>
+            <a:r>
+              <a:rPr lang="pt-BR" dirty="0"/>
+              <a:t> </a:t>
+            </a:r>
+            <a:r>
+              <a:rPr lang="pt-BR" dirty="0" smtClean="0"/>
+              <a:t>O </a:t>
+            </a:r>
+            <a:r>
+              <a:rPr lang="pt-BR" dirty="0"/>
+              <a:t>jogo apresentou uma tendência do sistema </a:t>
+            </a:r>
+            <a:r>
+              <a:rPr lang="pt-BR" dirty="0" err="1"/>
+              <a:t>Fuzzy</a:t>
+            </a:r>
+            <a:r>
+              <a:rPr lang="pt-BR" dirty="0"/>
               <a:t> derrotar o sistema Aleatório</a:t>
-            </a:r>
-            <a:r>
-              <a:rPr lang="pt-BR" dirty="0"/>
-              <a:t/>
             </a:r>
             <a:br>
               <a:rPr lang="pt-BR" dirty="0"/>
@@ -7814,10 +8132,6 @@
               <a:rPr lang="pt-BR" dirty="0"/>
               <a:t> aumentam a melhoram capacidade do sistema</a:t>
             </a:r>
-            <a:r>
-              <a:rPr lang="pt-BR" dirty="0"/>
-              <a:t/>
-            </a:r>
             <a:br>
               <a:rPr lang="pt-BR" dirty="0"/>
             </a:br>
@@ -7836,7 +8150,6 @@
               <a:rPr lang="pt-BR" dirty="0"/>
               <a:t>de "Magias" ou "Mana" poderiam diversificar as estratégias/regras/variáveis</a:t>
             </a:r>
-            <a:endParaRPr lang="pt-BR" dirty="0"/>
           </a:p>
         </p:txBody>
       </p:sp>
@@ -7887,11 +8200,7 @@
           <a:p>
             <a:r>
               <a:rPr lang="pt-BR" dirty="0" smtClean="0"/>
-              <a:t>Inteligência </a:t>
-            </a:r>
-            <a:r>
-              <a:rPr lang="pt-BR" dirty="0"/>
-              <a:t>Artificial</a:t>
+              <a:t>Introdução</a:t>
             </a:r>
             <a:endParaRPr lang="pt-BR" dirty="0"/>
           </a:p>
@@ -7914,94 +8223,107 @@
           <a:p>
             <a:r>
               <a:rPr lang="pt-BR" dirty="0" smtClean="0"/>
-              <a:t>Compreender </a:t>
-            </a:r>
-            <a:r>
-              <a:rPr lang="pt-BR" dirty="0"/>
-              <a:t>o funcionamento da inteligência </a:t>
-            </a:r>
-            <a:r>
-              <a:rPr lang="pt-BR" dirty="0"/>
-              <a:t/>
-            </a:r>
-            <a:br>
-              <a:rPr lang="pt-BR" dirty="0"/>
-            </a:br>
-            <a:endParaRPr lang="pt-BR" dirty="0" smtClean="0"/>
-          </a:p>
-          <a:p>
-            <a:r>
-              <a:rPr lang="pt-BR" dirty="0" smtClean="0"/>
-              <a:t>Possibilitar </a:t>
-            </a:r>
-            <a:r>
-              <a:rPr lang="pt-BR" dirty="0"/>
-              <a:t>ao computador tarefas que humanos e animais </a:t>
-            </a:r>
-            <a:r>
-              <a:rPr lang="pt-BR" dirty="0" err="1"/>
-              <a:t>sao</a:t>
-            </a:r>
-            <a:r>
-              <a:rPr lang="pt-BR" dirty="0"/>
-              <a:t> capazes de fazer</a:t>
-            </a:r>
-            <a:r>
-              <a:rPr lang="pt-BR" dirty="0"/>
-              <a:t/>
-            </a:r>
-            <a:br>
-              <a:rPr lang="pt-BR" dirty="0"/>
-            </a:br>
-            <a:endParaRPr lang="pt-BR" dirty="0" smtClean="0"/>
-          </a:p>
-          <a:p>
-            <a:r>
-              <a:rPr lang="pt-BR" dirty="0" smtClean="0"/>
-              <a:t>Em </a:t>
-            </a:r>
-            <a:r>
-              <a:rPr lang="pt-BR" dirty="0"/>
-              <a:t>um jogo, queremos que o computador realize ações similares a que um humano realizaria</a:t>
-            </a:r>
-            <a:r>
-              <a:rPr lang="pt-BR" dirty="0"/>
-              <a:t/>
-            </a:r>
-            <a:br>
-              <a:rPr lang="pt-BR" dirty="0"/>
-            </a:br>
-            <a:endParaRPr lang="pt-BR" dirty="0" smtClean="0"/>
-          </a:p>
-          <a:p>
-            <a:r>
-              <a:rPr lang="pt-BR" dirty="0" smtClean="0"/>
-              <a:t>Diversas </a:t>
-            </a:r>
-            <a:r>
-              <a:rPr lang="pt-BR" dirty="0"/>
-              <a:t>técnicas foram desenvolvidas para modelar sistemas inteligentes: Sistemas Especialistas</a:t>
-            </a:r>
-            <a:r>
-              <a:rPr lang="pt-BR" dirty="0" smtClean="0"/>
-              <a:t>,</a:t>
-            </a:r>
-            <a:r>
-              <a:rPr lang="pt-BR" dirty="0"/>
-              <a:t> Máquina de Estados Finitos, Lógica </a:t>
+              <a:t> </a:t>
+            </a:r>
+            <a:r>
+              <a:rPr lang="pt-BR" dirty="0"/>
+              <a:t>Este trabalho buscou estudar a aplicação da Lógica </a:t>
             </a:r>
             <a:r>
               <a:rPr lang="pt-BR" dirty="0" err="1"/>
               <a:t>Fuzzy</a:t>
             </a:r>
+            <a:r>
+              <a:rPr lang="pt-BR" dirty="0"/>
+              <a:t> em um jogo baseado em </a:t>
+            </a:r>
+            <a:r>
+              <a:rPr lang="pt-BR" dirty="0" smtClean="0"/>
+              <a:t>Turnos</a:t>
+            </a:r>
+          </a:p>
+          <a:p>
+            <a:endParaRPr lang="pt-BR" dirty="0" smtClean="0"/>
+          </a:p>
+          <a:p>
+            <a:r>
+              <a:rPr lang="pt-BR" dirty="0" smtClean="0"/>
+              <a:t>Sendo </a:t>
+            </a:r>
+            <a:r>
+              <a:rPr lang="pt-BR" dirty="0"/>
+              <a:t>um aspecto </a:t>
+            </a:r>
+            <a:r>
+              <a:rPr lang="pt-BR" dirty="0" smtClean="0"/>
+              <a:t>importante </a:t>
+            </a:r>
+            <a:r>
+              <a:rPr lang="pt-BR" dirty="0"/>
+              <a:t>da implementação de um jogo, é necessário o estudo de diferentes técnicas de </a:t>
+            </a:r>
+            <a:r>
+              <a:rPr lang="pt-BR" dirty="0" smtClean="0"/>
+              <a:t>IA</a:t>
+            </a:r>
+          </a:p>
+          <a:p>
             <a:endParaRPr lang="pt-BR" dirty="0"/>
+          </a:p>
+          <a:p>
+            <a:r>
+              <a:rPr lang="pt-BR" dirty="0" smtClean="0"/>
+              <a:t> </a:t>
+            </a:r>
+            <a:r>
+              <a:rPr lang="pt-BR" dirty="0"/>
+              <a:t>Objetivos:</a:t>
+            </a:r>
+            <a:br>
+              <a:rPr lang="pt-BR" dirty="0"/>
+            </a:br>
+            <a:r>
+              <a:rPr lang="pt-BR" dirty="0"/>
+              <a:t>    </a:t>
+            </a:r>
+            <a:r>
+              <a:rPr lang="pt-BR" dirty="0" smtClean="0"/>
+              <a:t> *	Estudo </a:t>
+            </a:r>
+            <a:r>
+              <a:rPr lang="pt-BR" dirty="0"/>
+              <a:t>da adequação da Lógica </a:t>
+            </a:r>
+            <a:r>
+              <a:rPr lang="pt-BR" dirty="0" err="1"/>
+              <a:t>Fuzzy</a:t>
+            </a:r>
+            <a:r>
+              <a:rPr lang="pt-BR" dirty="0"/>
+              <a:t> em um jogo digital</a:t>
+            </a:r>
+            <a:br>
+              <a:rPr lang="pt-BR" dirty="0"/>
+            </a:br>
+            <a:r>
+              <a:rPr lang="pt-BR" dirty="0"/>
+              <a:t>    </a:t>
+            </a:r>
+            <a:r>
+              <a:rPr lang="pt-BR" dirty="0" smtClean="0"/>
+              <a:t> *	Comparar </a:t>
+            </a:r>
+            <a:r>
+              <a:rPr lang="pt-BR" dirty="0"/>
+              <a:t>o desempenho do modelo implementado em relação a um modelo mais simples</a:t>
+            </a:r>
           </a:p>
         </p:txBody>
       </p:sp>
     </p:spTree>
     <p:extLst>
       <p:ext uri="{BB962C8B-B14F-4D97-AF65-F5344CB8AC3E}">
-        <p14:creationId xmlns:p14="http://schemas.microsoft.com/office/powerpoint/2010/main" val="1608337469"/>
+        <p14:creationId xmlns:p14="http://schemas.microsoft.com/office/powerpoint/2010/main" val="3350526634"/>
       </p:ext>
     </p:extLst>
   </p:cSld>
@@ -8045,6 +8367,657 @@
           <a:p>
             <a:r>
               <a:rPr lang="en-US" dirty="0" err="1" smtClean="0"/>
+              <a:t>Jogos</a:t>
+            </a:r>
+            <a:r>
+              <a:rPr lang="en-US" dirty="0" smtClean="0"/>
+              <a:t> </a:t>
+            </a:r>
+            <a:r>
+              <a:rPr lang="en-US" dirty="0" err="1" smtClean="0"/>
+              <a:t>Digitais</a:t>
+            </a:r>
+            <a:endParaRPr lang="pt-BR" dirty="0"/>
+          </a:p>
+        </p:txBody>
+      </p:sp>
+      <p:sp>
+        <p:nvSpPr>
+          <p:cNvPr id="3" name="Espaço Reservado para Conteúdo 2"/>
+          <p:cNvSpPr>
+            <a:spLocks noGrp="1"/>
+          </p:cNvSpPr>
+          <p:nvPr>
+            <p:ph idx="1"/>
+          </p:nvPr>
+        </p:nvSpPr>
+        <p:spPr/>
+        <p:txBody>
+          <a:bodyPr/>
+          <a:lstStyle/>
+          <a:p>
+            <a:r>
+              <a:rPr lang="en-US" dirty="0" smtClean="0"/>
+              <a:t>Grande </a:t>
+            </a:r>
+            <a:r>
+              <a:rPr lang="en-US" dirty="0" err="1" smtClean="0"/>
+              <a:t>crescimento</a:t>
+            </a:r>
+            <a:r>
+              <a:rPr lang="en-US" dirty="0" smtClean="0"/>
+              <a:t> e </a:t>
+            </a:r>
+            <a:r>
+              <a:rPr lang="en-US" dirty="0" err="1" smtClean="0"/>
+              <a:t>desenvolvimento</a:t>
+            </a:r>
+            <a:r>
+              <a:rPr lang="en-US" dirty="0" smtClean="0"/>
+              <a:t> </a:t>
+            </a:r>
+            <a:r>
+              <a:rPr lang="en-US" dirty="0" err="1" smtClean="0"/>
+              <a:t>em</a:t>
+            </a:r>
+            <a:r>
+              <a:rPr lang="en-US" dirty="0" smtClean="0"/>
+              <a:t> 60 </a:t>
+            </a:r>
+            <a:r>
+              <a:rPr lang="en-US" dirty="0" err="1" smtClean="0"/>
+              <a:t>anos</a:t>
+            </a:r>
+            <a:endParaRPr lang="en-US" dirty="0" smtClean="0"/>
+          </a:p>
+          <a:p>
+            <a:r>
+              <a:rPr lang="en-US" dirty="0" err="1" smtClean="0"/>
+              <a:t>Primeiros</a:t>
+            </a:r>
+            <a:r>
+              <a:rPr lang="en-US" dirty="0" smtClean="0"/>
+              <a:t> </a:t>
+            </a:r>
+            <a:r>
+              <a:rPr lang="en-US" dirty="0" err="1" smtClean="0"/>
+              <a:t>jogos</a:t>
+            </a:r>
+            <a:r>
+              <a:rPr lang="en-US" dirty="0" smtClean="0"/>
+              <a:t> </a:t>
+            </a:r>
+            <a:r>
+              <a:rPr lang="en-US" dirty="0" err="1" smtClean="0"/>
+              <a:t>eram</a:t>
+            </a:r>
+            <a:r>
+              <a:rPr lang="en-US" dirty="0" smtClean="0"/>
+              <a:t> simples, </a:t>
+            </a:r>
+            <a:r>
+              <a:rPr lang="en-US" dirty="0" err="1" smtClean="0"/>
+              <a:t>já</a:t>
+            </a:r>
+            <a:r>
+              <a:rPr lang="en-US" dirty="0" smtClean="0"/>
+              <a:t> </a:t>
+            </a:r>
+            <a:r>
+              <a:rPr lang="en-US" dirty="0" err="1" smtClean="0"/>
+              <a:t>que</a:t>
+            </a:r>
+            <a:r>
+              <a:rPr lang="en-US" dirty="0" smtClean="0"/>
+              <a:t> </a:t>
+            </a:r>
+            <a:r>
+              <a:rPr lang="en-US" dirty="0" err="1" smtClean="0"/>
+              <a:t>não</a:t>
+            </a:r>
+            <a:r>
+              <a:rPr lang="en-US" dirty="0" smtClean="0"/>
+              <a:t> </a:t>
+            </a:r>
+            <a:r>
+              <a:rPr lang="en-US" dirty="0" err="1" smtClean="0"/>
+              <a:t>havia</a:t>
+            </a:r>
+            <a:r>
+              <a:rPr lang="en-US" dirty="0" smtClean="0"/>
+              <a:t> </a:t>
+            </a:r>
+            <a:r>
+              <a:rPr lang="en-US" dirty="0" err="1" smtClean="0"/>
+              <a:t>grande</a:t>
+            </a:r>
+            <a:r>
+              <a:rPr lang="en-US" dirty="0" smtClean="0"/>
+              <a:t> </a:t>
+            </a:r>
+            <a:r>
+              <a:rPr lang="en-US" dirty="0" err="1" smtClean="0"/>
+              <a:t>capacidade</a:t>
+            </a:r>
+            <a:r>
+              <a:rPr lang="en-US" dirty="0" smtClean="0"/>
+              <a:t> de </a:t>
+            </a:r>
+            <a:r>
+              <a:rPr lang="en-US" dirty="0" err="1" smtClean="0"/>
+              <a:t>processamento</a:t>
+            </a:r>
+            <a:r>
+              <a:rPr lang="en-US" dirty="0" smtClean="0"/>
+              <a:t> </a:t>
+            </a:r>
+            <a:r>
+              <a:rPr lang="en-US" dirty="0" err="1" smtClean="0"/>
+              <a:t>disponíveis</a:t>
+            </a:r>
+            <a:r>
+              <a:rPr lang="en-US" dirty="0" smtClean="0"/>
+              <a:t>. Ex.: </a:t>
+            </a:r>
+            <a:r>
+              <a:rPr lang="en-US" i="1" dirty="0" smtClean="0"/>
+              <a:t>Tennis for Two</a:t>
+            </a:r>
+            <a:r>
+              <a:rPr lang="en-US" dirty="0" smtClean="0"/>
+              <a:t>, </a:t>
+            </a:r>
+            <a:r>
+              <a:rPr lang="en-US" i="1" dirty="0" err="1" smtClean="0"/>
+              <a:t>Spacewar</a:t>
+            </a:r>
+            <a:r>
+              <a:rPr lang="en-US" i="1" dirty="0" smtClean="0"/>
+              <a:t>!</a:t>
+            </a:r>
+            <a:endParaRPr lang="en-US" i="1" dirty="0"/>
+          </a:p>
+          <a:p>
+            <a:r>
+              <a:rPr lang="en-US" dirty="0" smtClean="0"/>
+              <a:t>Com o tempo e </a:t>
+            </a:r>
+            <a:r>
+              <a:rPr lang="en-US" dirty="0" err="1" smtClean="0"/>
+              <a:t>desenvolvimento</a:t>
+            </a:r>
+            <a:r>
+              <a:rPr lang="en-US" dirty="0" smtClean="0"/>
+              <a:t> de hardware </a:t>
+            </a:r>
+            <a:r>
+              <a:rPr lang="en-US" dirty="0" err="1" smtClean="0"/>
+              <a:t>mais</a:t>
+            </a:r>
+            <a:r>
+              <a:rPr lang="en-US" dirty="0" smtClean="0"/>
+              <a:t> </a:t>
+            </a:r>
+            <a:r>
+              <a:rPr lang="en-US" dirty="0" err="1" smtClean="0"/>
+              <a:t>potentes</a:t>
+            </a:r>
+            <a:r>
+              <a:rPr lang="en-US" dirty="0" smtClean="0"/>
+              <a:t>, </a:t>
+            </a:r>
+            <a:r>
+              <a:rPr lang="en-US" dirty="0" err="1" smtClean="0"/>
+              <a:t>foi</a:t>
+            </a:r>
+            <a:r>
+              <a:rPr lang="en-US" dirty="0" smtClean="0"/>
+              <a:t> </a:t>
+            </a:r>
+            <a:r>
+              <a:rPr lang="en-US" dirty="0" err="1" smtClean="0"/>
+              <a:t>possível</a:t>
+            </a:r>
+            <a:r>
+              <a:rPr lang="pt-BR" dirty="0" smtClean="0"/>
+              <a:t/>
+            </a:r>
+            <a:br>
+              <a:rPr lang="pt-BR" dirty="0" smtClean="0"/>
+            </a:br>
+            <a:r>
+              <a:rPr lang="pt-BR" dirty="0" smtClean="0"/>
+              <a:t>o desenvolvimento de jogos com maior interatividade, como os sucessos dos anos 70/80 </a:t>
+            </a:r>
+            <a:r>
+              <a:rPr lang="pt-BR" i="1" dirty="0" err="1" smtClean="0"/>
+              <a:t>PacMan</a:t>
+            </a:r>
+            <a:r>
+              <a:rPr lang="pt-BR" dirty="0" smtClean="0"/>
+              <a:t>, </a:t>
+            </a:r>
+            <a:r>
+              <a:rPr lang="pt-BR" i="1" dirty="0" err="1" smtClean="0"/>
+              <a:t>Donkey</a:t>
+            </a:r>
+            <a:r>
+              <a:rPr lang="pt-BR" i="1" dirty="0" smtClean="0"/>
+              <a:t> Kong</a:t>
+            </a:r>
+          </a:p>
+          <a:p>
+            <a:r>
+              <a:rPr lang="en-US" dirty="0" err="1" smtClean="0"/>
+              <a:t>Pode</a:t>
+            </a:r>
+            <a:r>
+              <a:rPr lang="en-US" dirty="0" smtClean="0"/>
+              <a:t> </a:t>
+            </a:r>
+            <a:r>
+              <a:rPr lang="en-US" dirty="0" err="1" smtClean="0"/>
+              <a:t>ser</a:t>
+            </a:r>
+            <a:r>
+              <a:rPr lang="en-US" dirty="0" smtClean="0"/>
+              <a:t> </a:t>
+            </a:r>
+            <a:r>
+              <a:rPr lang="en-US" dirty="0" err="1" smtClean="0"/>
+              <a:t>definido</a:t>
+            </a:r>
+            <a:r>
+              <a:rPr lang="en-US" dirty="0" smtClean="0"/>
+              <a:t> </a:t>
+            </a:r>
+            <a:r>
+              <a:rPr lang="en-US" dirty="0" err="1" smtClean="0"/>
+              <a:t>como</a:t>
+            </a:r>
+            <a:r>
+              <a:rPr lang="en-US" dirty="0" smtClean="0"/>
+              <a:t> um </a:t>
+            </a:r>
+            <a:r>
+              <a:rPr lang="en-US" dirty="0" err="1" smtClean="0"/>
+              <a:t>jogo</a:t>
+            </a:r>
+            <a:r>
+              <a:rPr lang="en-US" dirty="0" smtClean="0"/>
+              <a:t> </a:t>
+            </a:r>
+            <a:r>
+              <a:rPr lang="en-US" dirty="0" err="1" smtClean="0"/>
+              <a:t>que</a:t>
+            </a:r>
+            <a:r>
+              <a:rPr lang="en-US" dirty="0" smtClean="0"/>
+              <a:t> </a:t>
+            </a:r>
+            <a:r>
+              <a:rPr lang="en-US" dirty="0" err="1" smtClean="0"/>
+              <a:t>normalmente</a:t>
+            </a:r>
+            <a:r>
+              <a:rPr lang="en-US" dirty="0" smtClean="0"/>
+              <a:t> involve um </a:t>
+            </a:r>
+            <a:r>
+              <a:rPr lang="en-US" dirty="0" err="1" smtClean="0"/>
+              <a:t>ou</a:t>
+            </a:r>
+            <a:r>
+              <a:rPr lang="en-US" dirty="0" smtClean="0"/>
+              <a:t> </a:t>
+            </a:r>
+            <a:r>
+              <a:rPr lang="en-US" dirty="0" err="1" smtClean="0"/>
+              <a:t>mais</a:t>
+            </a:r>
+            <a:r>
+              <a:rPr lang="en-US" dirty="0" smtClean="0"/>
+              <a:t> </a:t>
+            </a:r>
+            <a:r>
+              <a:rPr lang="en-US" dirty="0" err="1" smtClean="0"/>
+              <a:t>jogadores</a:t>
+            </a:r>
+            <a:r>
+              <a:rPr lang="en-US" dirty="0" smtClean="0"/>
+              <a:t> </a:t>
+            </a:r>
+            <a:r>
+              <a:rPr lang="en-US" dirty="0" err="1" smtClean="0"/>
+              <a:t>gerando</a:t>
+            </a:r>
+            <a:r>
+              <a:rPr lang="en-US" dirty="0" smtClean="0"/>
+              <a:t> </a:t>
+            </a:r>
+            <a:r>
+              <a:rPr lang="en-US" dirty="0" err="1" smtClean="0"/>
+              <a:t>interações</a:t>
+            </a:r>
+            <a:r>
+              <a:rPr lang="en-US" dirty="0" smtClean="0"/>
+              <a:t> </a:t>
+            </a:r>
+            <a:r>
+              <a:rPr lang="en-US" dirty="0" err="1" smtClean="0"/>
+              <a:t>através</a:t>
+            </a:r>
+            <a:r>
+              <a:rPr lang="en-US" dirty="0" smtClean="0"/>
+              <a:t> de </a:t>
+            </a:r>
+            <a:r>
+              <a:rPr lang="en-US" dirty="0" err="1" smtClean="0"/>
+              <a:t>uma</a:t>
+            </a:r>
+            <a:r>
+              <a:rPr lang="en-US" dirty="0"/>
+              <a:t> </a:t>
+            </a:r>
+            <a:r>
+              <a:rPr lang="en-US" dirty="0" smtClean="0"/>
+              <a:t>interface [</a:t>
+            </a:r>
+            <a:r>
+              <a:rPr lang="en-US" sz="1200" dirty="0" smtClean="0"/>
+              <a:t>Wolf </a:t>
+            </a:r>
+            <a:r>
+              <a:rPr lang="en-US" sz="1200" dirty="0"/>
+              <a:t>- Video Game Explosion - A History from Pong to </a:t>
+            </a:r>
+            <a:r>
+              <a:rPr lang="en-US" sz="1200" dirty="0" err="1"/>
+              <a:t>Playstation</a:t>
+            </a:r>
+            <a:r>
+              <a:rPr lang="en-US" sz="1200" dirty="0"/>
+              <a:t> (Greenwood, </a:t>
+            </a:r>
+            <a:r>
+              <a:rPr lang="en-US" sz="1200" dirty="0" smtClean="0"/>
+              <a:t>2008)]</a:t>
+            </a:r>
+            <a:endParaRPr lang="pt-BR" sz="1200" dirty="0" smtClean="0"/>
+          </a:p>
+          <a:p>
+            <a:r>
+              <a:rPr lang="en-US" dirty="0" err="1" smtClean="0"/>
+              <a:t>Interatividade</a:t>
+            </a:r>
+            <a:r>
+              <a:rPr lang="en-US" dirty="0" smtClean="0"/>
+              <a:t> e </a:t>
+            </a:r>
+            <a:r>
+              <a:rPr lang="en-US" dirty="0" err="1" smtClean="0"/>
+              <a:t>desafio</a:t>
+            </a:r>
+            <a:r>
+              <a:rPr lang="en-US" dirty="0" smtClean="0"/>
+              <a:t> </a:t>
+            </a:r>
+            <a:r>
+              <a:rPr lang="en-US" dirty="0" err="1" smtClean="0"/>
+              <a:t>são</a:t>
+            </a:r>
+            <a:r>
+              <a:rPr lang="en-US" dirty="0" smtClean="0"/>
+              <a:t> </a:t>
+            </a:r>
+            <a:r>
+              <a:rPr lang="en-US" dirty="0" err="1" smtClean="0"/>
+              <a:t>aspectos</a:t>
+            </a:r>
+            <a:r>
+              <a:rPr lang="en-US" dirty="0" smtClean="0"/>
+              <a:t> </a:t>
+            </a:r>
+            <a:r>
+              <a:rPr lang="en-US" dirty="0" err="1" smtClean="0"/>
+              <a:t>importantes</a:t>
+            </a:r>
+            <a:r>
+              <a:rPr lang="en-US" dirty="0" smtClean="0"/>
+              <a:t>  de um </a:t>
+            </a:r>
+            <a:r>
+              <a:rPr lang="en-US" dirty="0" err="1" smtClean="0"/>
+              <a:t>jogo</a:t>
+            </a:r>
+            <a:endParaRPr lang="en-US" dirty="0" smtClean="0"/>
+          </a:p>
+        </p:txBody>
+      </p:sp>
+    </p:spTree>
+    <p:extLst>
+      <p:ext uri="{BB962C8B-B14F-4D97-AF65-F5344CB8AC3E}">
+        <p14:creationId xmlns:p14="http://schemas.microsoft.com/office/powerpoint/2010/main" val="1715132025"/>
+      </p:ext>
+    </p:extLst>
+  </p:cSld>
+  <p:clrMapOvr>
+    <a:masterClrMapping/>
+  </p:clrMapOvr>
+</p:sld>
+</file>
+
+<file path=ppt/slides/slide5.xml><?xml version="1.0" encoding="utf-8"?>
+<p:sld xmlns:a="http://schemas.openxmlformats.org/drawingml/2006/main" xmlns:r="http://schemas.openxmlformats.org/officeDocument/2006/relationships" xmlns:p="http://schemas.openxmlformats.org/presentationml/2006/main">
+  <p:cSld>
+    <p:spTree>
+      <p:nvGrpSpPr>
+        <p:cNvPr id="1" name=""/>
+        <p:cNvGrpSpPr/>
+        <p:nvPr/>
+      </p:nvGrpSpPr>
+      <p:grpSpPr>
+        <a:xfrm>
+          <a:off x="0" y="0"/>
+          <a:ext cx="0" cy="0"/>
+          <a:chOff x="0" y="0"/>
+          <a:chExt cx="0" cy="0"/>
+        </a:xfrm>
+      </p:grpSpPr>
+      <p:sp>
+        <p:nvSpPr>
+          <p:cNvPr id="2" name="Título 1"/>
+          <p:cNvSpPr>
+            <a:spLocks noGrp="1"/>
+          </p:cNvSpPr>
+          <p:nvPr>
+            <p:ph type="title"/>
+          </p:nvPr>
+        </p:nvSpPr>
+        <p:spPr/>
+        <p:txBody>
+          <a:bodyPr/>
+          <a:lstStyle/>
+          <a:p>
+            <a:r>
+              <a:rPr lang="pt-BR" dirty="0" smtClean="0"/>
+              <a:t>Inteligência </a:t>
+            </a:r>
+            <a:r>
+              <a:rPr lang="pt-BR" dirty="0"/>
+              <a:t>Artificial</a:t>
+            </a:r>
+          </a:p>
+        </p:txBody>
+      </p:sp>
+      <p:sp>
+        <p:nvSpPr>
+          <p:cNvPr id="3" name="Espaço Reservado para Conteúdo 2"/>
+          <p:cNvSpPr>
+            <a:spLocks noGrp="1"/>
+          </p:cNvSpPr>
+          <p:nvPr>
+            <p:ph idx="1"/>
+          </p:nvPr>
+        </p:nvSpPr>
+        <p:spPr/>
+        <p:txBody>
+          <a:bodyPr>
+            <a:normAutofit lnSpcReduction="10000"/>
+          </a:bodyPr>
+          <a:lstStyle/>
+          <a:p>
+            <a:r>
+              <a:rPr lang="pt-BR" dirty="0" smtClean="0"/>
+              <a:t>Compreender </a:t>
+            </a:r>
+            <a:r>
+              <a:rPr lang="pt-BR" dirty="0"/>
+              <a:t>o funcionamento da inteligência </a:t>
+            </a:r>
+            <a:endParaRPr lang="pt-BR" dirty="0" smtClean="0"/>
+          </a:p>
+          <a:p>
+            <a:r>
+              <a:rPr lang="pt-BR" dirty="0" smtClean="0"/>
+              <a:t>“O estudo das faculdades mentais através do uso de modelos </a:t>
+            </a:r>
+            <a:r>
+              <a:rPr lang="pt-BR" dirty="0"/>
+              <a:t>computacionais”</a:t>
+            </a:r>
+            <a:br>
+              <a:rPr lang="pt-BR" dirty="0"/>
+            </a:br>
+            <a:r>
+              <a:rPr lang="pt-BR" dirty="0" smtClean="0"/>
+              <a:t>[</a:t>
+            </a:r>
+            <a:r>
+              <a:rPr lang="pt-BR" dirty="0" err="1" smtClean="0"/>
+              <a:t>Charniak,Mcdermott</a:t>
+            </a:r>
+            <a:r>
+              <a:rPr lang="pt-BR" dirty="0" smtClean="0"/>
+              <a:t>]</a:t>
+            </a:r>
+            <a:r>
+              <a:rPr lang="pt-BR" dirty="0"/>
+              <a:t/>
+            </a:r>
+            <a:br>
+              <a:rPr lang="pt-BR" dirty="0"/>
+            </a:br>
+            <a:endParaRPr lang="pt-BR" dirty="0" smtClean="0"/>
+          </a:p>
+          <a:p>
+            <a:r>
+              <a:rPr lang="pt-BR" dirty="0" smtClean="0"/>
+              <a:t>Inteligência artificial é possibilitar aos computadores as atividades de pensamento que os animais e humanos são capazes de realizar [</a:t>
+            </a:r>
+            <a:r>
+              <a:rPr lang="pt-BR" dirty="0" err="1" smtClean="0"/>
+              <a:t>Milligton</a:t>
+            </a:r>
+            <a:r>
+              <a:rPr lang="pt-BR" dirty="0" smtClean="0"/>
+              <a:t>]</a:t>
+            </a:r>
+            <a:r>
+              <a:rPr lang="pt-BR" dirty="0"/>
+              <a:t/>
+            </a:r>
+            <a:br>
+              <a:rPr lang="pt-BR" dirty="0"/>
+            </a:br>
+            <a:endParaRPr lang="pt-BR" dirty="0" smtClean="0"/>
+          </a:p>
+          <a:p>
+            <a:r>
+              <a:rPr lang="pt-BR" dirty="0" smtClean="0"/>
+              <a:t>Em </a:t>
+            </a:r>
+            <a:r>
+              <a:rPr lang="pt-BR" dirty="0"/>
+              <a:t>um jogo, queremos que o computador realize ações similares a que um humano realizaria</a:t>
+            </a:r>
+            <a:br>
+              <a:rPr lang="pt-BR" dirty="0"/>
+            </a:br>
+            <a:endParaRPr lang="pt-BR" dirty="0" smtClean="0"/>
+          </a:p>
+          <a:p>
+            <a:r>
+              <a:rPr lang="pt-BR" dirty="0" smtClean="0"/>
+              <a:t>Diversas </a:t>
+            </a:r>
+            <a:r>
+              <a:rPr lang="pt-BR" dirty="0"/>
+              <a:t>técnicas foram desenvolvidas para modelar sistemas inteligentes: Sistemas Especialistas</a:t>
+            </a:r>
+            <a:r>
+              <a:rPr lang="pt-BR" dirty="0" smtClean="0"/>
+              <a:t>,</a:t>
+            </a:r>
+            <a:r>
+              <a:rPr lang="pt-BR" dirty="0"/>
+              <a:t> Máquina de Estados Finitos, Lógica </a:t>
+            </a:r>
+            <a:r>
+              <a:rPr lang="pt-BR" dirty="0" err="1"/>
+              <a:t>Fuzzy</a:t>
+            </a:r>
+            <a:endParaRPr lang="pt-BR" dirty="0"/>
+          </a:p>
+        </p:txBody>
+      </p:sp>
+    </p:spTree>
+    <p:extLst>
+      <p:ext uri="{BB962C8B-B14F-4D97-AF65-F5344CB8AC3E}">
+        <p14:creationId xmlns:p14="http://schemas.microsoft.com/office/powerpoint/2010/main" val="1608337469"/>
+      </p:ext>
+    </p:extLst>
+  </p:cSld>
+  <p:clrMapOvr>
+    <a:masterClrMapping/>
+  </p:clrMapOvr>
+</p:sld>
+</file>
+
+<file path=ppt/slides/slide6.xml><?xml version="1.0" encoding="utf-8"?>
+<p:sld xmlns:a="http://schemas.openxmlformats.org/drawingml/2006/main" xmlns:r="http://schemas.openxmlformats.org/officeDocument/2006/relationships" xmlns:p="http://schemas.openxmlformats.org/presentationml/2006/main">
+  <p:cSld>
+    <p:spTree>
+      <p:nvGrpSpPr>
+        <p:cNvPr id="1" name=""/>
+        <p:cNvGrpSpPr/>
+        <p:nvPr/>
+      </p:nvGrpSpPr>
+      <p:grpSpPr>
+        <a:xfrm>
+          <a:off x="0" y="0"/>
+          <a:ext cx="0" cy="0"/>
+          <a:chOff x="0" y="0"/>
+          <a:chExt cx="0" cy="0"/>
+        </a:xfrm>
+      </p:grpSpPr>
+      <p:sp>
+        <p:nvSpPr>
+          <p:cNvPr id="2" name="Título 1"/>
+          <p:cNvSpPr>
+            <a:spLocks noGrp="1"/>
+          </p:cNvSpPr>
+          <p:nvPr>
+            <p:ph type="title"/>
+          </p:nvPr>
+        </p:nvSpPr>
+        <p:spPr/>
+        <p:txBody>
+          <a:bodyPr/>
+          <a:lstStyle/>
+          <a:p>
+            <a:r>
+              <a:rPr lang="en-US" dirty="0" err="1" smtClean="0"/>
               <a:t>Lógica</a:t>
             </a:r>
             <a:r>
@@ -8065,7 +9038,12 @@
             <p:ph idx="1"/>
           </p:nvPr>
         </p:nvSpPr>
-        <p:spPr/>
+        <p:spPr>
+          <a:xfrm>
+            <a:off x="677334" y="1525589"/>
+            <a:ext cx="8596668" cy="3880773"/>
+          </a:xfrm>
+        </p:spPr>
         <p:txBody>
           <a:bodyPr/>
           <a:lstStyle/>
@@ -8141,6 +9119,65 @@
               <a:rPr lang="pt-BR" dirty="0" smtClean="0"/>
               <a:t>suave</a:t>
             </a:r>
+          </a:p>
+          <a:p>
+            <a:r>
+              <a:rPr lang="pt-BR" i="1" dirty="0" smtClean="0"/>
+              <a:t>“Um </a:t>
+            </a:r>
+            <a:r>
+              <a:rPr lang="pt-BR" i="1" dirty="0"/>
+              <a:t>conjunto </a:t>
+            </a:r>
+            <a:r>
+              <a:rPr lang="pt-BR" i="1" dirty="0" err="1"/>
+              <a:t>Fuzzy</a:t>
+            </a:r>
+            <a:r>
+              <a:rPr lang="pt-BR" i="1" dirty="0"/>
+              <a:t> é uma classe de objetos graus contínuos de </a:t>
+            </a:r>
+            <a:r>
+              <a:rPr lang="pt-BR" i="1" dirty="0" smtClean="0"/>
+              <a:t>pertinência, sendo caracterizado </a:t>
+            </a:r>
+            <a:r>
+              <a:rPr lang="pt-BR" i="1" dirty="0"/>
+              <a:t>por Funções de </a:t>
+            </a:r>
+            <a:r>
+              <a:rPr lang="pt-BR" i="1" dirty="0" smtClean="0"/>
+              <a:t>Pertinência(características</a:t>
+            </a:r>
+            <a:r>
+              <a:rPr lang="pt-BR" i="1" dirty="0"/>
+              <a:t>) as quais assinalam para cada objeto um Grau de Pertinência variando entre 0 e </a:t>
+            </a:r>
+            <a:r>
+              <a:rPr lang="pt-BR" i="1" dirty="0" smtClean="0"/>
+              <a:t>1.”</a:t>
+            </a:r>
+            <a:r>
+              <a:rPr lang="pt-BR" dirty="0" smtClean="0"/>
+              <a:t> [</a:t>
+            </a:r>
+            <a:r>
+              <a:rPr lang="pt-BR" dirty="0" err="1" smtClean="0"/>
+              <a:t>Lofti</a:t>
+            </a:r>
+            <a:r>
+              <a:rPr lang="pt-BR" dirty="0" smtClean="0"/>
+              <a:t> </a:t>
+            </a:r>
+            <a:r>
+              <a:rPr lang="pt-BR" dirty="0" err="1" smtClean="0"/>
+              <a:t>Zedah</a:t>
+            </a:r>
+            <a:r>
+              <a:rPr lang="pt-BR" dirty="0" smtClean="0"/>
+              <a:t>]</a:t>
+            </a:r>
+            <a:endParaRPr lang="pt-BR" dirty="0" smtClean="0"/>
           </a:p>
         </p:txBody>
       </p:sp>
@@ -8166,8 +9203,8 @@
         </p:blipFill>
         <p:spPr>
           <a:xfrm>
-            <a:off x="1010739" y="3827333"/>
-            <a:ext cx="7139026" cy="2718419"/>
+            <a:off x="1298606" y="4292600"/>
+            <a:ext cx="6161440" cy="2346171"/>
           </a:xfrm>
           <a:prstGeom prst="rect">
             <a:avLst/>
@@ -8187,7 +9224,7 @@
 </p:sld>
 </file>
 
-<file path=ppt/slides/slide5.xml><?xml version="1.0" encoding="utf-8"?>
+<file path=ppt/slides/slide7.xml><?xml version="1.0" encoding="utf-8"?>
 <p:sld xmlns:a="http://schemas.openxmlformats.org/drawingml/2006/main" xmlns:r="http://schemas.openxmlformats.org/officeDocument/2006/relationships" xmlns:p="http://schemas.openxmlformats.org/presentationml/2006/main">
   <p:cSld>
     <p:spTree>
@@ -8300,7 +9337,7 @@
 </p:sld>
 </file>
 
-<file path=ppt/slides/slide6.xml><?xml version="1.0" encoding="utf-8"?>
+<file path=ppt/slides/slide8.xml><?xml version="1.0" encoding="utf-8"?>
 <p:sld xmlns:a="http://schemas.openxmlformats.org/drawingml/2006/main" xmlns:r="http://schemas.openxmlformats.org/officeDocument/2006/relationships" xmlns:p="http://schemas.openxmlformats.org/presentationml/2006/main">
   <p:cSld>
     <p:spTree>
@@ -8424,339 +9461,6 @@
 </p:sld>
 </file>
 
-<file path=ppt/slides/slide7.xml><?xml version="1.0" encoding="utf-8"?>
-<p:sld xmlns:a="http://schemas.openxmlformats.org/drawingml/2006/main" xmlns:r="http://schemas.openxmlformats.org/officeDocument/2006/relationships" xmlns:p="http://schemas.openxmlformats.org/presentationml/2006/main">
-  <p:cSld>
-    <p:spTree>
-      <p:nvGrpSpPr>
-        <p:cNvPr id="1" name=""/>
-        <p:cNvGrpSpPr/>
-        <p:nvPr/>
-      </p:nvGrpSpPr>
-      <p:grpSpPr>
-        <a:xfrm>
-          <a:off x="0" y="0"/>
-          <a:ext cx="0" cy="0"/>
-          <a:chOff x="0" y="0"/>
-          <a:chExt cx="0" cy="0"/>
-        </a:xfrm>
-      </p:grpSpPr>
-      <p:sp>
-        <p:nvSpPr>
-          <p:cNvPr id="2" name="Título 1"/>
-          <p:cNvSpPr>
-            <a:spLocks noGrp="1"/>
-          </p:cNvSpPr>
-          <p:nvPr>
-            <p:ph type="title"/>
-          </p:nvPr>
-        </p:nvSpPr>
-        <p:spPr/>
-        <p:txBody>
-          <a:bodyPr/>
-          <a:lstStyle/>
-          <a:p>
-            <a:r>
-              <a:rPr lang="en-US" dirty="0" err="1"/>
-              <a:t>Lógica</a:t>
-            </a:r>
-            <a:r>
-              <a:rPr lang="en-US" dirty="0"/>
-              <a:t> Fuzzy - </a:t>
-            </a:r>
-            <a:r>
-              <a:rPr lang="en-US" dirty="0" err="1" smtClean="0"/>
-              <a:t>Variáveis</a:t>
-            </a:r>
-            <a:r>
-              <a:rPr lang="en-US" dirty="0" smtClean="0"/>
-              <a:t> </a:t>
-            </a:r>
-            <a:r>
-              <a:rPr lang="en-US" dirty="0" err="1"/>
-              <a:t>linguisticas</a:t>
-            </a:r>
-            <a:endParaRPr lang="pt-BR" dirty="0"/>
-          </a:p>
-        </p:txBody>
-      </p:sp>
-      <p:sp>
-        <p:nvSpPr>
-          <p:cNvPr id="3" name="Espaço Reservado para Conteúdo 2"/>
-          <p:cNvSpPr>
-            <a:spLocks noGrp="1"/>
-          </p:cNvSpPr>
-          <p:nvPr>
-            <p:ph idx="1"/>
-          </p:nvPr>
-        </p:nvSpPr>
-        <p:spPr/>
-        <p:txBody>
-          <a:bodyPr/>
-          <a:lstStyle/>
-          <a:p>
-            <a:r>
-              <a:rPr lang="pt-BR" dirty="0"/>
-              <a:t>São elementos que qualificam uma </a:t>
-            </a:r>
-            <a:r>
-              <a:rPr lang="pt-BR" dirty="0" smtClean="0"/>
-              <a:t>variável</a:t>
-            </a:r>
-          </a:p>
-          <a:p>
-            <a:r>
-              <a:rPr lang="pt-BR" dirty="0"/>
-              <a:t>Definem um conjunto </a:t>
-            </a:r>
-            <a:r>
-              <a:rPr lang="pt-BR" dirty="0" err="1" smtClean="0"/>
-              <a:t>fuzzy</a:t>
-            </a:r>
-            <a:endParaRPr lang="pt-BR" dirty="0" smtClean="0"/>
-          </a:p>
-          <a:p>
-            <a:r>
-              <a:rPr lang="pt-BR" dirty="0"/>
-              <a:t>Exemplos de Variáveis Linguísticas: Alto, Baixo, Forte, Fraco</a:t>
-            </a:r>
-          </a:p>
-        </p:txBody>
-      </p:sp>
-    </p:spTree>
-    <p:extLst>
-      <p:ext uri="{BB962C8B-B14F-4D97-AF65-F5344CB8AC3E}">
-        <p14:creationId xmlns:p14="http://schemas.microsoft.com/office/powerpoint/2010/main" val="2993192327"/>
-      </p:ext>
-    </p:extLst>
-  </p:cSld>
-  <p:clrMapOvr>
-    <a:masterClrMapping/>
-  </p:clrMapOvr>
-</p:sld>
-</file>
-
-<file path=ppt/slides/slide8.xml><?xml version="1.0" encoding="utf-8"?>
-<p:sld xmlns:a="http://schemas.openxmlformats.org/drawingml/2006/main" xmlns:r="http://schemas.openxmlformats.org/officeDocument/2006/relationships" xmlns:p="http://schemas.openxmlformats.org/presentationml/2006/main">
-  <p:cSld>
-    <p:spTree>
-      <p:nvGrpSpPr>
-        <p:cNvPr id="1" name=""/>
-        <p:cNvGrpSpPr/>
-        <p:nvPr/>
-      </p:nvGrpSpPr>
-      <p:grpSpPr>
-        <a:xfrm>
-          <a:off x="0" y="0"/>
-          <a:ext cx="0" cy="0"/>
-          <a:chOff x="0" y="0"/>
-          <a:chExt cx="0" cy="0"/>
-        </a:xfrm>
-      </p:grpSpPr>
-      <p:sp>
-        <p:nvSpPr>
-          <p:cNvPr id="2" name="Título 1"/>
-          <p:cNvSpPr>
-            <a:spLocks noGrp="1"/>
-          </p:cNvSpPr>
-          <p:nvPr>
-            <p:ph type="title"/>
-          </p:nvPr>
-        </p:nvSpPr>
-        <p:spPr/>
-        <p:txBody>
-          <a:bodyPr/>
-          <a:lstStyle/>
-          <a:p>
-            <a:r>
-              <a:rPr lang="pt-BR" dirty="0" smtClean="0"/>
-              <a:t>Lógica </a:t>
-            </a:r>
-            <a:r>
-              <a:rPr lang="pt-BR" dirty="0" err="1" smtClean="0"/>
-              <a:t>Fuzzy</a:t>
-            </a:r>
-            <a:r>
-              <a:rPr lang="pt-BR" dirty="0" smtClean="0"/>
-              <a:t> - Regras </a:t>
-            </a:r>
-            <a:r>
-              <a:rPr lang="pt-BR" dirty="0"/>
-              <a:t>e Variáveis </a:t>
-            </a:r>
-            <a:r>
-              <a:rPr lang="pt-BR" dirty="0" err="1"/>
-              <a:t>Fuzzy</a:t>
-            </a:r>
-            <a:endParaRPr lang="pt-BR" dirty="0"/>
-          </a:p>
-        </p:txBody>
-      </p:sp>
-      <p:sp>
-        <p:nvSpPr>
-          <p:cNvPr id="3" name="Espaço Reservado para Conteúdo 2"/>
-          <p:cNvSpPr>
-            <a:spLocks noGrp="1"/>
-          </p:cNvSpPr>
-          <p:nvPr>
-            <p:ph idx="1"/>
-          </p:nvPr>
-        </p:nvSpPr>
-        <p:spPr/>
-        <p:txBody>
-          <a:bodyPr/>
-          <a:lstStyle/>
-          <a:p>
-            <a:pPr algn="just"/>
-            <a:r>
-              <a:rPr lang="pt-BR" dirty="0"/>
-              <a:t>Ao aplicarmos a Lógica </a:t>
-            </a:r>
-            <a:r>
-              <a:rPr lang="pt-BR" dirty="0" err="1"/>
-              <a:t>Fuzzy</a:t>
-            </a:r>
-            <a:r>
-              <a:rPr lang="pt-BR" dirty="0"/>
-              <a:t> para resolver algum problema, precisamos  analisá-lo e definir as regras que irão controlar o comportamento do  sistema em </a:t>
-            </a:r>
-            <a:r>
-              <a:rPr lang="pt-BR" dirty="0" smtClean="0"/>
-              <a:t>questão</a:t>
-            </a:r>
-          </a:p>
-          <a:p>
-            <a:r>
-              <a:rPr lang="pt-BR" dirty="0"/>
-              <a:t> - As Regras </a:t>
-            </a:r>
-            <a:r>
-              <a:rPr lang="pt-BR" dirty="0" err="1"/>
-              <a:t>Fuzzy</a:t>
-            </a:r>
-            <a:r>
-              <a:rPr lang="pt-BR" dirty="0"/>
-              <a:t> possuem o seguinte </a:t>
-            </a:r>
-            <a:r>
-              <a:rPr lang="pt-BR" dirty="0" smtClean="0"/>
-              <a:t>formato:         </a:t>
-            </a:r>
-            <a:br>
-              <a:rPr lang="pt-BR" dirty="0" smtClean="0"/>
-            </a:br>
-            <a:r>
-              <a:rPr lang="pt-BR" dirty="0" smtClean="0"/>
-              <a:t/>
-            </a:r>
-            <a:br>
-              <a:rPr lang="pt-BR" dirty="0" smtClean="0"/>
-            </a:br>
-            <a:r>
-              <a:rPr lang="pt-BR" dirty="0" smtClean="0"/>
-              <a:t>					</a:t>
-            </a:r>
-            <a:r>
-              <a:rPr lang="pt-BR" b="1" dirty="0" smtClean="0"/>
-              <a:t>SE</a:t>
-            </a:r>
-            <a:r>
-              <a:rPr lang="pt-BR" dirty="0" smtClean="0"/>
-              <a:t> </a:t>
-            </a:r>
-            <a:r>
-              <a:rPr lang="pt-BR" i="1" dirty="0"/>
-              <a:t>condição</a:t>
-            </a:r>
-            <a:r>
-              <a:rPr lang="pt-BR" dirty="0"/>
-              <a:t> </a:t>
-            </a:r>
-            <a:r>
-              <a:rPr lang="pt-BR" b="1" dirty="0"/>
-              <a:t>ENTAO</a:t>
-            </a:r>
-            <a:r>
-              <a:rPr lang="pt-BR" dirty="0"/>
-              <a:t> </a:t>
-            </a:r>
-            <a:r>
-              <a:rPr lang="pt-BR" i="1" dirty="0" smtClean="0"/>
-              <a:t>conclusão</a:t>
-            </a:r>
-          </a:p>
-          <a:p>
-            <a:r>
-              <a:rPr lang="pt-BR" dirty="0" smtClean="0"/>
-              <a:t>Na </a:t>
-            </a:r>
-            <a:r>
-              <a:rPr lang="pt-BR" dirty="0"/>
-              <a:t>condição, é avaliado o valor de uma variável do sistema em questão, na conclusão, é uma ação ou definição realizada a partir da avaliação da variável</a:t>
-            </a:r>
-            <a:r>
-              <a:rPr lang="pt-BR" dirty="0" smtClean="0"/>
-              <a:t>:</a:t>
-            </a:r>
-            <a:br>
-              <a:rPr lang="pt-BR" dirty="0" smtClean="0"/>
-            </a:br>
-            <a:r>
-              <a:rPr lang="pt-BR" dirty="0"/>
-              <a:t/>
-            </a:r>
-            <a:br>
-              <a:rPr lang="pt-BR" dirty="0"/>
-            </a:br>
-            <a:r>
-              <a:rPr lang="pt-BR" dirty="0" smtClean="0"/>
-              <a:t>					</a:t>
-            </a:r>
-            <a:r>
-              <a:rPr lang="pt-BR" b="1" dirty="0" smtClean="0"/>
-              <a:t>SE</a:t>
-            </a:r>
-            <a:r>
-              <a:rPr lang="pt-BR" dirty="0" smtClean="0"/>
-              <a:t> </a:t>
-            </a:r>
-            <a:r>
-              <a:rPr lang="pt-BR" i="1" dirty="0"/>
-              <a:t>velocidade = alta</a:t>
-            </a:r>
-            <a:r>
-              <a:rPr lang="pt-BR" dirty="0"/>
-              <a:t> </a:t>
-            </a:r>
-            <a:r>
-              <a:rPr lang="pt-BR" b="1" dirty="0"/>
-              <a:t>ENTAO</a:t>
-            </a:r>
-            <a:r>
-              <a:rPr lang="pt-BR" dirty="0"/>
-              <a:t> </a:t>
-            </a:r>
-            <a:r>
-              <a:rPr lang="pt-BR" i="1" dirty="0" err="1"/>
-              <a:t>freio_medio</a:t>
-            </a:r>
-            <a:endParaRPr lang="pt-BR" i="1" dirty="0"/>
-          </a:p>
-        </p:txBody>
-      </p:sp>
-    </p:spTree>
-    <p:extLst>
-      <p:ext uri="{BB962C8B-B14F-4D97-AF65-F5344CB8AC3E}">
-        <p14:creationId xmlns:p14="http://schemas.microsoft.com/office/powerpoint/2010/main" val="3225913590"/>
-      </p:ext>
-    </p:extLst>
-  </p:cSld>
-  <p:clrMapOvr>
-    <a:masterClrMapping/>
-  </p:clrMapOvr>
-</p:sld>
-</file>
-
 <file path=ppt/slides/slide9.xml><?xml version="1.0" encoding="utf-8"?>
 <p:sld xmlns:a="http://schemas.openxmlformats.org/drawingml/2006/main" xmlns:r="http://schemas.openxmlformats.org/officeDocument/2006/relationships" xmlns:p="http://schemas.openxmlformats.org/presentationml/2006/main">
   <p:cSld>
@@ -8790,7 +9494,7 @@
           <a:lstStyle/>
           <a:p>
             <a:r>
-              <a:rPr lang="en-US" dirty="0" err="1" smtClean="0"/>
+              <a:rPr lang="en-US" dirty="0" err="1"/>
               <a:t>Lógica</a:t>
             </a:r>
             <a:r>
@@ -8798,12 +9502,16 @@
               <a:t> Fuzzy - </a:t>
             </a:r>
             <a:r>
+              <a:rPr lang="en-US" dirty="0" err="1" smtClean="0"/>
+              <a:t>Variáveis</a:t>
+            </a:r>
+            <a:r>
+              <a:rPr lang="en-US" dirty="0" smtClean="0"/>
+              <a:t> </a:t>
+            </a:r>
+            <a:r>
               <a:rPr lang="en-US" dirty="0" err="1"/>
-              <a:t>Operadores</a:t>
-            </a:r>
-            <a:r>
-              <a:rPr lang="en-US" dirty="0"/>
-              <a:t> Fuzzy</a:t>
+              <a:t>linguisticas</a:t>
             </a:r>
             <a:endParaRPr lang="pt-BR" dirty="0"/>
           </a:p>
@@ -8826,58 +9534,36 @@
           <a:p>
             <a:r>
               <a:rPr lang="pt-BR" dirty="0"/>
-              <a:t>Para que seja realizada a inferência das Regras </a:t>
-            </a:r>
-            <a:r>
-              <a:rPr lang="pt-BR" dirty="0" err="1"/>
-              <a:t>Fuzzy</a:t>
-            </a:r>
-            <a:r>
-              <a:rPr lang="pt-BR" dirty="0"/>
-              <a:t>, são definidos os seguintes </a:t>
+              <a:t>São elementos que qualificam uma </a:t>
             </a:r>
             <a:r>
               <a:rPr lang="pt-BR" dirty="0" smtClean="0"/>
-              <a:t>operadores</a:t>
-            </a:r>
-            <a:endParaRPr lang="pt-BR" dirty="0"/>
-          </a:p>
-        </p:txBody>
-      </p:sp>
-      <p:pic>
-        <p:nvPicPr>
-          <p:cNvPr id="4" name="Imagem 3"/>
-          <p:cNvPicPr>
-            <a:picLocks noChangeAspect="1"/>
-          </p:cNvPicPr>
-          <p:nvPr/>
-        </p:nvPicPr>
-        <p:blipFill>
-          <a:blip r:embed="rId2">
-            <a:extLst>
-              <a:ext uri="{28A0092B-C50C-407E-A947-70E740481C1C}">
-                <a14:useLocalDpi xmlns:a14="http://schemas.microsoft.com/office/drawing/2010/main" val="0"/>
-              </a:ext>
-            </a:extLst>
-          </a:blip>
-          <a:stretch>
-            <a:fillRect/>
-          </a:stretch>
-        </p:blipFill>
-        <p:spPr>
-          <a:xfrm>
-            <a:off x="1787611" y="3032410"/>
-            <a:ext cx="5807676" cy="3151302"/>
-          </a:xfrm>
-          <a:prstGeom prst="rect">
-            <a:avLst/>
-          </a:prstGeom>
-        </p:spPr>
-      </p:pic>
+              <a:t>variável</a:t>
+            </a:r>
+          </a:p>
+          <a:p>
+            <a:r>
+              <a:rPr lang="pt-BR" dirty="0"/>
+              <a:t>Definem um conjunto </a:t>
+            </a:r>
+            <a:r>
+              <a:rPr lang="pt-BR" dirty="0" err="1" smtClean="0"/>
+              <a:t>fuzzy</a:t>
+            </a:r>
+            <a:endParaRPr lang="pt-BR" dirty="0" smtClean="0"/>
+          </a:p>
+          <a:p>
+            <a:r>
+              <a:rPr lang="pt-BR" dirty="0"/>
+              <a:t>Exemplos de Variáveis Linguísticas: Alto, Baixo, Forte, Fraco</a:t>
+            </a:r>
+          </a:p>
+        </p:txBody>
+      </p:sp>
     </p:spTree>
     <p:extLst>
       <p:ext uri="{BB962C8B-B14F-4D97-AF65-F5344CB8AC3E}">
-        <p14:creationId xmlns:p14="http://schemas.microsoft.com/office/powerpoint/2010/main" val="994432945"/>
+        <p14:creationId xmlns:p14="http://schemas.microsoft.com/office/powerpoint/2010/main" val="2993192327"/>
       </p:ext>
     </p:extLst>
   </p:cSld>

--- a/Tfg/TrabDocs/Docs/finais/apresentacao.pptx
+++ b/Tfg/TrabDocs/Docs/finais/apresentacao.pptx
@@ -857,7 +857,7 @@
             <a:fld id="{B61BEF0D-F0BB-DE4B-95CE-6DB70DBA9567}" type="datetimeFigureOut">
               <a:rPr lang="en-US" dirty="0"/>
               <a:pPr/>
-              <a:t>6/24/2017</a:t>
+              <a:t>6/25/2017</a:t>
             </a:fld>
             <a:endParaRPr lang="en-US" dirty="0"/>
           </a:p>
@@ -1105,7 +1105,7 @@
             <a:fld id="{B61BEF0D-F0BB-DE4B-95CE-6DB70DBA9567}" type="datetimeFigureOut">
               <a:rPr lang="en-US" dirty="0"/>
               <a:pPr/>
-              <a:t>6/24/2017</a:t>
+              <a:t>6/25/2017</a:t>
             </a:fld>
             <a:endParaRPr lang="en-US" dirty="0"/>
           </a:p>
@@ -1416,7 +1416,7 @@
             <a:fld id="{B61BEF0D-F0BB-DE4B-95CE-6DB70DBA9567}" type="datetimeFigureOut">
               <a:rPr lang="en-US" dirty="0"/>
               <a:pPr/>
-              <a:t>6/24/2017</a:t>
+              <a:t>6/25/2017</a:t>
             </a:fld>
             <a:endParaRPr lang="en-US" dirty="0"/>
           </a:p>
@@ -1754,7 +1754,7 @@
             <a:fld id="{B61BEF0D-F0BB-DE4B-95CE-6DB70DBA9567}" type="datetimeFigureOut">
               <a:rPr lang="en-US" dirty="0"/>
               <a:pPr/>
-              <a:t>6/24/2017</a:t>
+              <a:t>6/25/2017</a:t>
             </a:fld>
             <a:endParaRPr lang="en-US" dirty="0"/>
           </a:p>
@@ -2065,7 +2065,7 @@
             <a:fld id="{B61BEF0D-F0BB-DE4B-95CE-6DB70DBA9567}" type="datetimeFigureOut">
               <a:rPr lang="en-US" dirty="0"/>
               <a:pPr/>
-              <a:t>6/24/2017</a:t>
+              <a:t>6/25/2017</a:t>
             </a:fld>
             <a:endParaRPr lang="en-US" dirty="0"/>
           </a:p>
@@ -2455,7 +2455,7 @@
             <a:fld id="{B61BEF0D-F0BB-DE4B-95CE-6DB70DBA9567}" type="datetimeFigureOut">
               <a:rPr lang="en-US" dirty="0"/>
               <a:pPr/>
-              <a:t>6/24/2017</a:t>
+              <a:t>6/25/2017</a:t>
             </a:fld>
             <a:endParaRPr lang="en-US" dirty="0"/>
           </a:p>
@@ -2621,7 +2621,7 @@
           <a:p>
             <a:fld id="{55C6B4A9-1611-4792-9094-5F34BCA07E0B}" type="datetimeFigureOut">
               <a:rPr lang="en-US" dirty="0"/>
-              <a:t>6/24/2017</a:t>
+              <a:t>6/25/2017</a:t>
             </a:fld>
             <a:endParaRPr lang="en-US" dirty="0"/>
           </a:p>
@@ -2797,7 +2797,7 @@
             <a:fld id="{B61BEF0D-F0BB-DE4B-95CE-6DB70DBA9567}" type="datetimeFigureOut">
               <a:rPr lang="en-US" dirty="0"/>
               <a:pPr/>
-              <a:t>6/24/2017</a:t>
+              <a:t>6/25/2017</a:t>
             </a:fld>
             <a:endParaRPr lang="en-US" dirty="0"/>
           </a:p>
@@ -2970,7 +2970,7 @@
             <a:fld id="{B61BEF0D-F0BB-DE4B-95CE-6DB70DBA9567}" type="datetimeFigureOut">
               <a:rPr lang="en-US" dirty="0"/>
               <a:pPr/>
-              <a:t>6/24/2017</a:t>
+              <a:t>6/25/2017</a:t>
             </a:fld>
             <a:endParaRPr lang="en-US" dirty="0"/>
           </a:p>
@@ -3214,7 +3214,7 @@
             <a:fld id="{B61BEF0D-F0BB-DE4B-95CE-6DB70DBA9567}" type="datetimeFigureOut">
               <a:rPr lang="en-US" dirty="0"/>
               <a:pPr/>
-              <a:t>6/24/2017</a:t>
+              <a:t>6/25/2017</a:t>
             </a:fld>
             <a:endParaRPr lang="en-US" dirty="0"/>
           </a:p>
@@ -3442,7 +3442,7 @@
           <a:p>
             <a:fld id="{EB712588-04B1-427B-82EE-E8DB90309F08}" type="datetimeFigureOut">
               <a:rPr lang="en-US" dirty="0"/>
-              <a:t>6/24/2017</a:t>
+              <a:t>6/25/2017</a:t>
             </a:fld>
             <a:endParaRPr lang="en-US" dirty="0"/>
           </a:p>
@@ -3812,7 +3812,7 @@
             <a:fld id="{B61BEF0D-F0BB-DE4B-95CE-6DB70DBA9567}" type="datetimeFigureOut">
               <a:rPr lang="en-US" dirty="0"/>
               <a:pPr/>
-              <a:t>6/24/2017</a:t>
+              <a:t>6/25/2017</a:t>
             </a:fld>
             <a:endParaRPr lang="en-US" dirty="0"/>
           </a:p>
@@ -3932,7 +3932,7 @@
             <a:fld id="{B61BEF0D-F0BB-DE4B-95CE-6DB70DBA9567}" type="datetimeFigureOut">
               <a:rPr lang="en-US" dirty="0"/>
               <a:pPr/>
-              <a:t>6/24/2017</a:t>
+              <a:t>6/25/2017</a:t>
             </a:fld>
             <a:endParaRPr lang="en-US" dirty="0"/>
           </a:p>
@@ -4024,7 +4024,7 @@
             <a:fld id="{B61BEF0D-F0BB-DE4B-95CE-6DB70DBA9567}" type="datetimeFigureOut">
               <a:rPr lang="en-US" dirty="0"/>
               <a:pPr/>
-              <a:t>6/24/2017</a:t>
+              <a:t>6/25/2017</a:t>
             </a:fld>
             <a:endParaRPr lang="en-US" dirty="0"/>
           </a:p>
@@ -4275,7 +4275,7 @@
           <a:p>
             <a:fld id="{42A54C80-263E-416B-A8E0-580EDEADCBDC}" type="datetimeFigureOut">
               <a:rPr lang="en-US" dirty="0"/>
-              <a:t>6/24/2017</a:t>
+              <a:t>6/25/2017</a:t>
             </a:fld>
             <a:endParaRPr lang="en-US" dirty="0"/>
           </a:p>
@@ -4534,7 +4534,7 @@
             <a:fld id="{B61BEF0D-F0BB-DE4B-95CE-6DB70DBA9567}" type="datetimeFigureOut">
               <a:rPr lang="en-US" dirty="0"/>
               <a:pPr/>
-              <a:t>6/24/2017</a:t>
+              <a:t>6/25/2017</a:t>
             </a:fld>
             <a:endParaRPr lang="en-US" dirty="0"/>
           </a:p>
@@ -5274,7 +5274,7 @@
             <a:fld id="{B61BEF0D-F0BB-DE4B-95CE-6DB70DBA9567}" type="datetimeFigureOut">
               <a:rPr lang="en-US" dirty="0"/>
               <a:pPr/>
-              <a:t>6/24/2017</a:t>
+              <a:t>6/25/2017</a:t>
             </a:fld>
             <a:endParaRPr lang="en-US" dirty="0"/>
           </a:p>
@@ -5915,6 +5915,13 @@
   <p:clrMapOvr>
     <a:masterClrMapping/>
   </p:clrMapOvr>
+  <p:timing>
+    <p:tnLst>
+      <p:par>
+        <p:cTn id="1" dur="indefinite" restart="never" nodeType="tmRoot"/>
+      </p:par>
+    </p:tnLst>
+  </p:timing>
 </p:sld>
 </file>
 
@@ -6136,6 +6143,13 @@
   <p:clrMapOvr>
     <a:masterClrMapping/>
   </p:clrMapOvr>
+  <p:timing>
+    <p:tnLst>
+      <p:par>
+        <p:cTn id="1" dur="indefinite" restart="never" nodeType="tmRoot"/>
+      </p:par>
+    </p:tnLst>
+  </p:timing>
 </p:sld>
 </file>
 
@@ -6266,6 +6280,13 @@
   <p:clrMapOvr>
     <a:masterClrMapping/>
   </p:clrMapOvr>
+  <p:timing>
+    <p:tnLst>
+      <p:par>
+        <p:cTn id="1" dur="indefinite" restart="never" nodeType="tmRoot"/>
+      </p:par>
+    </p:tnLst>
+  </p:timing>
 </p:sld>
 </file>
 
@@ -6391,6 +6412,13 @@
   <p:clrMapOvr>
     <a:masterClrMapping/>
   </p:clrMapOvr>
+  <p:timing>
+    <p:tnLst>
+      <p:par>
+        <p:cTn id="1" dur="indefinite" restart="never" nodeType="tmRoot"/>
+      </p:par>
+    </p:tnLst>
+  </p:timing>
 </p:sld>
 </file>
 
@@ -6570,6 +6598,13 @@
   <p:clrMapOvr>
     <a:masterClrMapping/>
   </p:clrMapOvr>
+  <p:timing>
+    <p:tnLst>
+      <p:par>
+        <p:cTn id="1" dur="indefinite" restart="never" nodeType="tmRoot"/>
+      </p:par>
+    </p:tnLst>
+  </p:timing>
 </p:sld>
 </file>
 
@@ -6627,6 +6662,13 @@
   <p:clrMapOvr>
     <a:masterClrMapping/>
   </p:clrMapOvr>
+  <p:timing>
+    <p:tnLst>
+      <p:par>
+        <p:cTn id="1" dur="indefinite" restart="never" nodeType="tmRoot"/>
+      </p:par>
+    </p:tnLst>
+  </p:timing>
 </p:sld>
 </file>
 
@@ -6718,6 +6760,13 @@
   <p:clrMapOvr>
     <a:masterClrMapping/>
   </p:clrMapOvr>
+  <p:timing>
+    <p:tnLst>
+      <p:par>
+        <p:cTn id="1" dur="indefinite" restart="never" nodeType="tmRoot"/>
+      </p:par>
+    </p:tnLst>
+  </p:timing>
 </p:sld>
 </file>
 
@@ -6876,6 +6925,13 @@
   <p:clrMapOvr>
     <a:masterClrMapping/>
   </p:clrMapOvr>
+  <p:timing>
+    <p:tnLst>
+      <p:par>
+        <p:cTn id="1" dur="indefinite" restart="never" nodeType="tmRoot"/>
+      </p:par>
+    </p:tnLst>
+  </p:timing>
 </p:sld>
 </file>
 
@@ -6984,6 +7040,13 @@
   <p:clrMapOvr>
     <a:masterClrMapping/>
   </p:clrMapOvr>
+  <p:timing>
+    <p:tnLst>
+      <p:par>
+        <p:cTn id="1" dur="indefinite" restart="never" nodeType="tmRoot"/>
+      </p:par>
+    </p:tnLst>
+  </p:timing>
 </p:sld>
 </file>
 
@@ -7125,6 +7188,13 @@
   <p:clrMapOvr>
     <a:masterClrMapping/>
   </p:clrMapOvr>
+  <p:timing>
+    <p:tnLst>
+      <p:par>
+        <p:cTn id="1" dur="indefinite" restart="never" nodeType="tmRoot"/>
+      </p:par>
+    </p:tnLst>
+  </p:timing>
 </p:sld>
 </file>
 
@@ -7229,6 +7299,13 @@
   <p:clrMapOvr>
     <a:masterClrMapping/>
   </p:clrMapOvr>
+  <p:timing>
+    <p:tnLst>
+      <p:par>
+        <p:cTn id="1" dur="indefinite" restart="never" nodeType="tmRoot"/>
+      </p:par>
+    </p:tnLst>
+  </p:timing>
 </p:sld>
 </file>
 
@@ -7400,6 +7477,13 @@
   <p:clrMapOvr>
     <a:masterClrMapping/>
   </p:clrMapOvr>
+  <p:timing>
+    <p:tnLst>
+      <p:par>
+        <p:cTn id="1" dur="indefinite" restart="never" nodeType="tmRoot"/>
+      </p:par>
+    </p:tnLst>
+  </p:timing>
 </p:sld>
 </file>
 
@@ -7555,6 +7639,13 @@
   <p:clrMapOvr>
     <a:masterClrMapping/>
   </p:clrMapOvr>
+  <p:timing>
+    <p:tnLst>
+      <p:par>
+        <p:cTn id="1" dur="indefinite" restart="never" nodeType="tmRoot"/>
+      </p:par>
+    </p:tnLst>
+  </p:timing>
 </p:sld>
 </file>
 
@@ -7714,6 +7805,13 @@
   <p:clrMapOvr>
     <a:masterClrMapping/>
   </p:clrMapOvr>
+  <p:timing>
+    <p:tnLst>
+      <p:par>
+        <p:cTn id="1" dur="indefinite" restart="never" nodeType="tmRoot"/>
+      </p:par>
+    </p:tnLst>
+  </p:timing>
 </p:sld>
 </file>
 
@@ -8029,6 +8127,13 @@
   <p:clrMapOvr>
     <a:masterClrMapping/>
   </p:clrMapOvr>
+  <p:timing>
+    <p:tnLst>
+      <p:par>
+        <p:cTn id="1" dur="indefinite" restart="never" nodeType="tmRoot"/>
+      </p:par>
+    </p:tnLst>
+  </p:timing>
 </p:sld>
 </file>
 
@@ -8130,7 +8235,15 @@
             </a:r>
             <a:r>
               <a:rPr lang="pt-BR" dirty="0"/>
-              <a:t> aumentam a melhoram capacidade do sistema</a:t>
+              <a:t> aumentam a </a:t>
+            </a:r>
+            <a:r>
+              <a:rPr lang="pt-BR" dirty="0" smtClean="0"/>
+              <a:t>capacidade </a:t>
+            </a:r>
+            <a:r>
+              <a:rPr lang="pt-BR" dirty="0"/>
+              <a:t>do sistema</a:t>
             </a:r>
             <a:br>
               <a:rPr lang="pt-BR" dirty="0"/>
@@ -8163,6 +8276,13 @@
   <p:clrMapOvr>
     <a:masterClrMapping/>
   </p:clrMapOvr>
+  <p:timing>
+    <p:tnLst>
+      <p:par>
+        <p:cTn id="1" dur="indefinite" restart="never" nodeType="tmRoot"/>
+      </p:par>
+    </p:tnLst>
+  </p:timing>
 </p:sld>
 </file>
 
@@ -8330,6 +8450,13 @@
   <p:clrMapOvr>
     <a:masterClrMapping/>
   </p:clrMapOvr>
+  <p:timing>
+    <p:tnLst>
+      <p:par>
+        <p:cTn id="1" dur="indefinite" restart="never" nodeType="tmRoot"/>
+      </p:par>
+    </p:tnLst>
+  </p:timing>
 </p:sld>
 </file>
 
@@ -8804,6 +8931,13 @@
   <p:clrMapOvr>
     <a:masterClrMapping/>
   </p:clrMapOvr>
+  <p:timing>
+    <p:tnLst>
+      <p:par>
+        <p:cTn id="1" dur="indefinite" restart="never" nodeType="tmRoot"/>
+      </p:par>
+    </p:tnLst>
+  </p:timing>
 </p:sld>
 </file>
 
@@ -8981,6 +9115,13 @@
   <p:clrMapOvr>
     <a:masterClrMapping/>
   </p:clrMapOvr>
+  <p:timing>
+    <p:tnLst>
+      <p:par>
+        <p:cTn id="1" dur="indefinite" restart="never" nodeType="tmRoot"/>
+      </p:par>
+    </p:tnLst>
+  </p:timing>
 </p:sld>
 </file>
 
@@ -9177,7 +9318,6 @@
               <a:rPr lang="pt-BR" dirty="0" smtClean="0"/>
               <a:t>]</a:t>
             </a:r>
-            <a:endParaRPr lang="pt-BR" dirty="0" smtClean="0"/>
           </a:p>
         </p:txBody>
       </p:sp>
@@ -9221,6 +9361,13 @@
   <p:clrMapOvr>
     <a:masterClrMapping/>
   </p:clrMapOvr>
+  <p:timing>
+    <p:tnLst>
+      <p:par>
+        <p:cTn id="1" dur="indefinite" restart="never" nodeType="tmRoot"/>
+      </p:par>
+    </p:tnLst>
+  </p:timing>
 </p:sld>
 </file>
 
@@ -9334,6 +9481,13 @@
   <p:clrMapOvr>
     <a:masterClrMapping/>
   </p:clrMapOvr>
+  <p:timing>
+    <p:tnLst>
+      <p:par>
+        <p:cTn id="1" dur="indefinite" restart="never" nodeType="tmRoot"/>
+      </p:par>
+    </p:tnLst>
+  </p:timing>
 </p:sld>
 </file>
 
@@ -9458,6 +9612,13 @@
   <p:clrMapOvr>
     <a:masterClrMapping/>
   </p:clrMapOvr>
+  <p:timing>
+    <p:tnLst>
+      <p:par>
+        <p:cTn id="1" dur="indefinite" restart="never" nodeType="tmRoot"/>
+      </p:par>
+    </p:tnLst>
+  </p:timing>
 </p:sld>
 </file>
 
@@ -9570,6 +9731,13 @@
   <p:clrMapOvr>
     <a:masterClrMapping/>
   </p:clrMapOvr>
+  <p:timing>
+    <p:tnLst>
+      <p:par>
+        <p:cTn id="1" dur="indefinite" restart="never" nodeType="tmRoot"/>
+      </p:par>
+    </p:tnLst>
+  </p:timing>
 </p:sld>
 </file>
 

--- a/Tfg/TrabDocs/Docs/finais/apresentacao.pptx
+++ b/Tfg/TrabDocs/Docs/finais/apresentacao.pptx
@@ -9671,8 +9671,8 @@
               <a:t> </a:t>
             </a:r>
             <a:r>
-              <a:rPr lang="en-US" dirty="0" err="1"/>
-              <a:t>linguisticas</a:t>
+              <a:rPr lang="en-US" dirty="0" err="1" smtClean="0"/>
+              <a:t>linguísticas</a:t>
             </a:r>
             <a:endParaRPr lang="pt-BR" dirty="0"/>
           </a:p>
